--- a/Presentation-A1.pptx
+++ b/Presentation-A1.pptx
@@ -1,6 +1,6 @@
 
 <file path=ppt/presentation.xml><?xml version="1.0" encoding="utf-8"?>
-<p:presentation xmlns:a="http://schemas.openxmlformats.org/drawingml/2006/main" xmlns:r="http://schemas.openxmlformats.org/officeDocument/2006/relationships" xmlns:mc="http://schemas.openxmlformats.org/markup-compatibility/2006" xmlns:mv="urn:schemas-microsoft-com:mac:vml" xmlns:p="http://schemas.openxmlformats.org/presentationml/2006/main" xmlns:c="http://schemas.openxmlformats.org/drawingml/2006/chart" xmlns:dgm="http://schemas.openxmlformats.org/drawingml/2006/diagram" xmlns:o="urn:schemas-microsoft-com:office:office" xmlns:v="urn:schemas-microsoft-com:vml" xmlns:pvml="urn:schemas-microsoft-com:office:powerpoint" xmlns:com="http://schemas.openxmlformats.org/drawingml/2006/compatibility" xmlns:p14="http://schemas.microsoft.com/office/powerpoint/2010/main" xmlns:p15="http://schemas.microsoft.com/office/powerpoint/2012/main" autoCompressPictures="0" strictFirstAndLastChars="0" saveSubsetFonts="1">
+<p:presentation xmlns:a="http://schemas.openxmlformats.org/drawingml/2006/main" xmlns:r="http://schemas.openxmlformats.org/officeDocument/2006/relationships" xmlns:mc="http://schemas.openxmlformats.org/markup-compatibility/2006" xmlns:mv="urn:schemas-microsoft-com:mac:vml" xmlns:p="http://schemas.openxmlformats.org/presentationml/2006/main" xmlns:c="http://schemas.openxmlformats.org/drawingml/2006/chart" xmlns:dgm="http://schemas.openxmlformats.org/drawingml/2006/diagram" xmlns:o="urn:schemas-microsoft-com:office:office" xmlns:v="urn:schemas-microsoft-com:vml" xmlns:pvml="urn:schemas-microsoft-com:office:powerpoint" xmlns:com="http://schemas.openxmlformats.org/drawingml/2006/compatibility" xmlns:p14="http://schemas.microsoft.com/office/powerpoint/2010/main" xmlns:p15="http://schemas.microsoft.com/office/powerpoint/2012/main" autoCompressPictures="0" embedTrueTypeFonts="1" strictFirstAndLastChars="0" saveSubsetFonts="1" showSpecialPlsOnTitleSld="0">
   <p:sldMasterIdLst>
     <p:sldMasterId id="2147483659" r:id="rId3"/>
   </p:sldMasterIdLst>
@@ -17,9 +17,26 @@
     <p:sldId id="262" r:id="rId11"/>
     <p:sldId id="263" r:id="rId12"/>
     <p:sldId id="264" r:id="rId13"/>
+    <p:sldId id="265" r:id="rId14"/>
   </p:sldIdLst>
   <p:sldSz cy="5143500" cx="9144000"/>
   <p:notesSz cx="6858000" cy="9144000"/>
+  <p:embeddedFontLst>
+    <p:embeddedFont>
+      <p:font typeface="Raleway"/>
+      <p:regular r:id="rId15"/>
+      <p:bold r:id="rId16"/>
+      <p:italic r:id="rId17"/>
+      <p:boldItalic r:id="rId18"/>
+    </p:embeddedFont>
+    <p:embeddedFont>
+      <p:font typeface="Lato"/>
+      <p:regular r:id="rId19"/>
+      <p:bold r:id="rId20"/>
+      <p:italic r:id="rId21"/>
+      <p:boldItalic r:id="rId22"/>
+    </p:embeddedFont>
+  </p:embeddedFontLst>
   <p:defaultTextStyle>
     <a:defPPr lvl="0" marR="0" rtl="0" algn="l">
       <a:lnSpc>
@@ -397,7 +414,7 @@
   <p:cSld>
     <p:spTree>
       <p:nvGrpSpPr>
-        <p:cNvPr id="50" name="Shape 50"/>
+        <p:cNvPr id="82" name="Shape 82"/>
         <p:cNvGrpSpPr/>
         <p:nvPr/>
       </p:nvGrpSpPr>
@@ -411,7 +428,7 @@
       </p:grpSpPr>
       <p:sp>
         <p:nvSpPr>
-          <p:cNvPr id="51" name="Shape 51"/>
+          <p:cNvPr id="83" name="Shape 83"/>
           <p:cNvSpPr/>
           <p:nvPr>
             <p:ph idx="2" type="sldImg"/>
@@ -445,7 +462,7 @@
       </p:sp>
       <p:sp>
         <p:nvSpPr>
-          <p:cNvPr id="52" name="Shape 52"/>
+          <p:cNvPr id="84" name="Shape 84"/>
           <p:cNvSpPr txBox="1"/>
           <p:nvPr>
             <p:ph idx="1" type="body"/>
@@ -487,12 +504,12 @@
 </p:notes>
 </file>
 
-<file path=ppt/notesSlides/notesSlide2.xml><?xml version="1.0" encoding="utf-8"?>
+<file path=ppt/notesSlides/notesSlide10.xml><?xml version="1.0" encoding="utf-8"?>
 <p:notes xmlns:a="http://schemas.openxmlformats.org/drawingml/2006/main" xmlns:r="http://schemas.openxmlformats.org/officeDocument/2006/relationships" xmlns:mc="http://schemas.openxmlformats.org/markup-compatibility/2006" xmlns:mv="urn:schemas-microsoft-com:mac:vml" xmlns:p="http://schemas.openxmlformats.org/presentationml/2006/main" xmlns:c="http://schemas.openxmlformats.org/drawingml/2006/chart" xmlns:dgm="http://schemas.openxmlformats.org/drawingml/2006/diagram" xmlns:o="urn:schemas-microsoft-com:office:office" xmlns:v="urn:schemas-microsoft-com:vml" xmlns:pvml="urn:schemas-microsoft-com:office:powerpoint" xmlns:com="http://schemas.openxmlformats.org/drawingml/2006/compatibility" xmlns:p14="http://schemas.microsoft.com/office/powerpoint/2010/main" xmlns:p15="http://schemas.microsoft.com/office/powerpoint/2012/main" showMasterPhAnim="0" showMasterSp="0">
   <p:cSld>
     <p:spTree>
       <p:nvGrpSpPr>
-        <p:cNvPr id="56" name="Shape 56"/>
+        <p:cNvPr id="154" name="Shape 154"/>
         <p:cNvGrpSpPr/>
         <p:nvPr/>
       </p:nvGrpSpPr>
@@ -506,7 +523,7 @@
       </p:grpSpPr>
       <p:sp>
         <p:nvSpPr>
-          <p:cNvPr id="57" name="Shape 57"/>
+          <p:cNvPr id="155" name="Shape 155"/>
           <p:cNvSpPr/>
           <p:nvPr>
             <p:ph idx="2" type="sldImg"/>
@@ -540,7 +557,7 @@
       </p:sp>
       <p:sp>
         <p:nvSpPr>
-          <p:cNvPr id="58" name="Shape 58"/>
+          <p:cNvPr id="156" name="Shape 156"/>
           <p:cNvSpPr txBox="1"/>
           <p:nvPr>
             <p:ph idx="1" type="body"/>
@@ -582,12 +599,12 @@
 </p:notes>
 </file>
 
-<file path=ppt/notesSlides/notesSlide3.xml><?xml version="1.0" encoding="utf-8"?>
+<file path=ppt/notesSlides/notesSlide2.xml><?xml version="1.0" encoding="utf-8"?>
 <p:notes xmlns:a="http://schemas.openxmlformats.org/drawingml/2006/main" xmlns:r="http://schemas.openxmlformats.org/officeDocument/2006/relationships" xmlns:mc="http://schemas.openxmlformats.org/markup-compatibility/2006" xmlns:mv="urn:schemas-microsoft-com:mac:vml" xmlns:p="http://schemas.openxmlformats.org/presentationml/2006/main" xmlns:c="http://schemas.openxmlformats.org/drawingml/2006/chart" xmlns:dgm="http://schemas.openxmlformats.org/drawingml/2006/diagram" xmlns:o="urn:schemas-microsoft-com:office:office" xmlns:v="urn:schemas-microsoft-com:vml" xmlns:pvml="urn:schemas-microsoft-com:office:powerpoint" xmlns:com="http://schemas.openxmlformats.org/drawingml/2006/compatibility" xmlns:p14="http://schemas.microsoft.com/office/powerpoint/2010/main" xmlns:p15="http://schemas.microsoft.com/office/powerpoint/2012/main" showMasterPhAnim="0" showMasterSp="0">
   <p:cSld>
     <p:spTree>
       <p:nvGrpSpPr>
-        <p:cNvPr id="62" name="Shape 62"/>
+        <p:cNvPr id="88" name="Shape 88"/>
         <p:cNvGrpSpPr/>
         <p:nvPr/>
       </p:nvGrpSpPr>
@@ -601,7 +618,7 @@
       </p:grpSpPr>
       <p:sp>
         <p:nvSpPr>
-          <p:cNvPr id="63" name="Shape 63"/>
+          <p:cNvPr id="89" name="Shape 89"/>
           <p:cNvSpPr/>
           <p:nvPr>
             <p:ph idx="2" type="sldImg"/>
@@ -635,7 +652,7 @@
       </p:sp>
       <p:sp>
         <p:nvSpPr>
-          <p:cNvPr id="64" name="Shape 64"/>
+          <p:cNvPr id="90" name="Shape 90"/>
           <p:cNvSpPr txBox="1"/>
           <p:nvPr>
             <p:ph idx="1" type="body"/>
@@ -677,12 +694,12 @@
 </p:notes>
 </file>
 
-<file path=ppt/notesSlides/notesSlide4.xml><?xml version="1.0" encoding="utf-8"?>
+<file path=ppt/notesSlides/notesSlide3.xml><?xml version="1.0" encoding="utf-8"?>
 <p:notes xmlns:a="http://schemas.openxmlformats.org/drawingml/2006/main" xmlns:r="http://schemas.openxmlformats.org/officeDocument/2006/relationships" xmlns:mc="http://schemas.openxmlformats.org/markup-compatibility/2006" xmlns:mv="urn:schemas-microsoft-com:mac:vml" xmlns:p="http://schemas.openxmlformats.org/presentationml/2006/main" xmlns:c="http://schemas.openxmlformats.org/drawingml/2006/chart" xmlns:dgm="http://schemas.openxmlformats.org/drawingml/2006/diagram" xmlns:o="urn:schemas-microsoft-com:office:office" xmlns:v="urn:schemas-microsoft-com:vml" xmlns:pvml="urn:schemas-microsoft-com:office:powerpoint" xmlns:com="http://schemas.openxmlformats.org/drawingml/2006/compatibility" xmlns:p14="http://schemas.microsoft.com/office/powerpoint/2010/main" xmlns:p15="http://schemas.microsoft.com/office/powerpoint/2012/main" showMasterPhAnim="0" showMasterSp="0">
   <p:cSld>
     <p:spTree>
       <p:nvGrpSpPr>
-        <p:cNvPr id="68" name="Shape 68"/>
+        <p:cNvPr id="95" name="Shape 95"/>
         <p:cNvGrpSpPr/>
         <p:nvPr/>
       </p:nvGrpSpPr>
@@ -696,7 +713,7 @@
       </p:grpSpPr>
       <p:sp>
         <p:nvSpPr>
-          <p:cNvPr id="69" name="Shape 69"/>
+          <p:cNvPr id="96" name="Shape 96"/>
           <p:cNvSpPr/>
           <p:nvPr>
             <p:ph idx="2" type="sldImg"/>
@@ -730,7 +747,7 @@
       </p:sp>
       <p:sp>
         <p:nvSpPr>
-          <p:cNvPr id="70" name="Shape 70"/>
+          <p:cNvPr id="97" name="Shape 97"/>
           <p:cNvSpPr txBox="1"/>
           <p:nvPr>
             <p:ph idx="1" type="body"/>
@@ -772,12 +789,12 @@
 </p:notes>
 </file>
 
-<file path=ppt/notesSlides/notesSlide5.xml><?xml version="1.0" encoding="utf-8"?>
+<file path=ppt/notesSlides/notesSlide4.xml><?xml version="1.0" encoding="utf-8"?>
 <p:notes xmlns:a="http://schemas.openxmlformats.org/drawingml/2006/main" xmlns:r="http://schemas.openxmlformats.org/officeDocument/2006/relationships" xmlns:mc="http://schemas.openxmlformats.org/markup-compatibility/2006" xmlns:mv="urn:schemas-microsoft-com:mac:vml" xmlns:p="http://schemas.openxmlformats.org/presentationml/2006/main" xmlns:c="http://schemas.openxmlformats.org/drawingml/2006/chart" xmlns:dgm="http://schemas.openxmlformats.org/drawingml/2006/diagram" xmlns:o="urn:schemas-microsoft-com:office:office" xmlns:v="urn:schemas-microsoft-com:vml" xmlns:pvml="urn:schemas-microsoft-com:office:powerpoint" xmlns:com="http://schemas.openxmlformats.org/drawingml/2006/compatibility" xmlns:p14="http://schemas.microsoft.com/office/powerpoint/2010/main" xmlns:p15="http://schemas.microsoft.com/office/powerpoint/2012/main" showMasterPhAnim="0" showMasterSp="0">
   <p:cSld>
     <p:spTree>
       <p:nvGrpSpPr>
-        <p:cNvPr id="75" name="Shape 75"/>
+        <p:cNvPr id="102" name="Shape 102"/>
         <p:cNvGrpSpPr/>
         <p:nvPr/>
       </p:nvGrpSpPr>
@@ -791,7 +808,7 @@
       </p:grpSpPr>
       <p:sp>
         <p:nvSpPr>
-          <p:cNvPr id="76" name="Shape 76"/>
+          <p:cNvPr id="103" name="Shape 103"/>
           <p:cNvSpPr/>
           <p:nvPr>
             <p:ph idx="2" type="sldImg"/>
@@ -825,7 +842,7 @@
       </p:sp>
       <p:sp>
         <p:nvSpPr>
-          <p:cNvPr id="77" name="Shape 77"/>
+          <p:cNvPr id="104" name="Shape 104"/>
           <p:cNvSpPr txBox="1"/>
           <p:nvPr>
             <p:ph idx="1" type="body"/>
@@ -867,12 +884,12 @@
 </p:notes>
 </file>
 
-<file path=ppt/notesSlides/notesSlide6.xml><?xml version="1.0" encoding="utf-8"?>
+<file path=ppt/notesSlides/notesSlide5.xml><?xml version="1.0" encoding="utf-8"?>
 <p:notes xmlns:a="http://schemas.openxmlformats.org/drawingml/2006/main" xmlns:r="http://schemas.openxmlformats.org/officeDocument/2006/relationships" xmlns:mc="http://schemas.openxmlformats.org/markup-compatibility/2006" xmlns:mv="urn:schemas-microsoft-com:mac:vml" xmlns:p="http://schemas.openxmlformats.org/presentationml/2006/main" xmlns:c="http://schemas.openxmlformats.org/drawingml/2006/chart" xmlns:dgm="http://schemas.openxmlformats.org/drawingml/2006/diagram" xmlns:o="urn:schemas-microsoft-com:office:office" xmlns:v="urn:schemas-microsoft-com:vml" xmlns:pvml="urn:schemas-microsoft-com:office:powerpoint" xmlns:com="http://schemas.openxmlformats.org/drawingml/2006/compatibility" xmlns:p14="http://schemas.microsoft.com/office/powerpoint/2010/main" xmlns:p15="http://schemas.microsoft.com/office/powerpoint/2012/main" showMasterPhAnim="0" showMasterSp="0">
   <p:cSld>
     <p:spTree>
       <p:nvGrpSpPr>
-        <p:cNvPr id="82" name="Shape 82"/>
+        <p:cNvPr id="111" name="Shape 111"/>
         <p:cNvGrpSpPr/>
         <p:nvPr/>
       </p:nvGrpSpPr>
@@ -886,7 +903,7 @@
       </p:grpSpPr>
       <p:sp>
         <p:nvSpPr>
-          <p:cNvPr id="83" name="Shape 83"/>
+          <p:cNvPr id="112" name="Shape 112"/>
           <p:cNvSpPr/>
           <p:nvPr>
             <p:ph idx="2" type="sldImg"/>
@@ -920,7 +937,7 @@
       </p:sp>
       <p:sp>
         <p:nvSpPr>
-          <p:cNvPr id="84" name="Shape 84"/>
+          <p:cNvPr id="113" name="Shape 113"/>
           <p:cNvSpPr txBox="1"/>
           <p:nvPr>
             <p:ph idx="1" type="body"/>
@@ -962,12 +979,12 @@
 </p:notes>
 </file>
 
-<file path=ppt/notesSlides/notesSlide7.xml><?xml version="1.0" encoding="utf-8"?>
+<file path=ppt/notesSlides/notesSlide6.xml><?xml version="1.0" encoding="utf-8"?>
 <p:notes xmlns:a="http://schemas.openxmlformats.org/drawingml/2006/main" xmlns:r="http://schemas.openxmlformats.org/officeDocument/2006/relationships" xmlns:mc="http://schemas.openxmlformats.org/markup-compatibility/2006" xmlns:mv="urn:schemas-microsoft-com:mac:vml" xmlns:p="http://schemas.openxmlformats.org/presentationml/2006/main" xmlns:c="http://schemas.openxmlformats.org/drawingml/2006/chart" xmlns:dgm="http://schemas.openxmlformats.org/drawingml/2006/diagram" xmlns:o="urn:schemas-microsoft-com:office:office" xmlns:v="urn:schemas-microsoft-com:vml" xmlns:pvml="urn:schemas-microsoft-com:office:powerpoint" xmlns:com="http://schemas.openxmlformats.org/drawingml/2006/compatibility" xmlns:p14="http://schemas.microsoft.com/office/powerpoint/2010/main" xmlns:p15="http://schemas.microsoft.com/office/powerpoint/2012/main" showMasterPhAnim="0" showMasterSp="0">
   <p:cSld>
     <p:spTree>
       <p:nvGrpSpPr>
-        <p:cNvPr id="89" name="Shape 89"/>
+        <p:cNvPr id="120" name="Shape 120"/>
         <p:cNvGrpSpPr/>
         <p:nvPr/>
       </p:nvGrpSpPr>
@@ -981,7 +998,7 @@
       </p:grpSpPr>
       <p:sp>
         <p:nvSpPr>
-          <p:cNvPr id="90" name="Shape 90"/>
+          <p:cNvPr id="121" name="Shape 121"/>
           <p:cNvSpPr/>
           <p:nvPr>
             <p:ph idx="2" type="sldImg"/>
@@ -1015,7 +1032,7 @@
       </p:sp>
       <p:sp>
         <p:nvSpPr>
-          <p:cNvPr id="91" name="Shape 91"/>
+          <p:cNvPr id="122" name="Shape 122"/>
           <p:cNvSpPr txBox="1"/>
           <p:nvPr>
             <p:ph idx="1" type="body"/>
@@ -1057,12 +1074,12 @@
 </p:notes>
 </file>
 
-<file path=ppt/notesSlides/notesSlide8.xml><?xml version="1.0" encoding="utf-8"?>
+<file path=ppt/notesSlides/notesSlide7.xml><?xml version="1.0" encoding="utf-8"?>
 <p:notes xmlns:a="http://schemas.openxmlformats.org/drawingml/2006/main" xmlns:r="http://schemas.openxmlformats.org/officeDocument/2006/relationships" xmlns:mc="http://schemas.openxmlformats.org/markup-compatibility/2006" xmlns:mv="urn:schemas-microsoft-com:mac:vml" xmlns:p="http://schemas.openxmlformats.org/presentationml/2006/main" xmlns:c="http://schemas.openxmlformats.org/drawingml/2006/chart" xmlns:dgm="http://schemas.openxmlformats.org/drawingml/2006/diagram" xmlns:o="urn:schemas-microsoft-com:office:office" xmlns:v="urn:schemas-microsoft-com:vml" xmlns:pvml="urn:schemas-microsoft-com:office:powerpoint" xmlns:com="http://schemas.openxmlformats.org/drawingml/2006/compatibility" xmlns:p14="http://schemas.microsoft.com/office/powerpoint/2010/main" xmlns:p15="http://schemas.microsoft.com/office/powerpoint/2012/main" showMasterPhAnim="0" showMasterSp="0">
   <p:cSld>
     <p:spTree>
       <p:nvGrpSpPr>
-        <p:cNvPr id="96" name="Shape 96"/>
+        <p:cNvPr id="129" name="Shape 129"/>
         <p:cNvGrpSpPr/>
         <p:nvPr/>
       </p:nvGrpSpPr>
@@ -1076,7 +1093,7 @@
       </p:grpSpPr>
       <p:sp>
         <p:nvSpPr>
-          <p:cNvPr id="97" name="Shape 97"/>
+          <p:cNvPr id="130" name="Shape 130"/>
           <p:cNvSpPr/>
           <p:nvPr>
             <p:ph idx="2" type="sldImg"/>
@@ -1110,7 +1127,7 @@
       </p:sp>
       <p:sp>
         <p:nvSpPr>
-          <p:cNvPr id="98" name="Shape 98"/>
+          <p:cNvPr id="131" name="Shape 131"/>
           <p:cNvSpPr txBox="1"/>
           <p:nvPr>
             <p:ph idx="1" type="body"/>
@@ -1152,12 +1169,12 @@
 </p:notes>
 </file>
 
-<file path=ppt/notesSlides/notesSlide9.xml><?xml version="1.0" encoding="utf-8"?>
+<file path=ppt/notesSlides/notesSlide8.xml><?xml version="1.0" encoding="utf-8"?>
 <p:notes xmlns:a="http://schemas.openxmlformats.org/drawingml/2006/main" xmlns:r="http://schemas.openxmlformats.org/officeDocument/2006/relationships" xmlns:mc="http://schemas.openxmlformats.org/markup-compatibility/2006" xmlns:mv="urn:schemas-microsoft-com:mac:vml" xmlns:p="http://schemas.openxmlformats.org/presentationml/2006/main" xmlns:c="http://schemas.openxmlformats.org/drawingml/2006/chart" xmlns:dgm="http://schemas.openxmlformats.org/drawingml/2006/diagram" xmlns:o="urn:schemas-microsoft-com:office:office" xmlns:v="urn:schemas-microsoft-com:vml" xmlns:pvml="urn:schemas-microsoft-com:office:powerpoint" xmlns:com="http://schemas.openxmlformats.org/drawingml/2006/compatibility" xmlns:p14="http://schemas.microsoft.com/office/powerpoint/2010/main" xmlns:p15="http://schemas.microsoft.com/office/powerpoint/2012/main" showMasterPhAnim="0" showMasterSp="0">
   <p:cSld>
     <p:spTree>
       <p:nvGrpSpPr>
-        <p:cNvPr id="103" name="Shape 103"/>
+        <p:cNvPr id="138" name="Shape 138"/>
         <p:cNvGrpSpPr/>
         <p:nvPr/>
       </p:nvGrpSpPr>
@@ -1171,7 +1188,7 @@
       </p:grpSpPr>
       <p:sp>
         <p:nvSpPr>
-          <p:cNvPr id="104" name="Shape 104"/>
+          <p:cNvPr id="139" name="Shape 139"/>
           <p:cNvSpPr/>
           <p:nvPr>
             <p:ph idx="2" type="sldImg"/>
@@ -1205,7 +1222,102 @@
       </p:sp>
       <p:sp>
         <p:nvSpPr>
-          <p:cNvPr id="105" name="Shape 105"/>
+          <p:cNvPr id="140" name="Shape 140"/>
+          <p:cNvSpPr txBox="1"/>
+          <p:nvPr>
+            <p:ph idx="1" type="body"/>
+          </p:nvPr>
+        </p:nvSpPr>
+        <p:spPr>
+          <a:xfrm>
+            <a:off x="685800" y="4343400"/>
+            <a:ext cx="5486400" cy="4114800"/>
+          </a:xfrm>
+          <a:prstGeom prst="rect">
+            <a:avLst/>
+          </a:prstGeom>
+        </p:spPr>
+        <p:txBody>
+          <a:bodyPr anchorCtr="0" anchor="t" bIns="91425" lIns="91425" rIns="91425" wrap="square" tIns="91425">
+            <a:noAutofit/>
+          </a:bodyPr>
+          <a:lstStyle/>
+          <a:p>
+            <a:pPr lvl="0">
+              <a:spcBef>
+                <a:spcPts val="0"/>
+              </a:spcBef>
+              <a:buNone/>
+            </a:pPr>
+            <a:r>
+              <a:t/>
+            </a:r>
+            <a:endParaRPr/>
+          </a:p>
+        </p:txBody>
+      </p:sp>
+    </p:spTree>
+  </p:cSld>
+  <p:clrMapOvr>
+    <a:masterClrMapping/>
+  </p:clrMapOvr>
+</p:notes>
+</file>
+
+<file path=ppt/notesSlides/notesSlide9.xml><?xml version="1.0" encoding="utf-8"?>
+<p:notes xmlns:a="http://schemas.openxmlformats.org/drawingml/2006/main" xmlns:r="http://schemas.openxmlformats.org/officeDocument/2006/relationships" xmlns:mc="http://schemas.openxmlformats.org/markup-compatibility/2006" xmlns:mv="urn:schemas-microsoft-com:mac:vml" xmlns:p="http://schemas.openxmlformats.org/presentationml/2006/main" xmlns:c="http://schemas.openxmlformats.org/drawingml/2006/chart" xmlns:dgm="http://schemas.openxmlformats.org/drawingml/2006/diagram" xmlns:o="urn:schemas-microsoft-com:office:office" xmlns:v="urn:schemas-microsoft-com:vml" xmlns:pvml="urn:schemas-microsoft-com:office:powerpoint" xmlns:com="http://schemas.openxmlformats.org/drawingml/2006/compatibility" xmlns:p14="http://schemas.microsoft.com/office/powerpoint/2010/main" xmlns:p15="http://schemas.microsoft.com/office/powerpoint/2012/main" showMasterPhAnim="0" showMasterSp="0">
+  <p:cSld>
+    <p:spTree>
+      <p:nvGrpSpPr>
+        <p:cNvPr id="147" name="Shape 147"/>
+        <p:cNvGrpSpPr/>
+        <p:nvPr/>
+      </p:nvGrpSpPr>
+      <p:grpSpPr>
+        <a:xfrm>
+          <a:off x="0" y="0"/>
+          <a:ext cx="0" cy="0"/>
+          <a:chOff x="0" y="0"/>
+          <a:chExt cx="0" cy="0"/>
+        </a:xfrm>
+      </p:grpSpPr>
+      <p:sp>
+        <p:nvSpPr>
+          <p:cNvPr id="148" name="Shape 148"/>
+          <p:cNvSpPr/>
+          <p:nvPr>
+            <p:ph idx="2" type="sldImg"/>
+          </p:nvPr>
+        </p:nvSpPr>
+        <p:spPr>
+          <a:xfrm>
+            <a:off x="381300" y="685800"/>
+            <a:ext cx="6096000" cy="3429000"/>
+          </a:xfrm>
+          <a:custGeom>
+            <a:pathLst>
+              <a:path extrusionOk="0" h="120000" w="120000">
+                <a:moveTo>
+                  <a:pt x="0" y="0"/>
+                </a:moveTo>
+                <a:lnTo>
+                  <a:pt x="120000" y="0"/>
+                </a:lnTo>
+                <a:lnTo>
+                  <a:pt x="120000" y="120000"/>
+                </a:lnTo>
+                <a:lnTo>
+                  <a:pt x="0" y="120000"/>
+                </a:lnTo>
+                <a:close/>
+              </a:path>
+            </a:pathLst>
+          </a:custGeom>
+        </p:spPr>
+      </p:sp>
+      <p:sp>
+        <p:nvSpPr>
+          <p:cNvPr id="149" name="Shape 149"/>
           <p:cNvSpPr txBox="1"/>
           <p:nvPr>
             <p:ph idx="1" type="body"/>
@@ -1250,6 +1362,13 @@
 <file path=ppt/slideLayouts/slideLayout1.xml><?xml version="1.0" encoding="utf-8"?>
 <p:sldLayout xmlns:a="http://schemas.openxmlformats.org/drawingml/2006/main" xmlns:r="http://schemas.openxmlformats.org/officeDocument/2006/relationships" xmlns:mc="http://schemas.openxmlformats.org/markup-compatibility/2006" xmlns:mv="urn:schemas-microsoft-com:mac:vml" xmlns:p="http://schemas.openxmlformats.org/presentationml/2006/main" xmlns:c="http://schemas.openxmlformats.org/drawingml/2006/chart" xmlns:dgm="http://schemas.openxmlformats.org/drawingml/2006/diagram" xmlns:o="urn:schemas-microsoft-com:office:office" xmlns:v="urn:schemas-microsoft-com:vml" xmlns:pvml="urn:schemas-microsoft-com:office:powerpoint" xmlns:com="http://schemas.openxmlformats.org/drawingml/2006/compatibility" xmlns:p14="http://schemas.microsoft.com/office/powerpoint/2010/main" xmlns:p15="http://schemas.microsoft.com/office/powerpoint/2012/main" type="title">
   <p:cSld name="Title slide">
+    <p:bg>
+      <p:bgPr>
+        <a:solidFill>
+          <a:schemeClr val="lt2"/>
+        </a:solidFill>
+      </p:bgPr>
+    </p:bg>
     <p:spTree>
       <p:nvGrpSpPr>
         <p:cNvPr id="9" name="Shape 9"/>
@@ -1267,6 +1386,141 @@
       <p:sp>
         <p:nvSpPr>
           <p:cNvPr id="10" name="Shape 10"/>
+          <p:cNvSpPr/>
+          <p:nvPr/>
+        </p:nvSpPr>
+        <p:spPr>
+          <a:xfrm>
+            <a:off x="0" y="0"/>
+            <a:ext cx="9144000" cy="487800"/>
+          </a:xfrm>
+          <a:prstGeom prst="rect">
+            <a:avLst/>
+          </a:prstGeom>
+          <a:solidFill>
+            <a:schemeClr val="lt1"/>
+          </a:solidFill>
+          <a:ln>
+            <a:noFill/>
+          </a:ln>
+        </p:spPr>
+        <p:txBody>
+          <a:bodyPr anchorCtr="0" anchor="ctr" bIns="91425" lIns="91425" rIns="91425" wrap="square" tIns="91425">
+            <a:noAutofit/>
+          </a:bodyPr>
+          <a:lstStyle/>
+          <a:p>
+            <a:pPr lvl="0">
+              <a:spcBef>
+                <a:spcPts val="0"/>
+              </a:spcBef>
+              <a:buNone/>
+            </a:pPr>
+            <a:r>
+              <a:t/>
+            </a:r>
+            <a:endParaRPr/>
+          </a:p>
+        </p:txBody>
+      </p:sp>
+      <p:grpSp>
+        <p:nvGrpSpPr>
+          <p:cNvPr id="11" name="Shape 11"/>
+          <p:cNvGrpSpPr/>
+          <p:nvPr/>
+        </p:nvGrpSpPr>
+        <p:grpSpPr>
+          <a:xfrm>
+            <a:off x="830392" y="1191256"/>
+            <a:ext cx="745763" cy="45826"/>
+            <a:chOff x="4580561" y="2589004"/>
+            <a:chExt cx="1064464" cy="25200"/>
+          </a:xfrm>
+        </p:grpSpPr>
+        <p:sp>
+          <p:nvSpPr>
+            <p:cNvPr id="12" name="Shape 12"/>
+            <p:cNvSpPr/>
+            <p:nvPr/>
+          </p:nvSpPr>
+          <p:spPr>
+            <a:xfrm rot="-5400000">
+              <a:off x="5366325" y="2335504"/>
+              <a:ext cx="25200" cy="532200"/>
+            </a:xfrm>
+            <a:prstGeom prst="rect">
+              <a:avLst/>
+            </a:prstGeom>
+            <a:solidFill>
+              <a:schemeClr val="accent3"/>
+            </a:solidFill>
+            <a:ln>
+              <a:noFill/>
+            </a:ln>
+          </p:spPr>
+          <p:txBody>
+            <a:bodyPr anchorCtr="0" anchor="ctr" bIns="91425" lIns="91425" rIns="91425" wrap="square" tIns="91425">
+              <a:noAutofit/>
+            </a:bodyPr>
+            <a:lstStyle/>
+            <a:p>
+              <a:pPr lvl="0">
+                <a:spcBef>
+                  <a:spcPts val="0"/>
+                </a:spcBef>
+                <a:buNone/>
+              </a:pPr>
+              <a:r>
+                <a:t/>
+              </a:r>
+              <a:endParaRPr/>
+            </a:p>
+          </p:txBody>
+        </p:sp>
+        <p:sp>
+          <p:nvSpPr>
+            <p:cNvPr id="13" name="Shape 13"/>
+            <p:cNvSpPr/>
+            <p:nvPr/>
+          </p:nvSpPr>
+          <p:spPr>
+            <a:xfrm rot="-5400000">
+              <a:off x="4836311" y="2333254"/>
+              <a:ext cx="25200" cy="536700"/>
+            </a:xfrm>
+            <a:prstGeom prst="rect">
+              <a:avLst/>
+            </a:prstGeom>
+            <a:solidFill>
+              <a:schemeClr val="dk1"/>
+            </a:solidFill>
+            <a:ln>
+              <a:noFill/>
+            </a:ln>
+          </p:spPr>
+          <p:txBody>
+            <a:bodyPr anchorCtr="0" anchor="ctr" bIns="91425" lIns="91425" rIns="91425" wrap="square" tIns="91425">
+              <a:noAutofit/>
+            </a:bodyPr>
+            <a:lstStyle/>
+            <a:p>
+              <a:pPr lvl="0">
+                <a:spcBef>
+                  <a:spcPts val="0"/>
+                </a:spcBef>
+                <a:buNone/>
+              </a:pPr>
+              <a:r>
+                <a:t/>
+              </a:r>
+              <a:endParaRPr/>
+            </a:p>
+          </p:txBody>
+        </p:sp>
+      </p:grpSp>
+      <p:sp>
+        <p:nvSpPr>
+          <p:cNvPr id="14" name="Shape 14"/>
           <p:cNvSpPr txBox="1"/>
           <p:nvPr>
             <p:ph type="ctrTitle"/>
@@ -1274,78 +1528,141 @@
         </p:nvSpPr>
         <p:spPr>
           <a:xfrm>
-            <a:off x="311708" y="744575"/>
-            <a:ext cx="8520600" cy="2052600"/>
+            <a:off x="729450" y="1322450"/>
+            <a:ext cx="7688100" cy="1664700"/>
           </a:xfrm>
           <a:prstGeom prst="rect">
             <a:avLst/>
           </a:prstGeom>
         </p:spPr>
         <p:txBody>
-          <a:bodyPr anchorCtr="0" anchor="b" bIns="91425" lIns="91425" rIns="91425" wrap="square" tIns="91425"/>
+          <a:bodyPr anchorCtr="0" anchor="t" bIns="91425" lIns="91425" rIns="91425" wrap="square" tIns="91425"/>
           <a:lstStyle>
-            <a:lvl1pPr lvl="0" algn="ctr">
-              <a:spcBef>
-                <a:spcPts val="0"/>
-              </a:spcBef>
-              <a:buSzPct val="100000"/>
-              <a:defRPr sz="5200"/>
+            <a:lvl1pPr lvl="0">
+              <a:spcBef>
+                <a:spcPts val="0"/>
+              </a:spcBef>
+              <a:buClr>
+                <a:schemeClr val="dk2"/>
+              </a:buClr>
+              <a:buSzPct val="100000"/>
+              <a:defRPr sz="4200">
+                <a:solidFill>
+                  <a:schemeClr val="dk2"/>
+                </a:solidFill>
+              </a:defRPr>
             </a:lvl1pPr>
-            <a:lvl2pPr lvl="1" algn="ctr">
-              <a:spcBef>
-                <a:spcPts val="0"/>
-              </a:spcBef>
-              <a:buSzPct val="100000"/>
-              <a:defRPr sz="5200"/>
+            <a:lvl2pPr lvl="1">
+              <a:spcBef>
+                <a:spcPts val="0"/>
+              </a:spcBef>
+              <a:buClr>
+                <a:schemeClr val="dk2"/>
+              </a:buClr>
+              <a:buSzPct val="100000"/>
+              <a:defRPr sz="4200">
+                <a:solidFill>
+                  <a:schemeClr val="dk2"/>
+                </a:solidFill>
+              </a:defRPr>
             </a:lvl2pPr>
-            <a:lvl3pPr lvl="2" algn="ctr">
-              <a:spcBef>
-                <a:spcPts val="0"/>
-              </a:spcBef>
-              <a:buSzPct val="100000"/>
-              <a:defRPr sz="5200"/>
+            <a:lvl3pPr lvl="2">
+              <a:spcBef>
+                <a:spcPts val="0"/>
+              </a:spcBef>
+              <a:buClr>
+                <a:schemeClr val="dk2"/>
+              </a:buClr>
+              <a:buSzPct val="100000"/>
+              <a:defRPr sz="4200">
+                <a:solidFill>
+                  <a:schemeClr val="dk2"/>
+                </a:solidFill>
+              </a:defRPr>
             </a:lvl3pPr>
-            <a:lvl4pPr lvl="3" algn="ctr">
-              <a:spcBef>
-                <a:spcPts val="0"/>
-              </a:spcBef>
-              <a:buSzPct val="100000"/>
-              <a:defRPr sz="5200"/>
+            <a:lvl4pPr lvl="3">
+              <a:spcBef>
+                <a:spcPts val="0"/>
+              </a:spcBef>
+              <a:buClr>
+                <a:schemeClr val="dk2"/>
+              </a:buClr>
+              <a:buSzPct val="100000"/>
+              <a:defRPr sz="4200">
+                <a:solidFill>
+                  <a:schemeClr val="dk2"/>
+                </a:solidFill>
+              </a:defRPr>
             </a:lvl4pPr>
-            <a:lvl5pPr lvl="4" algn="ctr">
-              <a:spcBef>
-                <a:spcPts val="0"/>
-              </a:spcBef>
-              <a:buSzPct val="100000"/>
-              <a:defRPr sz="5200"/>
+            <a:lvl5pPr lvl="4">
+              <a:spcBef>
+                <a:spcPts val="0"/>
+              </a:spcBef>
+              <a:buClr>
+                <a:schemeClr val="dk2"/>
+              </a:buClr>
+              <a:buSzPct val="100000"/>
+              <a:defRPr sz="4200">
+                <a:solidFill>
+                  <a:schemeClr val="dk2"/>
+                </a:solidFill>
+              </a:defRPr>
             </a:lvl5pPr>
-            <a:lvl6pPr lvl="5" algn="ctr">
-              <a:spcBef>
-                <a:spcPts val="0"/>
-              </a:spcBef>
-              <a:buSzPct val="100000"/>
-              <a:defRPr sz="5200"/>
+            <a:lvl6pPr lvl="5">
+              <a:spcBef>
+                <a:spcPts val="0"/>
+              </a:spcBef>
+              <a:buClr>
+                <a:schemeClr val="dk2"/>
+              </a:buClr>
+              <a:buSzPct val="100000"/>
+              <a:defRPr sz="4200">
+                <a:solidFill>
+                  <a:schemeClr val="dk2"/>
+                </a:solidFill>
+              </a:defRPr>
             </a:lvl6pPr>
-            <a:lvl7pPr lvl="6" algn="ctr">
-              <a:spcBef>
-                <a:spcPts val="0"/>
-              </a:spcBef>
-              <a:buSzPct val="100000"/>
-              <a:defRPr sz="5200"/>
+            <a:lvl7pPr lvl="6">
+              <a:spcBef>
+                <a:spcPts val="0"/>
+              </a:spcBef>
+              <a:buClr>
+                <a:schemeClr val="dk2"/>
+              </a:buClr>
+              <a:buSzPct val="100000"/>
+              <a:defRPr sz="4200">
+                <a:solidFill>
+                  <a:schemeClr val="dk2"/>
+                </a:solidFill>
+              </a:defRPr>
             </a:lvl7pPr>
-            <a:lvl8pPr lvl="7" algn="ctr">
-              <a:spcBef>
-                <a:spcPts val="0"/>
-              </a:spcBef>
-              <a:buSzPct val="100000"/>
-              <a:defRPr sz="5200"/>
+            <a:lvl8pPr lvl="7">
+              <a:spcBef>
+                <a:spcPts val="0"/>
+              </a:spcBef>
+              <a:buClr>
+                <a:schemeClr val="dk2"/>
+              </a:buClr>
+              <a:buSzPct val="100000"/>
+              <a:defRPr sz="4200">
+                <a:solidFill>
+                  <a:schemeClr val="dk2"/>
+                </a:solidFill>
+              </a:defRPr>
             </a:lvl8pPr>
-            <a:lvl9pPr lvl="8" algn="ctr">
-              <a:spcBef>
-                <a:spcPts val="0"/>
-              </a:spcBef>
-              <a:buSzPct val="100000"/>
-              <a:defRPr sz="5200"/>
+            <a:lvl9pPr lvl="8">
+              <a:spcBef>
+                <a:spcPts val="0"/>
+              </a:spcBef>
+              <a:buClr>
+                <a:schemeClr val="dk2"/>
+              </a:buClr>
+              <a:buSzPct val="100000"/>
+              <a:defRPr sz="4200">
+                <a:solidFill>
+                  <a:schemeClr val="dk2"/>
+                </a:solidFill>
+              </a:defRPr>
             </a:lvl9pPr>
           </a:lstStyle>
           <a:p/>
@@ -1353,7 +1670,7 @@
       </p:sp>
       <p:sp>
         <p:nvSpPr>
-          <p:cNvPr id="11" name="Shape 11"/>
+          <p:cNvPr id="15" name="Shape 15"/>
           <p:cNvSpPr txBox="1"/>
           <p:nvPr>
             <p:ph idx="1" type="subTitle"/>
@@ -1361,8 +1678,8 @@
         </p:nvSpPr>
         <p:spPr>
           <a:xfrm>
-            <a:off x="311700" y="2834125"/>
-            <a:ext cx="8520600" cy="792600"/>
+            <a:off x="729627" y="3172900"/>
+            <a:ext cx="7688100" cy="541200"/>
           </a:xfrm>
           <a:prstGeom prst="rect">
             <a:avLst/>
@@ -1371,7 +1688,7 @@
         <p:txBody>
           <a:bodyPr anchorCtr="0" anchor="t" bIns="91425" lIns="91425" rIns="91425" wrap="square" tIns="91425"/>
           <a:lstStyle>
-            <a:lvl1pPr lvl="0" algn="ctr">
+            <a:lvl1pPr lvl="0">
               <a:lnSpc>
                 <a:spcPct val="100000"/>
               </a:lnSpc>
@@ -1383,9 +1700,9 @@
               </a:spcAft>
               <a:buSzPct val="100000"/>
               <a:buNone/>
-              <a:defRPr sz="2800"/>
+              <a:defRPr sz="1600"/>
             </a:lvl1pPr>
-            <a:lvl2pPr lvl="1" algn="ctr">
+            <a:lvl2pPr lvl="1">
               <a:lnSpc>
                 <a:spcPct val="100000"/>
               </a:lnSpc>
@@ -1397,9 +1714,9 @@
               </a:spcAft>
               <a:buSzPct val="100000"/>
               <a:buNone/>
-              <a:defRPr sz="2800"/>
+              <a:defRPr sz="1600"/>
             </a:lvl2pPr>
-            <a:lvl3pPr lvl="2" algn="ctr">
+            <a:lvl3pPr lvl="2">
               <a:lnSpc>
                 <a:spcPct val="100000"/>
               </a:lnSpc>
@@ -1411,9 +1728,9 @@
               </a:spcAft>
               <a:buSzPct val="100000"/>
               <a:buNone/>
-              <a:defRPr sz="2800"/>
+              <a:defRPr sz="1600"/>
             </a:lvl3pPr>
-            <a:lvl4pPr lvl="3" algn="ctr">
+            <a:lvl4pPr lvl="3">
               <a:lnSpc>
                 <a:spcPct val="100000"/>
               </a:lnSpc>
@@ -1425,9 +1742,9 @@
               </a:spcAft>
               <a:buSzPct val="100000"/>
               <a:buNone/>
-              <a:defRPr sz="2800"/>
+              <a:defRPr sz="1600"/>
             </a:lvl4pPr>
-            <a:lvl5pPr lvl="4" algn="ctr">
+            <a:lvl5pPr lvl="4">
               <a:lnSpc>
                 <a:spcPct val="100000"/>
               </a:lnSpc>
@@ -1439,9 +1756,9 @@
               </a:spcAft>
               <a:buSzPct val="100000"/>
               <a:buNone/>
-              <a:defRPr sz="2800"/>
+              <a:defRPr sz="1600"/>
             </a:lvl5pPr>
-            <a:lvl6pPr lvl="5" algn="ctr">
+            <a:lvl6pPr lvl="5">
               <a:lnSpc>
                 <a:spcPct val="100000"/>
               </a:lnSpc>
@@ -1453,9 +1770,9 @@
               </a:spcAft>
               <a:buSzPct val="100000"/>
               <a:buNone/>
-              <a:defRPr sz="2800"/>
+              <a:defRPr sz="1600"/>
             </a:lvl6pPr>
-            <a:lvl7pPr lvl="6" algn="ctr">
+            <a:lvl7pPr lvl="6">
               <a:lnSpc>
                 <a:spcPct val="100000"/>
               </a:lnSpc>
@@ -1467,9 +1784,9 @@
               </a:spcAft>
               <a:buSzPct val="100000"/>
               <a:buNone/>
-              <a:defRPr sz="2800"/>
+              <a:defRPr sz="1600"/>
             </a:lvl7pPr>
-            <a:lvl8pPr lvl="7" algn="ctr">
+            <a:lvl8pPr lvl="7">
               <a:lnSpc>
                 <a:spcPct val="100000"/>
               </a:lnSpc>
@@ -1481,9 +1798,9 @@
               </a:spcAft>
               <a:buSzPct val="100000"/>
               <a:buNone/>
-              <a:defRPr sz="2800"/>
+              <a:defRPr sz="1600"/>
             </a:lvl8pPr>
-            <a:lvl9pPr lvl="8" algn="ctr">
+            <a:lvl9pPr lvl="8">
               <a:lnSpc>
                 <a:spcPct val="100000"/>
               </a:lnSpc>
@@ -1495,7 +1812,7 @@
               </a:spcAft>
               <a:buSzPct val="100000"/>
               <a:buNone/>
-              <a:defRPr sz="2800"/>
+              <a:defRPr sz="1600"/>
             </a:lvl9pPr>
           </a:lstStyle>
           <a:p/>
@@ -1503,7 +1820,7 @@
       </p:sp>
       <p:sp>
         <p:nvSpPr>
-          <p:cNvPr id="12" name="Shape 12"/>
+          <p:cNvPr id="16" name="Shape 16"/>
           <p:cNvSpPr txBox="1"/>
           <p:nvPr>
             <p:ph idx="12" type="sldNum"/>
@@ -1511,7 +1828,7 @@
         </p:nvSpPr>
         <p:spPr>
           <a:xfrm>
-            <a:off x="8472458" y="4663217"/>
+            <a:off x="8536302" y="4749851"/>
             <a:ext cx="548700" cy="393600"/>
           </a:xfrm>
           <a:prstGeom prst="rect">
@@ -1548,9 +1865,16 @@
 <file path=ppt/slideLayouts/slideLayout10.xml><?xml version="1.0" encoding="utf-8"?>
 <p:sldLayout xmlns:a="http://schemas.openxmlformats.org/drawingml/2006/main" xmlns:r="http://schemas.openxmlformats.org/officeDocument/2006/relationships" xmlns:mc="http://schemas.openxmlformats.org/markup-compatibility/2006" xmlns:mv="urn:schemas-microsoft-com:mac:vml" xmlns:p="http://schemas.openxmlformats.org/presentationml/2006/main" xmlns:c="http://schemas.openxmlformats.org/drawingml/2006/chart" xmlns:dgm="http://schemas.openxmlformats.org/drawingml/2006/diagram" xmlns:o="urn:schemas-microsoft-com:office:office" xmlns:v="urn:schemas-microsoft-com:vml" xmlns:pvml="urn:schemas-microsoft-com:office:powerpoint" xmlns:com="http://schemas.openxmlformats.org/drawingml/2006/compatibility" xmlns:p14="http://schemas.microsoft.com/office/powerpoint/2010/main" xmlns:p15="http://schemas.microsoft.com/office/powerpoint/2012/main">
   <p:cSld name="Big number">
+    <p:bg>
+      <p:bgPr>
+        <a:solidFill>
+          <a:schemeClr val="dk1"/>
+        </a:solidFill>
+      </p:bgPr>
+    </p:bg>
     <p:spTree>
       <p:nvGrpSpPr>
-        <p:cNvPr id="44" name="Shape 44"/>
+        <p:cNvPr id="73" name="Shape 73"/>
         <p:cNvGrpSpPr/>
         <p:nvPr/>
       </p:nvGrpSpPr>
@@ -1562,9 +1886,104 @@
           <a:chExt cx="0" cy="0"/>
         </a:xfrm>
       </p:grpSpPr>
-      <p:sp>
-        <p:nvSpPr>
-          <p:cNvPr id="45" name="Shape 45"/>
+      <p:grpSp>
+        <p:nvGrpSpPr>
+          <p:cNvPr id="74" name="Shape 74"/>
+          <p:cNvGrpSpPr/>
+          <p:nvPr/>
+        </p:nvGrpSpPr>
+        <p:grpSpPr>
+          <a:xfrm>
+            <a:off x="830392" y="4169130"/>
+            <a:ext cx="745763" cy="45826"/>
+            <a:chOff x="4580561" y="2589004"/>
+            <a:chExt cx="1064464" cy="25200"/>
+          </a:xfrm>
+        </p:grpSpPr>
+        <p:sp>
+          <p:nvSpPr>
+            <p:cNvPr id="75" name="Shape 75"/>
+            <p:cNvSpPr/>
+            <p:nvPr/>
+          </p:nvSpPr>
+          <p:spPr>
+            <a:xfrm rot="-5400000">
+              <a:off x="5366325" y="2335504"/>
+              <a:ext cx="25200" cy="532200"/>
+            </a:xfrm>
+            <a:prstGeom prst="rect">
+              <a:avLst/>
+            </a:prstGeom>
+            <a:solidFill>
+              <a:schemeClr val="lt1"/>
+            </a:solidFill>
+            <a:ln>
+              <a:noFill/>
+            </a:ln>
+          </p:spPr>
+          <p:txBody>
+            <a:bodyPr anchorCtr="0" anchor="ctr" bIns="91425" lIns="91425" rIns="91425" wrap="square" tIns="91425">
+              <a:noAutofit/>
+            </a:bodyPr>
+            <a:lstStyle/>
+            <a:p>
+              <a:pPr lvl="0">
+                <a:spcBef>
+                  <a:spcPts val="0"/>
+                </a:spcBef>
+                <a:buNone/>
+              </a:pPr>
+              <a:r>
+                <a:t/>
+              </a:r>
+              <a:endParaRPr/>
+            </a:p>
+          </p:txBody>
+        </p:sp>
+        <p:sp>
+          <p:nvSpPr>
+            <p:cNvPr id="76" name="Shape 76"/>
+            <p:cNvSpPr/>
+            <p:nvPr/>
+          </p:nvSpPr>
+          <p:spPr>
+            <a:xfrm rot="-5400000">
+              <a:off x="4836311" y="2333254"/>
+              <a:ext cx="25200" cy="536700"/>
+            </a:xfrm>
+            <a:prstGeom prst="rect">
+              <a:avLst/>
+            </a:prstGeom>
+            <a:solidFill>
+              <a:schemeClr val="lt1"/>
+            </a:solidFill>
+            <a:ln>
+              <a:noFill/>
+            </a:ln>
+          </p:spPr>
+          <p:txBody>
+            <a:bodyPr anchorCtr="0" anchor="ctr" bIns="91425" lIns="91425" rIns="91425" wrap="square" tIns="91425">
+              <a:noAutofit/>
+            </a:bodyPr>
+            <a:lstStyle/>
+            <a:p>
+              <a:pPr lvl="0">
+                <a:spcBef>
+                  <a:spcPts val="0"/>
+                </a:spcBef>
+                <a:buNone/>
+              </a:pPr>
+              <a:r>
+                <a:t/>
+              </a:r>
+              <a:endParaRPr/>
+            </a:p>
+          </p:txBody>
+        </p:sp>
+      </p:grpSp>
+      <p:sp>
+        <p:nvSpPr>
+          <p:cNvPr id="77" name="Shape 77"/>
           <p:cNvSpPr txBox="1"/>
           <p:nvPr>
             <p:ph type="title"/>
@@ -1572,78 +1991,141 @@
         </p:nvSpPr>
         <p:spPr>
           <a:xfrm>
-            <a:off x="311700" y="1106125"/>
-            <a:ext cx="8520600" cy="1963500"/>
+            <a:off x="729450" y="733950"/>
+            <a:ext cx="7688400" cy="1244700"/>
           </a:xfrm>
           <a:prstGeom prst="rect">
             <a:avLst/>
           </a:prstGeom>
         </p:spPr>
         <p:txBody>
-          <a:bodyPr anchorCtr="0" anchor="b" bIns="91425" lIns="91425" rIns="91425" wrap="square" tIns="91425"/>
+          <a:bodyPr anchorCtr="0" anchor="t" bIns="91425" lIns="91425" rIns="91425" wrap="square" tIns="91425"/>
           <a:lstStyle>
-            <a:lvl1pPr lvl="0" algn="ctr">
-              <a:spcBef>
-                <a:spcPts val="0"/>
-              </a:spcBef>
-              <a:buSzPct val="100000"/>
-              <a:defRPr sz="12000"/>
+            <a:lvl1pPr lvl="0">
+              <a:spcBef>
+                <a:spcPts val="0"/>
+              </a:spcBef>
+              <a:buClr>
+                <a:schemeClr val="lt1"/>
+              </a:buClr>
+              <a:buSzPct val="100000"/>
+              <a:defRPr sz="8000">
+                <a:solidFill>
+                  <a:schemeClr val="lt1"/>
+                </a:solidFill>
+              </a:defRPr>
             </a:lvl1pPr>
-            <a:lvl2pPr lvl="1" algn="ctr">
-              <a:spcBef>
-                <a:spcPts val="0"/>
-              </a:spcBef>
-              <a:buSzPct val="100000"/>
-              <a:defRPr sz="12000"/>
+            <a:lvl2pPr lvl="1">
+              <a:spcBef>
+                <a:spcPts val="0"/>
+              </a:spcBef>
+              <a:buClr>
+                <a:schemeClr val="lt1"/>
+              </a:buClr>
+              <a:buSzPct val="100000"/>
+              <a:defRPr sz="8000">
+                <a:solidFill>
+                  <a:schemeClr val="lt1"/>
+                </a:solidFill>
+              </a:defRPr>
             </a:lvl2pPr>
-            <a:lvl3pPr lvl="2" algn="ctr">
-              <a:spcBef>
-                <a:spcPts val="0"/>
-              </a:spcBef>
-              <a:buSzPct val="100000"/>
-              <a:defRPr sz="12000"/>
+            <a:lvl3pPr lvl="2">
+              <a:spcBef>
+                <a:spcPts val="0"/>
+              </a:spcBef>
+              <a:buClr>
+                <a:schemeClr val="lt1"/>
+              </a:buClr>
+              <a:buSzPct val="100000"/>
+              <a:defRPr sz="8000">
+                <a:solidFill>
+                  <a:schemeClr val="lt1"/>
+                </a:solidFill>
+              </a:defRPr>
             </a:lvl3pPr>
-            <a:lvl4pPr lvl="3" algn="ctr">
-              <a:spcBef>
-                <a:spcPts val="0"/>
-              </a:spcBef>
-              <a:buSzPct val="100000"/>
-              <a:defRPr sz="12000"/>
+            <a:lvl4pPr lvl="3">
+              <a:spcBef>
+                <a:spcPts val="0"/>
+              </a:spcBef>
+              <a:buClr>
+                <a:schemeClr val="lt1"/>
+              </a:buClr>
+              <a:buSzPct val="100000"/>
+              <a:defRPr sz="8000">
+                <a:solidFill>
+                  <a:schemeClr val="lt1"/>
+                </a:solidFill>
+              </a:defRPr>
             </a:lvl4pPr>
-            <a:lvl5pPr lvl="4" algn="ctr">
-              <a:spcBef>
-                <a:spcPts val="0"/>
-              </a:spcBef>
-              <a:buSzPct val="100000"/>
-              <a:defRPr sz="12000"/>
+            <a:lvl5pPr lvl="4">
+              <a:spcBef>
+                <a:spcPts val="0"/>
+              </a:spcBef>
+              <a:buClr>
+                <a:schemeClr val="lt1"/>
+              </a:buClr>
+              <a:buSzPct val="100000"/>
+              <a:defRPr sz="8000">
+                <a:solidFill>
+                  <a:schemeClr val="lt1"/>
+                </a:solidFill>
+              </a:defRPr>
             </a:lvl5pPr>
-            <a:lvl6pPr lvl="5" algn="ctr">
-              <a:spcBef>
-                <a:spcPts val="0"/>
-              </a:spcBef>
-              <a:buSzPct val="100000"/>
-              <a:defRPr sz="12000"/>
+            <a:lvl6pPr lvl="5">
+              <a:spcBef>
+                <a:spcPts val="0"/>
+              </a:spcBef>
+              <a:buClr>
+                <a:schemeClr val="lt1"/>
+              </a:buClr>
+              <a:buSzPct val="100000"/>
+              <a:defRPr sz="8000">
+                <a:solidFill>
+                  <a:schemeClr val="lt1"/>
+                </a:solidFill>
+              </a:defRPr>
             </a:lvl6pPr>
-            <a:lvl7pPr lvl="6" algn="ctr">
-              <a:spcBef>
-                <a:spcPts val="0"/>
-              </a:spcBef>
-              <a:buSzPct val="100000"/>
-              <a:defRPr sz="12000"/>
+            <a:lvl7pPr lvl="6">
+              <a:spcBef>
+                <a:spcPts val="0"/>
+              </a:spcBef>
+              <a:buClr>
+                <a:schemeClr val="lt1"/>
+              </a:buClr>
+              <a:buSzPct val="100000"/>
+              <a:defRPr sz="8000">
+                <a:solidFill>
+                  <a:schemeClr val="lt1"/>
+                </a:solidFill>
+              </a:defRPr>
             </a:lvl7pPr>
-            <a:lvl8pPr lvl="7" algn="ctr">
-              <a:spcBef>
-                <a:spcPts val="0"/>
-              </a:spcBef>
-              <a:buSzPct val="100000"/>
-              <a:defRPr sz="12000"/>
+            <a:lvl8pPr lvl="7">
+              <a:spcBef>
+                <a:spcPts val="0"/>
+              </a:spcBef>
+              <a:buClr>
+                <a:schemeClr val="lt1"/>
+              </a:buClr>
+              <a:buSzPct val="100000"/>
+              <a:defRPr sz="8000">
+                <a:solidFill>
+                  <a:schemeClr val="lt1"/>
+                </a:solidFill>
+              </a:defRPr>
             </a:lvl8pPr>
-            <a:lvl9pPr lvl="8" algn="ctr">
-              <a:spcBef>
-                <a:spcPts val="0"/>
-              </a:spcBef>
-              <a:buSzPct val="100000"/>
-              <a:defRPr sz="12000"/>
+            <a:lvl9pPr lvl="8">
+              <a:spcBef>
+                <a:spcPts val="0"/>
+              </a:spcBef>
+              <a:buClr>
+                <a:schemeClr val="lt1"/>
+              </a:buClr>
+              <a:buSzPct val="100000"/>
+              <a:defRPr sz="8000">
+                <a:solidFill>
+                  <a:schemeClr val="lt1"/>
+                </a:solidFill>
+              </a:defRPr>
             </a:lvl9pPr>
           </a:lstStyle>
           <a:p/>
@@ -1651,7 +2133,7 @@
       </p:sp>
       <p:sp>
         <p:nvSpPr>
-          <p:cNvPr id="46" name="Shape 46"/>
+          <p:cNvPr id="78" name="Shape 78"/>
           <p:cNvSpPr txBox="1"/>
           <p:nvPr>
             <p:ph idx="1" type="body"/>
@@ -1659,8 +2141,8 @@
         </p:nvSpPr>
         <p:spPr>
           <a:xfrm>
-            <a:off x="311700" y="3152225"/>
-            <a:ext cx="8520600" cy="1300800"/>
+            <a:off x="729450" y="2272888"/>
+            <a:ext cx="7688400" cy="1580400"/>
           </a:xfrm>
           <a:prstGeom prst="rect">
             <a:avLst/>
@@ -1669,59 +2151,122 @@
         <p:txBody>
           <a:bodyPr anchorCtr="0" anchor="t" bIns="91425" lIns="91425" rIns="91425" wrap="square" tIns="91425"/>
           <a:lstStyle>
-            <a:lvl1pPr lvl="0" algn="ctr">
-              <a:spcBef>
-                <a:spcPts val="0"/>
-              </a:spcBef>
-              <a:defRPr/>
+            <a:lvl1pPr lvl="0">
+              <a:spcBef>
+                <a:spcPts val="0"/>
+              </a:spcBef>
+              <a:buClr>
+                <a:schemeClr val="lt1"/>
+              </a:buClr>
+              <a:defRPr>
+                <a:solidFill>
+                  <a:schemeClr val="lt1"/>
+                </a:solidFill>
+              </a:defRPr>
             </a:lvl1pPr>
-            <a:lvl2pPr lvl="1" algn="ctr">
-              <a:spcBef>
-                <a:spcPts val="0"/>
-              </a:spcBef>
-              <a:defRPr/>
+            <a:lvl2pPr lvl="1">
+              <a:spcBef>
+                <a:spcPts val="0"/>
+              </a:spcBef>
+              <a:buClr>
+                <a:schemeClr val="lt1"/>
+              </a:buClr>
+              <a:defRPr>
+                <a:solidFill>
+                  <a:schemeClr val="lt1"/>
+                </a:solidFill>
+              </a:defRPr>
             </a:lvl2pPr>
-            <a:lvl3pPr lvl="2" algn="ctr">
-              <a:spcBef>
-                <a:spcPts val="0"/>
-              </a:spcBef>
-              <a:defRPr/>
+            <a:lvl3pPr lvl="2">
+              <a:spcBef>
+                <a:spcPts val="0"/>
+              </a:spcBef>
+              <a:buClr>
+                <a:schemeClr val="lt1"/>
+              </a:buClr>
+              <a:defRPr>
+                <a:solidFill>
+                  <a:schemeClr val="lt1"/>
+                </a:solidFill>
+              </a:defRPr>
             </a:lvl3pPr>
-            <a:lvl4pPr lvl="3" algn="ctr">
-              <a:spcBef>
-                <a:spcPts val="0"/>
-              </a:spcBef>
-              <a:defRPr/>
+            <a:lvl4pPr lvl="3">
+              <a:spcBef>
+                <a:spcPts val="0"/>
+              </a:spcBef>
+              <a:buClr>
+                <a:schemeClr val="lt1"/>
+              </a:buClr>
+              <a:defRPr>
+                <a:solidFill>
+                  <a:schemeClr val="lt1"/>
+                </a:solidFill>
+              </a:defRPr>
             </a:lvl4pPr>
-            <a:lvl5pPr lvl="4" algn="ctr">
-              <a:spcBef>
-                <a:spcPts val="0"/>
-              </a:spcBef>
-              <a:defRPr/>
+            <a:lvl5pPr lvl="4">
+              <a:spcBef>
+                <a:spcPts val="0"/>
+              </a:spcBef>
+              <a:buClr>
+                <a:schemeClr val="lt1"/>
+              </a:buClr>
+              <a:defRPr>
+                <a:solidFill>
+                  <a:schemeClr val="lt1"/>
+                </a:solidFill>
+              </a:defRPr>
             </a:lvl5pPr>
-            <a:lvl6pPr lvl="5" algn="ctr">
-              <a:spcBef>
-                <a:spcPts val="0"/>
-              </a:spcBef>
-              <a:defRPr/>
+            <a:lvl6pPr lvl="5">
+              <a:spcBef>
+                <a:spcPts val="0"/>
+              </a:spcBef>
+              <a:buClr>
+                <a:schemeClr val="lt1"/>
+              </a:buClr>
+              <a:defRPr>
+                <a:solidFill>
+                  <a:schemeClr val="lt1"/>
+                </a:solidFill>
+              </a:defRPr>
             </a:lvl6pPr>
-            <a:lvl7pPr lvl="6" algn="ctr">
-              <a:spcBef>
-                <a:spcPts val="0"/>
-              </a:spcBef>
-              <a:defRPr/>
+            <a:lvl7pPr lvl="6">
+              <a:spcBef>
+                <a:spcPts val="0"/>
+              </a:spcBef>
+              <a:buClr>
+                <a:schemeClr val="lt1"/>
+              </a:buClr>
+              <a:defRPr>
+                <a:solidFill>
+                  <a:schemeClr val="lt1"/>
+                </a:solidFill>
+              </a:defRPr>
             </a:lvl7pPr>
-            <a:lvl8pPr lvl="7" algn="ctr">
-              <a:spcBef>
-                <a:spcPts val="0"/>
-              </a:spcBef>
-              <a:defRPr/>
+            <a:lvl8pPr lvl="7">
+              <a:spcBef>
+                <a:spcPts val="0"/>
+              </a:spcBef>
+              <a:buClr>
+                <a:schemeClr val="lt1"/>
+              </a:buClr>
+              <a:defRPr>
+                <a:solidFill>
+                  <a:schemeClr val="lt1"/>
+                </a:solidFill>
+              </a:defRPr>
             </a:lvl8pPr>
-            <a:lvl9pPr lvl="8" algn="ctr">
-              <a:spcBef>
-                <a:spcPts val="0"/>
-              </a:spcBef>
-              <a:defRPr/>
+            <a:lvl9pPr lvl="8">
+              <a:spcBef>
+                <a:spcPts val="0"/>
+              </a:spcBef>
+              <a:buClr>
+                <a:schemeClr val="lt1"/>
+              </a:buClr>
+              <a:defRPr>
+                <a:solidFill>
+                  <a:schemeClr val="lt1"/>
+                </a:solidFill>
+              </a:defRPr>
             </a:lvl9pPr>
           </a:lstStyle>
           <a:p/>
@@ -1729,7 +2274,7 @@
       </p:sp>
       <p:sp>
         <p:nvSpPr>
-          <p:cNvPr id="47" name="Shape 47"/>
+          <p:cNvPr id="79" name="Shape 79"/>
           <p:cNvSpPr txBox="1"/>
           <p:nvPr>
             <p:ph idx="12" type="sldNum"/>
@@ -1737,7 +2282,7 @@
         </p:nvSpPr>
         <p:spPr>
           <a:xfrm>
-            <a:off x="8472458" y="4663217"/>
+            <a:off x="8536302" y="4749851"/>
             <a:ext cx="548700" cy="393600"/>
           </a:xfrm>
           <a:prstGeom prst="rect">
@@ -1757,7 +2302,11 @@
               <a:buNone/>
             </a:pPr>
             <a:fld id="{00000000-1234-1234-1234-123412341234}" type="slidenum">
-              <a:rPr lang="en"/>
+              <a:rPr lang="en">
+                <a:solidFill>
+                  <a:schemeClr val="lt1"/>
+                </a:solidFill>
+              </a:rPr>
               <a:t>‹#›</a:t>
             </a:fld>
           </a:p>
@@ -1776,7 +2325,7 @@
   <p:cSld name="Blank">
     <p:spTree>
       <p:nvGrpSpPr>
-        <p:cNvPr id="48" name="Shape 48"/>
+        <p:cNvPr id="80" name="Shape 80"/>
         <p:cNvGrpSpPr/>
         <p:nvPr/>
       </p:nvGrpSpPr>
@@ -1790,7 +2339,7 @@
       </p:grpSpPr>
       <p:sp>
         <p:nvSpPr>
-          <p:cNvPr id="49" name="Shape 49"/>
+          <p:cNvPr id="81" name="Shape 81"/>
           <p:cNvSpPr txBox="1"/>
           <p:nvPr>
             <p:ph idx="12" type="sldNum"/>
@@ -1798,7 +2347,7 @@
         </p:nvSpPr>
         <p:spPr>
           <a:xfrm>
-            <a:off x="8472458" y="4663217"/>
+            <a:off x="8536302" y="4749851"/>
             <a:ext cx="548700" cy="393600"/>
           </a:xfrm>
           <a:prstGeom prst="rect">
@@ -1835,9 +2384,16 @@
 <file path=ppt/slideLayouts/slideLayout2.xml><?xml version="1.0" encoding="utf-8"?>
 <p:sldLayout xmlns:a="http://schemas.openxmlformats.org/drawingml/2006/main" xmlns:r="http://schemas.openxmlformats.org/officeDocument/2006/relationships" xmlns:mc="http://schemas.openxmlformats.org/markup-compatibility/2006" xmlns:mv="urn:schemas-microsoft-com:mac:vml" xmlns:p="http://schemas.openxmlformats.org/presentationml/2006/main" xmlns:c="http://schemas.openxmlformats.org/drawingml/2006/chart" xmlns:dgm="http://schemas.openxmlformats.org/drawingml/2006/diagram" xmlns:o="urn:schemas-microsoft-com:office:office" xmlns:v="urn:schemas-microsoft-com:vml" xmlns:pvml="urn:schemas-microsoft-com:office:powerpoint" xmlns:com="http://schemas.openxmlformats.org/drawingml/2006/compatibility" xmlns:p14="http://schemas.microsoft.com/office/powerpoint/2010/main" xmlns:p15="http://schemas.microsoft.com/office/powerpoint/2012/main" type="secHead">
   <p:cSld name="Section header">
+    <p:bg>
+      <p:bgPr>
+        <a:solidFill>
+          <a:schemeClr val="dk1"/>
+        </a:solidFill>
+      </p:bgPr>
+    </p:bg>
     <p:spTree>
       <p:nvGrpSpPr>
-        <p:cNvPr id="13" name="Shape 13"/>
+        <p:cNvPr id="17" name="Shape 17"/>
         <p:cNvGrpSpPr/>
         <p:nvPr/>
       </p:nvGrpSpPr>
@@ -1849,9 +2405,104 @@
           <a:chExt cx="0" cy="0"/>
         </a:xfrm>
       </p:grpSpPr>
-      <p:sp>
-        <p:nvSpPr>
-          <p:cNvPr id="14" name="Shape 14"/>
+      <p:grpSp>
+        <p:nvGrpSpPr>
+          <p:cNvPr id="18" name="Shape 18"/>
+          <p:cNvGrpSpPr/>
+          <p:nvPr/>
+        </p:nvGrpSpPr>
+        <p:grpSpPr>
+          <a:xfrm>
+            <a:off x="830392" y="1191256"/>
+            <a:ext cx="745763" cy="45826"/>
+            <a:chOff x="4580561" y="2589004"/>
+            <a:chExt cx="1064464" cy="25200"/>
+          </a:xfrm>
+        </p:grpSpPr>
+        <p:sp>
+          <p:nvSpPr>
+            <p:cNvPr id="19" name="Shape 19"/>
+            <p:cNvSpPr/>
+            <p:nvPr/>
+          </p:nvSpPr>
+          <p:spPr>
+            <a:xfrm rot="-5400000">
+              <a:off x="5366325" y="2335504"/>
+              <a:ext cx="25200" cy="532200"/>
+            </a:xfrm>
+            <a:prstGeom prst="rect">
+              <a:avLst/>
+            </a:prstGeom>
+            <a:solidFill>
+              <a:schemeClr val="lt1"/>
+            </a:solidFill>
+            <a:ln>
+              <a:noFill/>
+            </a:ln>
+          </p:spPr>
+          <p:txBody>
+            <a:bodyPr anchorCtr="0" anchor="ctr" bIns="91425" lIns="91425" rIns="91425" wrap="square" tIns="91425">
+              <a:noAutofit/>
+            </a:bodyPr>
+            <a:lstStyle/>
+            <a:p>
+              <a:pPr lvl="0">
+                <a:spcBef>
+                  <a:spcPts val="0"/>
+                </a:spcBef>
+                <a:buNone/>
+              </a:pPr>
+              <a:r>
+                <a:t/>
+              </a:r>
+              <a:endParaRPr/>
+            </a:p>
+          </p:txBody>
+        </p:sp>
+        <p:sp>
+          <p:nvSpPr>
+            <p:cNvPr id="20" name="Shape 20"/>
+            <p:cNvSpPr/>
+            <p:nvPr/>
+          </p:nvSpPr>
+          <p:spPr>
+            <a:xfrm rot="-5400000">
+              <a:off x="4836311" y="2333254"/>
+              <a:ext cx="25200" cy="536700"/>
+            </a:xfrm>
+            <a:prstGeom prst="rect">
+              <a:avLst/>
+            </a:prstGeom>
+            <a:solidFill>
+              <a:schemeClr val="lt1"/>
+            </a:solidFill>
+            <a:ln>
+              <a:noFill/>
+            </a:ln>
+          </p:spPr>
+          <p:txBody>
+            <a:bodyPr anchorCtr="0" anchor="ctr" bIns="91425" lIns="91425" rIns="91425" wrap="square" tIns="91425">
+              <a:noAutofit/>
+            </a:bodyPr>
+            <a:lstStyle/>
+            <a:p>
+              <a:pPr lvl="0">
+                <a:spcBef>
+                  <a:spcPts val="0"/>
+                </a:spcBef>
+                <a:buNone/>
+              </a:pPr>
+              <a:r>
+                <a:t/>
+              </a:r>
+              <a:endParaRPr/>
+            </a:p>
+          </p:txBody>
+        </p:sp>
+      </p:grpSp>
+      <p:sp>
+        <p:nvSpPr>
+          <p:cNvPr id="21" name="Shape 21"/>
           <p:cNvSpPr txBox="1"/>
           <p:nvPr>
             <p:ph type="title"/>
@@ -1859,78 +2510,141 @@
         </p:nvSpPr>
         <p:spPr>
           <a:xfrm>
-            <a:off x="311700" y="2150850"/>
-            <a:ext cx="8520600" cy="841800"/>
+            <a:off x="729450" y="1322450"/>
+            <a:ext cx="7688400" cy="1518600"/>
           </a:xfrm>
           <a:prstGeom prst="rect">
             <a:avLst/>
           </a:prstGeom>
         </p:spPr>
         <p:txBody>
-          <a:bodyPr anchorCtr="0" anchor="ctr" bIns="91425" lIns="91425" rIns="91425" wrap="square" tIns="91425"/>
+          <a:bodyPr anchorCtr="0" anchor="t" bIns="91425" lIns="91425" rIns="91425" wrap="square" tIns="91425"/>
           <a:lstStyle>
-            <a:lvl1pPr lvl="0" algn="ctr">
-              <a:spcBef>
-                <a:spcPts val="0"/>
-              </a:spcBef>
-              <a:buSzPct val="100000"/>
-              <a:defRPr sz="3600"/>
+            <a:lvl1pPr lvl="0">
+              <a:spcBef>
+                <a:spcPts val="0"/>
+              </a:spcBef>
+              <a:buClr>
+                <a:schemeClr val="lt1"/>
+              </a:buClr>
+              <a:buSzPct val="100000"/>
+              <a:defRPr sz="3600">
+                <a:solidFill>
+                  <a:schemeClr val="lt1"/>
+                </a:solidFill>
+              </a:defRPr>
             </a:lvl1pPr>
-            <a:lvl2pPr lvl="1" algn="ctr">
-              <a:spcBef>
-                <a:spcPts val="0"/>
-              </a:spcBef>
-              <a:buSzPct val="100000"/>
-              <a:defRPr sz="3600"/>
+            <a:lvl2pPr lvl="1">
+              <a:spcBef>
+                <a:spcPts val="0"/>
+              </a:spcBef>
+              <a:buClr>
+                <a:schemeClr val="lt1"/>
+              </a:buClr>
+              <a:buSzPct val="100000"/>
+              <a:defRPr sz="3600">
+                <a:solidFill>
+                  <a:schemeClr val="lt1"/>
+                </a:solidFill>
+              </a:defRPr>
             </a:lvl2pPr>
-            <a:lvl3pPr lvl="2" algn="ctr">
-              <a:spcBef>
-                <a:spcPts val="0"/>
-              </a:spcBef>
-              <a:buSzPct val="100000"/>
-              <a:defRPr sz="3600"/>
+            <a:lvl3pPr lvl="2">
+              <a:spcBef>
+                <a:spcPts val="0"/>
+              </a:spcBef>
+              <a:buClr>
+                <a:schemeClr val="lt1"/>
+              </a:buClr>
+              <a:buSzPct val="100000"/>
+              <a:defRPr sz="3600">
+                <a:solidFill>
+                  <a:schemeClr val="lt1"/>
+                </a:solidFill>
+              </a:defRPr>
             </a:lvl3pPr>
-            <a:lvl4pPr lvl="3" algn="ctr">
-              <a:spcBef>
-                <a:spcPts val="0"/>
-              </a:spcBef>
-              <a:buSzPct val="100000"/>
-              <a:defRPr sz="3600"/>
+            <a:lvl4pPr lvl="3">
+              <a:spcBef>
+                <a:spcPts val="0"/>
+              </a:spcBef>
+              <a:buClr>
+                <a:schemeClr val="lt1"/>
+              </a:buClr>
+              <a:buSzPct val="100000"/>
+              <a:defRPr sz="3600">
+                <a:solidFill>
+                  <a:schemeClr val="lt1"/>
+                </a:solidFill>
+              </a:defRPr>
             </a:lvl4pPr>
-            <a:lvl5pPr lvl="4" algn="ctr">
-              <a:spcBef>
-                <a:spcPts val="0"/>
-              </a:spcBef>
-              <a:buSzPct val="100000"/>
-              <a:defRPr sz="3600"/>
+            <a:lvl5pPr lvl="4">
+              <a:spcBef>
+                <a:spcPts val="0"/>
+              </a:spcBef>
+              <a:buClr>
+                <a:schemeClr val="lt1"/>
+              </a:buClr>
+              <a:buSzPct val="100000"/>
+              <a:defRPr sz="3600">
+                <a:solidFill>
+                  <a:schemeClr val="lt1"/>
+                </a:solidFill>
+              </a:defRPr>
             </a:lvl5pPr>
-            <a:lvl6pPr lvl="5" algn="ctr">
-              <a:spcBef>
-                <a:spcPts val="0"/>
-              </a:spcBef>
-              <a:buSzPct val="100000"/>
-              <a:defRPr sz="3600"/>
+            <a:lvl6pPr lvl="5">
+              <a:spcBef>
+                <a:spcPts val="0"/>
+              </a:spcBef>
+              <a:buClr>
+                <a:schemeClr val="lt1"/>
+              </a:buClr>
+              <a:buSzPct val="100000"/>
+              <a:defRPr sz="3600">
+                <a:solidFill>
+                  <a:schemeClr val="lt1"/>
+                </a:solidFill>
+              </a:defRPr>
             </a:lvl6pPr>
-            <a:lvl7pPr lvl="6" algn="ctr">
-              <a:spcBef>
-                <a:spcPts val="0"/>
-              </a:spcBef>
-              <a:buSzPct val="100000"/>
-              <a:defRPr sz="3600"/>
+            <a:lvl7pPr lvl="6">
+              <a:spcBef>
+                <a:spcPts val="0"/>
+              </a:spcBef>
+              <a:buClr>
+                <a:schemeClr val="lt1"/>
+              </a:buClr>
+              <a:buSzPct val="100000"/>
+              <a:defRPr sz="3600">
+                <a:solidFill>
+                  <a:schemeClr val="lt1"/>
+                </a:solidFill>
+              </a:defRPr>
             </a:lvl7pPr>
-            <a:lvl8pPr lvl="7" algn="ctr">
-              <a:spcBef>
-                <a:spcPts val="0"/>
-              </a:spcBef>
-              <a:buSzPct val="100000"/>
-              <a:defRPr sz="3600"/>
+            <a:lvl8pPr lvl="7">
+              <a:spcBef>
+                <a:spcPts val="0"/>
+              </a:spcBef>
+              <a:buClr>
+                <a:schemeClr val="lt1"/>
+              </a:buClr>
+              <a:buSzPct val="100000"/>
+              <a:defRPr sz="3600">
+                <a:solidFill>
+                  <a:schemeClr val="lt1"/>
+                </a:solidFill>
+              </a:defRPr>
             </a:lvl8pPr>
-            <a:lvl9pPr lvl="8" algn="ctr">
-              <a:spcBef>
-                <a:spcPts val="0"/>
-              </a:spcBef>
-              <a:buSzPct val="100000"/>
-              <a:defRPr sz="3600"/>
+            <a:lvl9pPr lvl="8">
+              <a:spcBef>
+                <a:spcPts val="0"/>
+              </a:spcBef>
+              <a:buClr>
+                <a:schemeClr val="lt1"/>
+              </a:buClr>
+              <a:buSzPct val="100000"/>
+              <a:defRPr sz="3600">
+                <a:solidFill>
+                  <a:schemeClr val="lt1"/>
+                </a:solidFill>
+              </a:defRPr>
             </a:lvl9pPr>
           </a:lstStyle>
           <a:p/>
@@ -1938,7 +2652,7 @@
       </p:sp>
       <p:sp>
         <p:nvSpPr>
-          <p:cNvPr id="15" name="Shape 15"/>
+          <p:cNvPr id="22" name="Shape 22"/>
           <p:cNvSpPr txBox="1"/>
           <p:nvPr>
             <p:ph idx="12" type="sldNum"/>
@@ -1946,7 +2660,7 @@
         </p:nvSpPr>
         <p:spPr>
           <a:xfrm>
-            <a:off x="8472458" y="4663217"/>
+            <a:off x="8536302" y="4749851"/>
             <a:ext cx="548700" cy="393600"/>
           </a:xfrm>
           <a:prstGeom prst="rect">
@@ -1966,7 +2680,11 @@
               <a:buNone/>
             </a:pPr>
             <a:fld id="{00000000-1234-1234-1234-123412341234}" type="slidenum">
-              <a:rPr lang="en"/>
+              <a:rPr lang="en">
+                <a:solidFill>
+                  <a:schemeClr val="lt1"/>
+                </a:solidFill>
+              </a:rPr>
               <a:t>‹#›</a:t>
             </a:fld>
           </a:p>
@@ -1985,7 +2703,7 @@
   <p:cSld name="Title and body">
     <p:spTree>
       <p:nvGrpSpPr>
-        <p:cNvPr id="16" name="Shape 16"/>
+        <p:cNvPr id="23" name="Shape 23"/>
         <p:cNvGrpSpPr/>
         <p:nvPr/>
       </p:nvGrpSpPr>
@@ -1999,7 +2717,142 @@
       </p:grpSpPr>
       <p:sp>
         <p:nvSpPr>
-          <p:cNvPr id="17" name="Shape 17"/>
+          <p:cNvPr id="24" name="Shape 24"/>
+          <p:cNvSpPr/>
+          <p:nvPr/>
+        </p:nvSpPr>
+        <p:spPr>
+          <a:xfrm>
+            <a:off x="0" y="0"/>
+            <a:ext cx="9144000" cy="487800"/>
+          </a:xfrm>
+          <a:prstGeom prst="rect">
+            <a:avLst/>
+          </a:prstGeom>
+          <a:solidFill>
+            <a:schemeClr val="lt2"/>
+          </a:solidFill>
+          <a:ln>
+            <a:noFill/>
+          </a:ln>
+        </p:spPr>
+        <p:txBody>
+          <a:bodyPr anchorCtr="0" anchor="ctr" bIns="91425" lIns="91425" rIns="91425" wrap="square" tIns="91425">
+            <a:noAutofit/>
+          </a:bodyPr>
+          <a:lstStyle/>
+          <a:p>
+            <a:pPr lvl="0">
+              <a:spcBef>
+                <a:spcPts val="0"/>
+              </a:spcBef>
+              <a:buNone/>
+            </a:pPr>
+            <a:r>
+              <a:t/>
+            </a:r>
+            <a:endParaRPr/>
+          </a:p>
+        </p:txBody>
+      </p:sp>
+      <p:grpSp>
+        <p:nvGrpSpPr>
+          <p:cNvPr id="25" name="Shape 25"/>
+          <p:cNvGrpSpPr/>
+          <p:nvPr/>
+        </p:nvGrpSpPr>
+        <p:grpSpPr>
+          <a:xfrm>
+            <a:off x="830392" y="1191256"/>
+            <a:ext cx="745763" cy="45826"/>
+            <a:chOff x="4580561" y="2589004"/>
+            <a:chExt cx="1064464" cy="25200"/>
+          </a:xfrm>
+        </p:grpSpPr>
+        <p:sp>
+          <p:nvSpPr>
+            <p:cNvPr id="26" name="Shape 26"/>
+            <p:cNvSpPr/>
+            <p:nvPr/>
+          </p:nvSpPr>
+          <p:spPr>
+            <a:xfrm rot="-5400000">
+              <a:off x="5366325" y="2335504"/>
+              <a:ext cx="25200" cy="532200"/>
+            </a:xfrm>
+            <a:prstGeom prst="rect">
+              <a:avLst/>
+            </a:prstGeom>
+            <a:solidFill>
+              <a:schemeClr val="accent3"/>
+            </a:solidFill>
+            <a:ln>
+              <a:noFill/>
+            </a:ln>
+          </p:spPr>
+          <p:txBody>
+            <a:bodyPr anchorCtr="0" anchor="ctr" bIns="91425" lIns="91425" rIns="91425" wrap="square" tIns="91425">
+              <a:noAutofit/>
+            </a:bodyPr>
+            <a:lstStyle/>
+            <a:p>
+              <a:pPr lvl="0">
+                <a:spcBef>
+                  <a:spcPts val="0"/>
+                </a:spcBef>
+                <a:buNone/>
+              </a:pPr>
+              <a:r>
+                <a:t/>
+              </a:r>
+              <a:endParaRPr/>
+            </a:p>
+          </p:txBody>
+        </p:sp>
+        <p:sp>
+          <p:nvSpPr>
+            <p:cNvPr id="27" name="Shape 27"/>
+            <p:cNvSpPr/>
+            <p:nvPr/>
+          </p:nvSpPr>
+          <p:spPr>
+            <a:xfrm rot="-5400000">
+              <a:off x="4836311" y="2333254"/>
+              <a:ext cx="25200" cy="536700"/>
+            </a:xfrm>
+            <a:prstGeom prst="rect">
+              <a:avLst/>
+            </a:prstGeom>
+            <a:solidFill>
+              <a:schemeClr val="dk1"/>
+            </a:solidFill>
+            <a:ln>
+              <a:noFill/>
+            </a:ln>
+          </p:spPr>
+          <p:txBody>
+            <a:bodyPr anchorCtr="0" anchor="ctr" bIns="91425" lIns="91425" rIns="91425" wrap="square" tIns="91425">
+              <a:noAutofit/>
+            </a:bodyPr>
+            <a:lstStyle/>
+            <a:p>
+              <a:pPr lvl="0">
+                <a:spcBef>
+                  <a:spcPts val="0"/>
+                </a:spcBef>
+                <a:buNone/>
+              </a:pPr>
+              <a:r>
+                <a:t/>
+              </a:r>
+              <a:endParaRPr/>
+            </a:p>
+          </p:txBody>
+        </p:sp>
+      </p:grpSp>
+      <p:sp>
+        <p:nvSpPr>
+          <p:cNvPr id="28" name="Shape 28"/>
           <p:cNvSpPr txBox="1"/>
           <p:nvPr>
             <p:ph type="title"/>
@@ -2007,8 +2860,158 @@
         </p:nvSpPr>
         <p:spPr>
           <a:xfrm>
-            <a:off x="311700" y="445025"/>
-            <a:ext cx="8520600" cy="572700"/>
+            <a:off x="729450" y="1318650"/>
+            <a:ext cx="7688700" cy="535200"/>
+          </a:xfrm>
+          <a:prstGeom prst="rect">
+            <a:avLst/>
+          </a:prstGeom>
+        </p:spPr>
+        <p:txBody>
+          <a:bodyPr anchorCtr="0" anchor="t" bIns="91425" lIns="91425" rIns="91425" wrap="square" tIns="91425"/>
+          <a:lstStyle>
+            <a:lvl1pPr lvl="0">
+              <a:spcBef>
+                <a:spcPts val="0"/>
+              </a:spcBef>
+              <a:buClr>
+                <a:schemeClr val="dk2"/>
+              </a:buClr>
+              <a:buSzPct val="100000"/>
+              <a:defRPr sz="2600">
+                <a:solidFill>
+                  <a:schemeClr val="dk2"/>
+                </a:solidFill>
+              </a:defRPr>
+            </a:lvl1pPr>
+            <a:lvl2pPr lvl="1">
+              <a:spcBef>
+                <a:spcPts val="0"/>
+              </a:spcBef>
+              <a:buClr>
+                <a:schemeClr val="dk2"/>
+              </a:buClr>
+              <a:buSzPct val="100000"/>
+              <a:defRPr sz="2600">
+                <a:solidFill>
+                  <a:schemeClr val="dk2"/>
+                </a:solidFill>
+              </a:defRPr>
+            </a:lvl2pPr>
+            <a:lvl3pPr lvl="2">
+              <a:spcBef>
+                <a:spcPts val="0"/>
+              </a:spcBef>
+              <a:buClr>
+                <a:schemeClr val="dk2"/>
+              </a:buClr>
+              <a:buSzPct val="100000"/>
+              <a:defRPr sz="2600">
+                <a:solidFill>
+                  <a:schemeClr val="dk2"/>
+                </a:solidFill>
+              </a:defRPr>
+            </a:lvl3pPr>
+            <a:lvl4pPr lvl="3">
+              <a:spcBef>
+                <a:spcPts val="0"/>
+              </a:spcBef>
+              <a:buClr>
+                <a:schemeClr val="dk2"/>
+              </a:buClr>
+              <a:buSzPct val="100000"/>
+              <a:defRPr sz="2600">
+                <a:solidFill>
+                  <a:schemeClr val="dk2"/>
+                </a:solidFill>
+              </a:defRPr>
+            </a:lvl4pPr>
+            <a:lvl5pPr lvl="4">
+              <a:spcBef>
+                <a:spcPts val="0"/>
+              </a:spcBef>
+              <a:buClr>
+                <a:schemeClr val="dk2"/>
+              </a:buClr>
+              <a:buSzPct val="100000"/>
+              <a:defRPr sz="2600">
+                <a:solidFill>
+                  <a:schemeClr val="dk2"/>
+                </a:solidFill>
+              </a:defRPr>
+            </a:lvl5pPr>
+            <a:lvl6pPr lvl="5">
+              <a:spcBef>
+                <a:spcPts val="0"/>
+              </a:spcBef>
+              <a:buClr>
+                <a:schemeClr val="dk2"/>
+              </a:buClr>
+              <a:buSzPct val="100000"/>
+              <a:defRPr sz="2600">
+                <a:solidFill>
+                  <a:schemeClr val="dk2"/>
+                </a:solidFill>
+              </a:defRPr>
+            </a:lvl6pPr>
+            <a:lvl7pPr lvl="6">
+              <a:spcBef>
+                <a:spcPts val="0"/>
+              </a:spcBef>
+              <a:buClr>
+                <a:schemeClr val="dk2"/>
+              </a:buClr>
+              <a:buSzPct val="100000"/>
+              <a:defRPr sz="2600">
+                <a:solidFill>
+                  <a:schemeClr val="dk2"/>
+                </a:solidFill>
+              </a:defRPr>
+            </a:lvl7pPr>
+            <a:lvl8pPr lvl="7">
+              <a:spcBef>
+                <a:spcPts val="0"/>
+              </a:spcBef>
+              <a:buClr>
+                <a:schemeClr val="dk2"/>
+              </a:buClr>
+              <a:buSzPct val="100000"/>
+              <a:defRPr sz="2600">
+                <a:solidFill>
+                  <a:schemeClr val="dk2"/>
+                </a:solidFill>
+              </a:defRPr>
+            </a:lvl8pPr>
+            <a:lvl9pPr lvl="8">
+              <a:spcBef>
+                <a:spcPts val="0"/>
+              </a:spcBef>
+              <a:buClr>
+                <a:schemeClr val="dk2"/>
+              </a:buClr>
+              <a:buSzPct val="100000"/>
+              <a:defRPr sz="2600">
+                <a:solidFill>
+                  <a:schemeClr val="dk2"/>
+                </a:solidFill>
+              </a:defRPr>
+            </a:lvl9pPr>
+          </a:lstStyle>
+          <a:p/>
+        </p:txBody>
+      </p:sp>
+      <p:sp>
+        <p:nvSpPr>
+          <p:cNvPr id="29" name="Shape 29"/>
+          <p:cNvSpPr txBox="1"/>
+          <p:nvPr>
+            <p:ph idx="1" type="body"/>
+          </p:nvPr>
+        </p:nvSpPr>
+        <p:spPr>
+          <a:xfrm>
+            <a:off x="729450" y="2078875"/>
+            <a:ext cx="7688700" cy="2261100"/>
           </a:xfrm>
           <a:prstGeom prst="rect">
             <a:avLst/>
@@ -2077,85 +3080,7 @@
       </p:sp>
       <p:sp>
         <p:nvSpPr>
-          <p:cNvPr id="18" name="Shape 18"/>
-          <p:cNvSpPr txBox="1"/>
-          <p:nvPr>
-            <p:ph idx="1" type="body"/>
-          </p:nvPr>
-        </p:nvSpPr>
-        <p:spPr>
-          <a:xfrm>
-            <a:off x="311700" y="1152475"/>
-            <a:ext cx="8520600" cy="3416400"/>
-          </a:xfrm>
-          <a:prstGeom prst="rect">
-            <a:avLst/>
-          </a:prstGeom>
-        </p:spPr>
-        <p:txBody>
-          <a:bodyPr anchorCtr="0" anchor="t" bIns="91425" lIns="91425" rIns="91425" wrap="square" tIns="91425"/>
-          <a:lstStyle>
-            <a:lvl1pPr lvl="0">
-              <a:spcBef>
-                <a:spcPts val="0"/>
-              </a:spcBef>
-              <a:defRPr/>
-            </a:lvl1pPr>
-            <a:lvl2pPr lvl="1">
-              <a:spcBef>
-                <a:spcPts val="0"/>
-              </a:spcBef>
-              <a:defRPr/>
-            </a:lvl2pPr>
-            <a:lvl3pPr lvl="2">
-              <a:spcBef>
-                <a:spcPts val="0"/>
-              </a:spcBef>
-              <a:defRPr/>
-            </a:lvl3pPr>
-            <a:lvl4pPr lvl="3">
-              <a:spcBef>
-                <a:spcPts val="0"/>
-              </a:spcBef>
-              <a:defRPr/>
-            </a:lvl4pPr>
-            <a:lvl5pPr lvl="4">
-              <a:spcBef>
-                <a:spcPts val="0"/>
-              </a:spcBef>
-              <a:defRPr/>
-            </a:lvl5pPr>
-            <a:lvl6pPr lvl="5">
-              <a:spcBef>
-                <a:spcPts val="0"/>
-              </a:spcBef>
-              <a:defRPr/>
-            </a:lvl6pPr>
-            <a:lvl7pPr lvl="6">
-              <a:spcBef>
-                <a:spcPts val="0"/>
-              </a:spcBef>
-              <a:defRPr/>
-            </a:lvl7pPr>
-            <a:lvl8pPr lvl="7">
-              <a:spcBef>
-                <a:spcPts val="0"/>
-              </a:spcBef>
-              <a:defRPr/>
-            </a:lvl8pPr>
-            <a:lvl9pPr lvl="8">
-              <a:spcBef>
-                <a:spcPts val="0"/>
-              </a:spcBef>
-              <a:defRPr/>
-            </a:lvl9pPr>
-          </a:lstStyle>
-          <a:p/>
-        </p:txBody>
-      </p:sp>
-      <p:sp>
-        <p:nvSpPr>
-          <p:cNvPr id="19" name="Shape 19"/>
+          <p:cNvPr id="30" name="Shape 30"/>
           <p:cNvSpPr txBox="1"/>
           <p:nvPr>
             <p:ph idx="12" type="sldNum"/>
@@ -2163,7 +3088,7 @@
         </p:nvSpPr>
         <p:spPr>
           <a:xfrm>
-            <a:off x="8472458" y="4663217"/>
+            <a:off x="8536302" y="4749851"/>
             <a:ext cx="548700" cy="393600"/>
           </a:xfrm>
           <a:prstGeom prst="rect">
@@ -2202,7 +3127,7 @@
   <p:cSld name="Title and two columns">
     <p:spTree>
       <p:nvGrpSpPr>
-        <p:cNvPr id="20" name="Shape 20"/>
+        <p:cNvPr id="31" name="Shape 31"/>
         <p:cNvGrpSpPr/>
         <p:nvPr/>
       </p:nvGrpSpPr>
@@ -2216,7 +3141,142 @@
       </p:grpSpPr>
       <p:sp>
         <p:nvSpPr>
-          <p:cNvPr id="21" name="Shape 21"/>
+          <p:cNvPr id="32" name="Shape 32"/>
+          <p:cNvSpPr/>
+          <p:nvPr/>
+        </p:nvSpPr>
+        <p:spPr>
+          <a:xfrm>
+            <a:off x="0" y="0"/>
+            <a:ext cx="9144000" cy="487800"/>
+          </a:xfrm>
+          <a:prstGeom prst="rect">
+            <a:avLst/>
+          </a:prstGeom>
+          <a:solidFill>
+            <a:schemeClr val="lt2"/>
+          </a:solidFill>
+          <a:ln>
+            <a:noFill/>
+          </a:ln>
+        </p:spPr>
+        <p:txBody>
+          <a:bodyPr anchorCtr="0" anchor="ctr" bIns="91425" lIns="91425" rIns="91425" wrap="square" tIns="91425">
+            <a:noAutofit/>
+          </a:bodyPr>
+          <a:lstStyle/>
+          <a:p>
+            <a:pPr lvl="0">
+              <a:spcBef>
+                <a:spcPts val="0"/>
+              </a:spcBef>
+              <a:buNone/>
+            </a:pPr>
+            <a:r>
+              <a:t/>
+            </a:r>
+            <a:endParaRPr/>
+          </a:p>
+        </p:txBody>
+      </p:sp>
+      <p:grpSp>
+        <p:nvGrpSpPr>
+          <p:cNvPr id="33" name="Shape 33"/>
+          <p:cNvGrpSpPr/>
+          <p:nvPr/>
+        </p:nvGrpSpPr>
+        <p:grpSpPr>
+          <a:xfrm>
+            <a:off x="830392" y="1191256"/>
+            <a:ext cx="745763" cy="45826"/>
+            <a:chOff x="4580561" y="2589004"/>
+            <a:chExt cx="1064464" cy="25200"/>
+          </a:xfrm>
+        </p:grpSpPr>
+        <p:sp>
+          <p:nvSpPr>
+            <p:cNvPr id="34" name="Shape 34"/>
+            <p:cNvSpPr/>
+            <p:nvPr/>
+          </p:nvSpPr>
+          <p:spPr>
+            <a:xfrm rot="-5400000">
+              <a:off x="5366325" y="2335504"/>
+              <a:ext cx="25200" cy="532200"/>
+            </a:xfrm>
+            <a:prstGeom prst="rect">
+              <a:avLst/>
+            </a:prstGeom>
+            <a:solidFill>
+              <a:schemeClr val="accent3"/>
+            </a:solidFill>
+            <a:ln>
+              <a:noFill/>
+            </a:ln>
+          </p:spPr>
+          <p:txBody>
+            <a:bodyPr anchorCtr="0" anchor="ctr" bIns="91425" lIns="91425" rIns="91425" wrap="square" tIns="91425">
+              <a:noAutofit/>
+            </a:bodyPr>
+            <a:lstStyle/>
+            <a:p>
+              <a:pPr lvl="0">
+                <a:spcBef>
+                  <a:spcPts val="0"/>
+                </a:spcBef>
+                <a:buNone/>
+              </a:pPr>
+              <a:r>
+                <a:t/>
+              </a:r>
+              <a:endParaRPr/>
+            </a:p>
+          </p:txBody>
+        </p:sp>
+        <p:sp>
+          <p:nvSpPr>
+            <p:cNvPr id="35" name="Shape 35"/>
+            <p:cNvSpPr/>
+            <p:nvPr/>
+          </p:nvSpPr>
+          <p:spPr>
+            <a:xfrm rot="-5400000">
+              <a:off x="4836311" y="2333254"/>
+              <a:ext cx="25200" cy="536700"/>
+            </a:xfrm>
+            <a:prstGeom prst="rect">
+              <a:avLst/>
+            </a:prstGeom>
+            <a:solidFill>
+              <a:schemeClr val="dk1"/>
+            </a:solidFill>
+            <a:ln>
+              <a:noFill/>
+            </a:ln>
+          </p:spPr>
+          <p:txBody>
+            <a:bodyPr anchorCtr="0" anchor="ctr" bIns="91425" lIns="91425" rIns="91425" wrap="square" tIns="91425">
+              <a:noAutofit/>
+            </a:bodyPr>
+            <a:lstStyle/>
+            <a:p>
+              <a:pPr lvl="0">
+                <a:spcBef>
+                  <a:spcPts val="0"/>
+                </a:spcBef>
+                <a:buNone/>
+              </a:pPr>
+              <a:r>
+                <a:t/>
+              </a:r>
+              <a:endParaRPr/>
+            </a:p>
+          </p:txBody>
+        </p:sp>
+      </p:grpSp>
+      <p:sp>
+        <p:nvSpPr>
+          <p:cNvPr id="36" name="Shape 36"/>
           <p:cNvSpPr txBox="1"/>
           <p:nvPr>
             <p:ph type="title"/>
@@ -2224,8 +3284,158 @@
         </p:nvSpPr>
         <p:spPr>
           <a:xfrm>
-            <a:off x="311700" y="445025"/>
-            <a:ext cx="8520600" cy="572700"/>
+            <a:off x="729450" y="1318650"/>
+            <a:ext cx="7688400" cy="535200"/>
+          </a:xfrm>
+          <a:prstGeom prst="rect">
+            <a:avLst/>
+          </a:prstGeom>
+        </p:spPr>
+        <p:txBody>
+          <a:bodyPr anchorCtr="0" anchor="t" bIns="91425" lIns="91425" rIns="91425" wrap="square" tIns="91425"/>
+          <a:lstStyle>
+            <a:lvl1pPr lvl="0">
+              <a:spcBef>
+                <a:spcPts val="0"/>
+              </a:spcBef>
+              <a:buClr>
+                <a:schemeClr val="dk2"/>
+              </a:buClr>
+              <a:buSzPct val="100000"/>
+              <a:defRPr sz="2600">
+                <a:solidFill>
+                  <a:schemeClr val="dk2"/>
+                </a:solidFill>
+              </a:defRPr>
+            </a:lvl1pPr>
+            <a:lvl2pPr lvl="1">
+              <a:spcBef>
+                <a:spcPts val="0"/>
+              </a:spcBef>
+              <a:buClr>
+                <a:schemeClr val="dk2"/>
+              </a:buClr>
+              <a:buSzPct val="100000"/>
+              <a:defRPr sz="2600">
+                <a:solidFill>
+                  <a:schemeClr val="dk2"/>
+                </a:solidFill>
+              </a:defRPr>
+            </a:lvl2pPr>
+            <a:lvl3pPr lvl="2">
+              <a:spcBef>
+                <a:spcPts val="0"/>
+              </a:spcBef>
+              <a:buClr>
+                <a:schemeClr val="dk2"/>
+              </a:buClr>
+              <a:buSzPct val="100000"/>
+              <a:defRPr sz="2600">
+                <a:solidFill>
+                  <a:schemeClr val="dk2"/>
+                </a:solidFill>
+              </a:defRPr>
+            </a:lvl3pPr>
+            <a:lvl4pPr lvl="3">
+              <a:spcBef>
+                <a:spcPts val="0"/>
+              </a:spcBef>
+              <a:buClr>
+                <a:schemeClr val="dk2"/>
+              </a:buClr>
+              <a:buSzPct val="100000"/>
+              <a:defRPr sz="2600">
+                <a:solidFill>
+                  <a:schemeClr val="dk2"/>
+                </a:solidFill>
+              </a:defRPr>
+            </a:lvl4pPr>
+            <a:lvl5pPr lvl="4">
+              <a:spcBef>
+                <a:spcPts val="0"/>
+              </a:spcBef>
+              <a:buClr>
+                <a:schemeClr val="dk2"/>
+              </a:buClr>
+              <a:buSzPct val="100000"/>
+              <a:defRPr sz="2600">
+                <a:solidFill>
+                  <a:schemeClr val="dk2"/>
+                </a:solidFill>
+              </a:defRPr>
+            </a:lvl5pPr>
+            <a:lvl6pPr lvl="5">
+              <a:spcBef>
+                <a:spcPts val="0"/>
+              </a:spcBef>
+              <a:buClr>
+                <a:schemeClr val="dk2"/>
+              </a:buClr>
+              <a:buSzPct val="100000"/>
+              <a:defRPr sz="2600">
+                <a:solidFill>
+                  <a:schemeClr val="dk2"/>
+                </a:solidFill>
+              </a:defRPr>
+            </a:lvl6pPr>
+            <a:lvl7pPr lvl="6">
+              <a:spcBef>
+                <a:spcPts val="0"/>
+              </a:spcBef>
+              <a:buClr>
+                <a:schemeClr val="dk2"/>
+              </a:buClr>
+              <a:buSzPct val="100000"/>
+              <a:defRPr sz="2600">
+                <a:solidFill>
+                  <a:schemeClr val="dk2"/>
+                </a:solidFill>
+              </a:defRPr>
+            </a:lvl7pPr>
+            <a:lvl8pPr lvl="7">
+              <a:spcBef>
+                <a:spcPts val="0"/>
+              </a:spcBef>
+              <a:buClr>
+                <a:schemeClr val="dk2"/>
+              </a:buClr>
+              <a:buSzPct val="100000"/>
+              <a:defRPr sz="2600">
+                <a:solidFill>
+                  <a:schemeClr val="dk2"/>
+                </a:solidFill>
+              </a:defRPr>
+            </a:lvl8pPr>
+            <a:lvl9pPr lvl="8">
+              <a:spcBef>
+                <a:spcPts val="0"/>
+              </a:spcBef>
+              <a:buClr>
+                <a:schemeClr val="dk2"/>
+              </a:buClr>
+              <a:buSzPct val="100000"/>
+              <a:defRPr sz="2600">
+                <a:solidFill>
+                  <a:schemeClr val="dk2"/>
+                </a:solidFill>
+              </a:defRPr>
+            </a:lvl9pPr>
+          </a:lstStyle>
+          <a:p/>
+        </p:txBody>
+      </p:sp>
+      <p:sp>
+        <p:nvSpPr>
+          <p:cNvPr id="37" name="Shape 37"/>
+          <p:cNvSpPr txBox="1"/>
+          <p:nvPr>
+            <p:ph idx="1" type="body"/>
+          </p:nvPr>
+        </p:nvSpPr>
+        <p:spPr>
+          <a:xfrm>
+            <a:off x="729325" y="2078875"/>
+            <a:ext cx="3774300" cy="2261100"/>
           </a:xfrm>
           <a:prstGeom prst="rect">
             <a:avLst/>
@@ -2294,16 +3504,16 @@
       </p:sp>
       <p:sp>
         <p:nvSpPr>
-          <p:cNvPr id="22" name="Shape 22"/>
+          <p:cNvPr id="38" name="Shape 38"/>
           <p:cNvSpPr txBox="1"/>
           <p:nvPr>
-            <p:ph idx="1" type="body"/>
+            <p:ph idx="2" type="body"/>
           </p:nvPr>
         </p:nvSpPr>
         <p:spPr>
           <a:xfrm>
-            <a:off x="311700" y="1152475"/>
-            <a:ext cx="3999900" cy="3416400"/>
+            <a:off x="4643604" y="2078875"/>
+            <a:ext cx="3774300" cy="2261100"/>
           </a:xfrm>
           <a:prstGeom prst="rect">
             <a:avLst/>
@@ -2316,64 +3526,55 @@
               <a:spcBef>
                 <a:spcPts val="0"/>
               </a:spcBef>
-              <a:buSzPct val="100000"/>
-              <a:defRPr sz="1400"/>
+              <a:defRPr/>
             </a:lvl1pPr>
             <a:lvl2pPr lvl="1">
               <a:spcBef>
                 <a:spcPts val="0"/>
               </a:spcBef>
-              <a:buSzPct val="100000"/>
-              <a:defRPr sz="1200"/>
+              <a:defRPr/>
             </a:lvl2pPr>
             <a:lvl3pPr lvl="2">
               <a:spcBef>
                 <a:spcPts val="0"/>
               </a:spcBef>
-              <a:buSzPct val="100000"/>
-              <a:defRPr sz="1200"/>
+              <a:defRPr/>
             </a:lvl3pPr>
             <a:lvl4pPr lvl="3">
               <a:spcBef>
                 <a:spcPts val="0"/>
               </a:spcBef>
-              <a:buSzPct val="100000"/>
-              <a:defRPr sz="1200"/>
+              <a:defRPr/>
             </a:lvl4pPr>
             <a:lvl5pPr lvl="4">
               <a:spcBef>
                 <a:spcPts val="0"/>
               </a:spcBef>
-              <a:buSzPct val="100000"/>
-              <a:defRPr sz="1200"/>
+              <a:defRPr/>
             </a:lvl5pPr>
             <a:lvl6pPr lvl="5">
               <a:spcBef>
                 <a:spcPts val="0"/>
               </a:spcBef>
-              <a:buSzPct val="100000"/>
-              <a:defRPr sz="1200"/>
+              <a:defRPr/>
             </a:lvl6pPr>
             <a:lvl7pPr lvl="6">
               <a:spcBef>
                 <a:spcPts val="0"/>
               </a:spcBef>
-              <a:buSzPct val="100000"/>
-              <a:defRPr sz="1200"/>
+              <a:defRPr/>
             </a:lvl7pPr>
             <a:lvl8pPr lvl="7">
               <a:spcBef>
                 <a:spcPts val="0"/>
               </a:spcBef>
-              <a:buSzPct val="100000"/>
-              <a:defRPr sz="1200"/>
+              <a:defRPr/>
             </a:lvl8pPr>
             <a:lvl9pPr lvl="8">
               <a:spcBef>
                 <a:spcPts val="0"/>
               </a:spcBef>
-              <a:buSzPct val="100000"/>
-              <a:defRPr sz="1200"/>
+              <a:defRPr/>
             </a:lvl9pPr>
           </a:lstStyle>
           <a:p/>
@@ -2381,94 +3582,7 @@
       </p:sp>
       <p:sp>
         <p:nvSpPr>
-          <p:cNvPr id="23" name="Shape 23"/>
-          <p:cNvSpPr txBox="1"/>
-          <p:nvPr>
-            <p:ph idx="2" type="body"/>
-          </p:nvPr>
-        </p:nvSpPr>
-        <p:spPr>
-          <a:xfrm>
-            <a:off x="4832400" y="1152475"/>
-            <a:ext cx="3999900" cy="3416400"/>
-          </a:xfrm>
-          <a:prstGeom prst="rect">
-            <a:avLst/>
-          </a:prstGeom>
-        </p:spPr>
-        <p:txBody>
-          <a:bodyPr anchorCtr="0" anchor="t" bIns="91425" lIns="91425" rIns="91425" wrap="square" tIns="91425"/>
-          <a:lstStyle>
-            <a:lvl1pPr lvl="0">
-              <a:spcBef>
-                <a:spcPts val="0"/>
-              </a:spcBef>
-              <a:buSzPct val="100000"/>
-              <a:defRPr sz="1400"/>
-            </a:lvl1pPr>
-            <a:lvl2pPr lvl="1">
-              <a:spcBef>
-                <a:spcPts val="0"/>
-              </a:spcBef>
-              <a:buSzPct val="100000"/>
-              <a:defRPr sz="1200"/>
-            </a:lvl2pPr>
-            <a:lvl3pPr lvl="2">
-              <a:spcBef>
-                <a:spcPts val="0"/>
-              </a:spcBef>
-              <a:buSzPct val="100000"/>
-              <a:defRPr sz="1200"/>
-            </a:lvl3pPr>
-            <a:lvl4pPr lvl="3">
-              <a:spcBef>
-                <a:spcPts val="0"/>
-              </a:spcBef>
-              <a:buSzPct val="100000"/>
-              <a:defRPr sz="1200"/>
-            </a:lvl4pPr>
-            <a:lvl5pPr lvl="4">
-              <a:spcBef>
-                <a:spcPts val="0"/>
-              </a:spcBef>
-              <a:buSzPct val="100000"/>
-              <a:defRPr sz="1200"/>
-            </a:lvl5pPr>
-            <a:lvl6pPr lvl="5">
-              <a:spcBef>
-                <a:spcPts val="0"/>
-              </a:spcBef>
-              <a:buSzPct val="100000"/>
-              <a:defRPr sz="1200"/>
-            </a:lvl6pPr>
-            <a:lvl7pPr lvl="6">
-              <a:spcBef>
-                <a:spcPts val="0"/>
-              </a:spcBef>
-              <a:buSzPct val="100000"/>
-              <a:defRPr sz="1200"/>
-            </a:lvl7pPr>
-            <a:lvl8pPr lvl="7">
-              <a:spcBef>
-                <a:spcPts val="0"/>
-              </a:spcBef>
-              <a:buSzPct val="100000"/>
-              <a:defRPr sz="1200"/>
-            </a:lvl8pPr>
-            <a:lvl9pPr lvl="8">
-              <a:spcBef>
-                <a:spcPts val="0"/>
-              </a:spcBef>
-              <a:buSzPct val="100000"/>
-              <a:defRPr sz="1200"/>
-            </a:lvl9pPr>
-          </a:lstStyle>
-          <a:p/>
-        </p:txBody>
-      </p:sp>
-      <p:sp>
-        <p:nvSpPr>
-          <p:cNvPr id="24" name="Shape 24"/>
+          <p:cNvPr id="39" name="Shape 39"/>
           <p:cNvSpPr txBox="1"/>
           <p:nvPr>
             <p:ph idx="12" type="sldNum"/>
@@ -2476,7 +3590,7 @@
         </p:nvSpPr>
         <p:spPr>
           <a:xfrm>
-            <a:off x="8472458" y="4663217"/>
+            <a:off x="8536302" y="4749851"/>
             <a:ext cx="548700" cy="393600"/>
           </a:xfrm>
           <a:prstGeom prst="rect">
@@ -2515,7 +3629,7 @@
   <p:cSld name="Title only">
     <p:spTree>
       <p:nvGrpSpPr>
-        <p:cNvPr id="25" name="Shape 25"/>
+        <p:cNvPr id="40" name="Shape 40"/>
         <p:cNvGrpSpPr/>
         <p:nvPr/>
       </p:nvGrpSpPr>
@@ -2529,7 +3643,142 @@
       </p:grpSpPr>
       <p:sp>
         <p:nvSpPr>
-          <p:cNvPr id="26" name="Shape 26"/>
+          <p:cNvPr id="41" name="Shape 41"/>
+          <p:cNvSpPr/>
+          <p:nvPr/>
+        </p:nvSpPr>
+        <p:spPr>
+          <a:xfrm>
+            <a:off x="0" y="0"/>
+            <a:ext cx="9144000" cy="487800"/>
+          </a:xfrm>
+          <a:prstGeom prst="rect">
+            <a:avLst/>
+          </a:prstGeom>
+          <a:solidFill>
+            <a:schemeClr val="lt2"/>
+          </a:solidFill>
+          <a:ln>
+            <a:noFill/>
+          </a:ln>
+        </p:spPr>
+        <p:txBody>
+          <a:bodyPr anchorCtr="0" anchor="ctr" bIns="91425" lIns="91425" rIns="91425" wrap="square" tIns="91425">
+            <a:noAutofit/>
+          </a:bodyPr>
+          <a:lstStyle/>
+          <a:p>
+            <a:pPr lvl="0">
+              <a:spcBef>
+                <a:spcPts val="0"/>
+              </a:spcBef>
+              <a:buNone/>
+            </a:pPr>
+            <a:r>
+              <a:t/>
+            </a:r>
+            <a:endParaRPr/>
+          </a:p>
+        </p:txBody>
+      </p:sp>
+      <p:grpSp>
+        <p:nvGrpSpPr>
+          <p:cNvPr id="42" name="Shape 42"/>
+          <p:cNvGrpSpPr/>
+          <p:nvPr/>
+        </p:nvGrpSpPr>
+        <p:grpSpPr>
+          <a:xfrm>
+            <a:off x="830392" y="1191256"/>
+            <a:ext cx="745763" cy="45826"/>
+            <a:chOff x="4580561" y="2589004"/>
+            <a:chExt cx="1064464" cy="25200"/>
+          </a:xfrm>
+        </p:grpSpPr>
+        <p:sp>
+          <p:nvSpPr>
+            <p:cNvPr id="43" name="Shape 43"/>
+            <p:cNvSpPr/>
+            <p:nvPr/>
+          </p:nvSpPr>
+          <p:spPr>
+            <a:xfrm rot="-5400000">
+              <a:off x="5366325" y="2335504"/>
+              <a:ext cx="25200" cy="532200"/>
+            </a:xfrm>
+            <a:prstGeom prst="rect">
+              <a:avLst/>
+            </a:prstGeom>
+            <a:solidFill>
+              <a:schemeClr val="accent3"/>
+            </a:solidFill>
+            <a:ln>
+              <a:noFill/>
+            </a:ln>
+          </p:spPr>
+          <p:txBody>
+            <a:bodyPr anchorCtr="0" anchor="ctr" bIns="91425" lIns="91425" rIns="91425" wrap="square" tIns="91425">
+              <a:noAutofit/>
+            </a:bodyPr>
+            <a:lstStyle/>
+            <a:p>
+              <a:pPr lvl="0">
+                <a:spcBef>
+                  <a:spcPts val="0"/>
+                </a:spcBef>
+                <a:buNone/>
+              </a:pPr>
+              <a:r>
+                <a:t/>
+              </a:r>
+              <a:endParaRPr/>
+            </a:p>
+          </p:txBody>
+        </p:sp>
+        <p:sp>
+          <p:nvSpPr>
+            <p:cNvPr id="44" name="Shape 44"/>
+            <p:cNvSpPr/>
+            <p:nvPr/>
+          </p:nvSpPr>
+          <p:spPr>
+            <a:xfrm rot="-5400000">
+              <a:off x="4836311" y="2333254"/>
+              <a:ext cx="25200" cy="536700"/>
+            </a:xfrm>
+            <a:prstGeom prst="rect">
+              <a:avLst/>
+            </a:prstGeom>
+            <a:solidFill>
+              <a:schemeClr val="dk1"/>
+            </a:solidFill>
+            <a:ln>
+              <a:noFill/>
+            </a:ln>
+          </p:spPr>
+          <p:txBody>
+            <a:bodyPr anchorCtr="0" anchor="ctr" bIns="91425" lIns="91425" rIns="91425" wrap="square" tIns="91425">
+              <a:noAutofit/>
+            </a:bodyPr>
+            <a:lstStyle/>
+            <a:p>
+              <a:pPr lvl="0">
+                <a:spcBef>
+                  <a:spcPts val="0"/>
+                </a:spcBef>
+                <a:buNone/>
+              </a:pPr>
+              <a:r>
+                <a:t/>
+              </a:r>
+              <a:endParaRPr/>
+            </a:p>
+          </p:txBody>
+        </p:sp>
+      </p:grpSp>
+      <p:sp>
+        <p:nvSpPr>
+          <p:cNvPr id="45" name="Shape 45"/>
           <p:cNvSpPr txBox="1"/>
           <p:nvPr>
             <p:ph type="title"/>
@@ -2537,8 +3786,8 @@
         </p:nvSpPr>
         <p:spPr>
           <a:xfrm>
-            <a:off x="311700" y="445025"/>
-            <a:ext cx="8520600" cy="572700"/>
+            <a:off x="729450" y="1318650"/>
+            <a:ext cx="7688400" cy="535200"/>
           </a:xfrm>
           <a:prstGeom prst="rect">
             <a:avLst/>
@@ -2551,55 +3800,127 @@
               <a:spcBef>
                 <a:spcPts val="0"/>
               </a:spcBef>
-              <a:defRPr/>
+              <a:buClr>
+                <a:schemeClr val="dk2"/>
+              </a:buClr>
+              <a:buSzPct val="100000"/>
+              <a:defRPr sz="2600">
+                <a:solidFill>
+                  <a:schemeClr val="dk2"/>
+                </a:solidFill>
+              </a:defRPr>
             </a:lvl1pPr>
             <a:lvl2pPr lvl="1">
               <a:spcBef>
                 <a:spcPts val="0"/>
               </a:spcBef>
-              <a:defRPr/>
+              <a:buClr>
+                <a:schemeClr val="dk2"/>
+              </a:buClr>
+              <a:buSzPct val="100000"/>
+              <a:defRPr sz="2600">
+                <a:solidFill>
+                  <a:schemeClr val="dk2"/>
+                </a:solidFill>
+              </a:defRPr>
             </a:lvl2pPr>
             <a:lvl3pPr lvl="2">
               <a:spcBef>
                 <a:spcPts val="0"/>
               </a:spcBef>
-              <a:defRPr/>
+              <a:buClr>
+                <a:schemeClr val="dk2"/>
+              </a:buClr>
+              <a:buSzPct val="100000"/>
+              <a:defRPr sz="2600">
+                <a:solidFill>
+                  <a:schemeClr val="dk2"/>
+                </a:solidFill>
+              </a:defRPr>
             </a:lvl3pPr>
             <a:lvl4pPr lvl="3">
               <a:spcBef>
                 <a:spcPts val="0"/>
               </a:spcBef>
-              <a:defRPr/>
+              <a:buClr>
+                <a:schemeClr val="dk2"/>
+              </a:buClr>
+              <a:buSzPct val="100000"/>
+              <a:defRPr sz="2600">
+                <a:solidFill>
+                  <a:schemeClr val="dk2"/>
+                </a:solidFill>
+              </a:defRPr>
             </a:lvl4pPr>
             <a:lvl5pPr lvl="4">
               <a:spcBef>
                 <a:spcPts val="0"/>
               </a:spcBef>
-              <a:defRPr/>
+              <a:buClr>
+                <a:schemeClr val="dk2"/>
+              </a:buClr>
+              <a:buSzPct val="100000"/>
+              <a:defRPr sz="2600">
+                <a:solidFill>
+                  <a:schemeClr val="dk2"/>
+                </a:solidFill>
+              </a:defRPr>
             </a:lvl5pPr>
             <a:lvl6pPr lvl="5">
               <a:spcBef>
                 <a:spcPts val="0"/>
               </a:spcBef>
-              <a:defRPr/>
+              <a:buClr>
+                <a:schemeClr val="dk2"/>
+              </a:buClr>
+              <a:buSzPct val="100000"/>
+              <a:defRPr sz="2600">
+                <a:solidFill>
+                  <a:schemeClr val="dk2"/>
+                </a:solidFill>
+              </a:defRPr>
             </a:lvl6pPr>
             <a:lvl7pPr lvl="6">
               <a:spcBef>
                 <a:spcPts val="0"/>
               </a:spcBef>
-              <a:defRPr/>
+              <a:buClr>
+                <a:schemeClr val="dk2"/>
+              </a:buClr>
+              <a:buSzPct val="100000"/>
+              <a:defRPr sz="2600">
+                <a:solidFill>
+                  <a:schemeClr val="dk2"/>
+                </a:solidFill>
+              </a:defRPr>
             </a:lvl7pPr>
             <a:lvl8pPr lvl="7">
               <a:spcBef>
                 <a:spcPts val="0"/>
               </a:spcBef>
-              <a:defRPr/>
+              <a:buClr>
+                <a:schemeClr val="dk2"/>
+              </a:buClr>
+              <a:buSzPct val="100000"/>
+              <a:defRPr sz="2600">
+                <a:solidFill>
+                  <a:schemeClr val="dk2"/>
+                </a:solidFill>
+              </a:defRPr>
             </a:lvl8pPr>
             <a:lvl9pPr lvl="8">
               <a:spcBef>
                 <a:spcPts val="0"/>
               </a:spcBef>
-              <a:defRPr/>
+              <a:buClr>
+                <a:schemeClr val="dk2"/>
+              </a:buClr>
+              <a:buSzPct val="100000"/>
+              <a:defRPr sz="2600">
+                <a:solidFill>
+                  <a:schemeClr val="dk2"/>
+                </a:solidFill>
+              </a:defRPr>
             </a:lvl9pPr>
           </a:lstStyle>
           <a:p/>
@@ -2607,7 +3928,7 @@
       </p:sp>
       <p:sp>
         <p:nvSpPr>
-          <p:cNvPr id="27" name="Shape 27"/>
+          <p:cNvPr id="46" name="Shape 46"/>
           <p:cNvSpPr txBox="1"/>
           <p:nvPr>
             <p:ph idx="12" type="sldNum"/>
@@ -2615,7 +3936,7 @@
         </p:nvSpPr>
         <p:spPr>
           <a:xfrm>
-            <a:off x="8472458" y="4663217"/>
+            <a:off x="8536302" y="4749851"/>
             <a:ext cx="548700" cy="393600"/>
           </a:xfrm>
           <a:prstGeom prst="rect">
@@ -2654,7 +3975,7 @@
   <p:cSld name="One column text">
     <p:spTree>
       <p:nvGrpSpPr>
-        <p:cNvPr id="28" name="Shape 28"/>
+        <p:cNvPr id="47" name="Shape 47"/>
         <p:cNvGrpSpPr/>
         <p:nvPr/>
       </p:nvGrpSpPr>
@@ -2668,7 +3989,142 @@
       </p:grpSpPr>
       <p:sp>
         <p:nvSpPr>
-          <p:cNvPr id="29" name="Shape 29"/>
+          <p:cNvPr id="48" name="Shape 48"/>
+          <p:cNvSpPr/>
+          <p:nvPr/>
+        </p:nvSpPr>
+        <p:spPr>
+          <a:xfrm>
+            <a:off x="0" y="0"/>
+            <a:ext cx="9144000" cy="487800"/>
+          </a:xfrm>
+          <a:prstGeom prst="rect">
+            <a:avLst/>
+          </a:prstGeom>
+          <a:solidFill>
+            <a:schemeClr val="lt2"/>
+          </a:solidFill>
+          <a:ln>
+            <a:noFill/>
+          </a:ln>
+        </p:spPr>
+        <p:txBody>
+          <a:bodyPr anchorCtr="0" anchor="ctr" bIns="91425" lIns="91425" rIns="91425" wrap="square" tIns="91425">
+            <a:noAutofit/>
+          </a:bodyPr>
+          <a:lstStyle/>
+          <a:p>
+            <a:pPr lvl="0">
+              <a:spcBef>
+                <a:spcPts val="0"/>
+              </a:spcBef>
+              <a:buNone/>
+            </a:pPr>
+            <a:r>
+              <a:t/>
+            </a:r>
+            <a:endParaRPr/>
+          </a:p>
+        </p:txBody>
+      </p:sp>
+      <p:grpSp>
+        <p:nvGrpSpPr>
+          <p:cNvPr id="49" name="Shape 49"/>
+          <p:cNvGrpSpPr/>
+          <p:nvPr/>
+        </p:nvGrpSpPr>
+        <p:grpSpPr>
+          <a:xfrm>
+            <a:off x="830392" y="1191256"/>
+            <a:ext cx="745763" cy="45826"/>
+            <a:chOff x="4580561" y="2589004"/>
+            <a:chExt cx="1064464" cy="25200"/>
+          </a:xfrm>
+        </p:grpSpPr>
+        <p:sp>
+          <p:nvSpPr>
+            <p:cNvPr id="50" name="Shape 50"/>
+            <p:cNvSpPr/>
+            <p:nvPr/>
+          </p:nvSpPr>
+          <p:spPr>
+            <a:xfrm rot="-5400000">
+              <a:off x="5366325" y="2335504"/>
+              <a:ext cx="25200" cy="532200"/>
+            </a:xfrm>
+            <a:prstGeom prst="rect">
+              <a:avLst/>
+            </a:prstGeom>
+            <a:solidFill>
+              <a:schemeClr val="accent3"/>
+            </a:solidFill>
+            <a:ln>
+              <a:noFill/>
+            </a:ln>
+          </p:spPr>
+          <p:txBody>
+            <a:bodyPr anchorCtr="0" anchor="ctr" bIns="91425" lIns="91425" rIns="91425" wrap="square" tIns="91425">
+              <a:noAutofit/>
+            </a:bodyPr>
+            <a:lstStyle/>
+            <a:p>
+              <a:pPr lvl="0">
+                <a:spcBef>
+                  <a:spcPts val="0"/>
+                </a:spcBef>
+                <a:buNone/>
+              </a:pPr>
+              <a:r>
+                <a:t/>
+              </a:r>
+              <a:endParaRPr/>
+            </a:p>
+          </p:txBody>
+        </p:sp>
+        <p:sp>
+          <p:nvSpPr>
+            <p:cNvPr id="51" name="Shape 51"/>
+            <p:cNvSpPr/>
+            <p:nvPr/>
+          </p:nvSpPr>
+          <p:spPr>
+            <a:xfrm rot="-5400000">
+              <a:off x="4836311" y="2333254"/>
+              <a:ext cx="25200" cy="536700"/>
+            </a:xfrm>
+            <a:prstGeom prst="rect">
+              <a:avLst/>
+            </a:prstGeom>
+            <a:solidFill>
+              <a:schemeClr val="dk1"/>
+            </a:solidFill>
+            <a:ln>
+              <a:noFill/>
+            </a:ln>
+          </p:spPr>
+          <p:txBody>
+            <a:bodyPr anchorCtr="0" anchor="ctr" bIns="91425" lIns="91425" rIns="91425" wrap="square" tIns="91425">
+              <a:noAutofit/>
+            </a:bodyPr>
+            <a:lstStyle/>
+            <a:p>
+              <a:pPr lvl="0">
+                <a:spcBef>
+                  <a:spcPts val="0"/>
+                </a:spcBef>
+                <a:buNone/>
+              </a:pPr>
+              <a:r>
+                <a:t/>
+              </a:r>
+              <a:endParaRPr/>
+            </a:p>
+          </p:txBody>
+        </p:sp>
+      </p:grpSp>
+      <p:sp>
+        <p:nvSpPr>
+          <p:cNvPr id="52" name="Shape 52"/>
           <p:cNvSpPr txBox="1"/>
           <p:nvPr>
             <p:ph type="title"/>
@@ -2676,78 +4132,141 @@
         </p:nvSpPr>
         <p:spPr>
           <a:xfrm>
-            <a:off x="311700" y="555600"/>
-            <a:ext cx="2808000" cy="755700"/>
+            <a:off x="730000" y="1318650"/>
+            <a:ext cx="3300900" cy="1381500"/>
           </a:xfrm>
           <a:prstGeom prst="rect">
             <a:avLst/>
           </a:prstGeom>
         </p:spPr>
         <p:txBody>
-          <a:bodyPr anchorCtr="0" anchor="b" bIns="91425" lIns="91425" rIns="91425" wrap="square" tIns="91425"/>
+          <a:bodyPr anchorCtr="0" anchor="t" bIns="91425" lIns="91425" rIns="91425" wrap="square" tIns="91425"/>
           <a:lstStyle>
             <a:lvl1pPr lvl="0">
               <a:spcBef>
                 <a:spcPts val="0"/>
               </a:spcBef>
-              <a:buSzPct val="100000"/>
-              <a:defRPr sz="2400"/>
+              <a:buClr>
+                <a:schemeClr val="dk2"/>
+              </a:buClr>
+              <a:buSzPct val="100000"/>
+              <a:defRPr sz="2600">
+                <a:solidFill>
+                  <a:schemeClr val="dk2"/>
+                </a:solidFill>
+              </a:defRPr>
             </a:lvl1pPr>
             <a:lvl2pPr lvl="1">
               <a:spcBef>
                 <a:spcPts val="0"/>
               </a:spcBef>
-              <a:buSzPct val="100000"/>
-              <a:defRPr sz="2400"/>
+              <a:buClr>
+                <a:schemeClr val="dk2"/>
+              </a:buClr>
+              <a:buSzPct val="100000"/>
+              <a:defRPr sz="2600">
+                <a:solidFill>
+                  <a:schemeClr val="dk2"/>
+                </a:solidFill>
+              </a:defRPr>
             </a:lvl2pPr>
             <a:lvl3pPr lvl="2">
               <a:spcBef>
                 <a:spcPts val="0"/>
               </a:spcBef>
-              <a:buSzPct val="100000"/>
-              <a:defRPr sz="2400"/>
+              <a:buClr>
+                <a:schemeClr val="dk2"/>
+              </a:buClr>
+              <a:buSzPct val="100000"/>
+              <a:defRPr sz="2600">
+                <a:solidFill>
+                  <a:schemeClr val="dk2"/>
+                </a:solidFill>
+              </a:defRPr>
             </a:lvl3pPr>
             <a:lvl4pPr lvl="3">
               <a:spcBef>
                 <a:spcPts val="0"/>
               </a:spcBef>
-              <a:buSzPct val="100000"/>
-              <a:defRPr sz="2400"/>
+              <a:buClr>
+                <a:schemeClr val="dk2"/>
+              </a:buClr>
+              <a:buSzPct val="100000"/>
+              <a:defRPr sz="2600">
+                <a:solidFill>
+                  <a:schemeClr val="dk2"/>
+                </a:solidFill>
+              </a:defRPr>
             </a:lvl4pPr>
             <a:lvl5pPr lvl="4">
               <a:spcBef>
                 <a:spcPts val="0"/>
               </a:spcBef>
-              <a:buSzPct val="100000"/>
-              <a:defRPr sz="2400"/>
+              <a:buClr>
+                <a:schemeClr val="dk2"/>
+              </a:buClr>
+              <a:buSzPct val="100000"/>
+              <a:defRPr sz="2600">
+                <a:solidFill>
+                  <a:schemeClr val="dk2"/>
+                </a:solidFill>
+              </a:defRPr>
             </a:lvl5pPr>
             <a:lvl6pPr lvl="5">
               <a:spcBef>
                 <a:spcPts val="0"/>
               </a:spcBef>
-              <a:buSzPct val="100000"/>
-              <a:defRPr sz="2400"/>
+              <a:buClr>
+                <a:schemeClr val="dk2"/>
+              </a:buClr>
+              <a:buSzPct val="100000"/>
+              <a:defRPr sz="2600">
+                <a:solidFill>
+                  <a:schemeClr val="dk2"/>
+                </a:solidFill>
+              </a:defRPr>
             </a:lvl6pPr>
             <a:lvl7pPr lvl="6">
               <a:spcBef>
                 <a:spcPts val="0"/>
               </a:spcBef>
-              <a:buSzPct val="100000"/>
-              <a:defRPr sz="2400"/>
+              <a:buClr>
+                <a:schemeClr val="dk2"/>
+              </a:buClr>
+              <a:buSzPct val="100000"/>
+              <a:defRPr sz="2600">
+                <a:solidFill>
+                  <a:schemeClr val="dk2"/>
+                </a:solidFill>
+              </a:defRPr>
             </a:lvl7pPr>
             <a:lvl8pPr lvl="7">
               <a:spcBef>
                 <a:spcPts val="0"/>
               </a:spcBef>
-              <a:buSzPct val="100000"/>
-              <a:defRPr sz="2400"/>
+              <a:buClr>
+                <a:schemeClr val="dk2"/>
+              </a:buClr>
+              <a:buSzPct val="100000"/>
+              <a:defRPr sz="2600">
+                <a:solidFill>
+                  <a:schemeClr val="dk2"/>
+                </a:solidFill>
+              </a:defRPr>
             </a:lvl8pPr>
             <a:lvl9pPr lvl="8">
               <a:spcBef>
                 <a:spcPts val="0"/>
               </a:spcBef>
-              <a:buSzPct val="100000"/>
-              <a:defRPr sz="2400"/>
+              <a:buClr>
+                <a:schemeClr val="dk2"/>
+              </a:buClr>
+              <a:buSzPct val="100000"/>
+              <a:defRPr sz="2600">
+                <a:solidFill>
+                  <a:schemeClr val="dk2"/>
+                </a:solidFill>
+              </a:defRPr>
             </a:lvl9pPr>
           </a:lstStyle>
           <a:p/>
@@ -2755,7 +4274,7 @@
       </p:sp>
       <p:sp>
         <p:nvSpPr>
-          <p:cNvPr id="30" name="Shape 30"/>
+          <p:cNvPr id="53" name="Shape 53"/>
           <p:cNvSpPr txBox="1"/>
           <p:nvPr>
             <p:ph idx="1" type="body"/>
@@ -2763,8 +4282,8 @@
         </p:nvSpPr>
         <p:spPr>
           <a:xfrm>
-            <a:off x="311700" y="1389600"/>
-            <a:ext cx="2808000" cy="3179400"/>
+            <a:off x="721225" y="2781725"/>
+            <a:ext cx="3300900" cy="1597500"/>
           </a:xfrm>
           <a:prstGeom prst="rect">
             <a:avLst/>
@@ -2777,64 +4296,55 @@
               <a:spcBef>
                 <a:spcPts val="0"/>
               </a:spcBef>
-              <a:buSzPct val="100000"/>
-              <a:defRPr sz="1200"/>
+              <a:defRPr/>
             </a:lvl1pPr>
             <a:lvl2pPr lvl="1">
               <a:spcBef>
                 <a:spcPts val="0"/>
               </a:spcBef>
-              <a:buSzPct val="100000"/>
-              <a:defRPr sz="1200"/>
+              <a:defRPr/>
             </a:lvl2pPr>
             <a:lvl3pPr lvl="2">
               <a:spcBef>
                 <a:spcPts val="0"/>
               </a:spcBef>
-              <a:buSzPct val="100000"/>
-              <a:defRPr sz="1200"/>
+              <a:defRPr/>
             </a:lvl3pPr>
             <a:lvl4pPr lvl="3">
               <a:spcBef>
                 <a:spcPts val="0"/>
               </a:spcBef>
-              <a:buSzPct val="100000"/>
-              <a:defRPr sz="1200"/>
+              <a:defRPr/>
             </a:lvl4pPr>
             <a:lvl5pPr lvl="4">
               <a:spcBef>
                 <a:spcPts val="0"/>
               </a:spcBef>
-              <a:buSzPct val="100000"/>
-              <a:defRPr sz="1200"/>
+              <a:defRPr/>
             </a:lvl5pPr>
             <a:lvl6pPr lvl="5">
               <a:spcBef>
                 <a:spcPts val="0"/>
               </a:spcBef>
-              <a:buSzPct val="100000"/>
-              <a:defRPr sz="1200"/>
+              <a:defRPr/>
             </a:lvl6pPr>
             <a:lvl7pPr lvl="6">
               <a:spcBef>
                 <a:spcPts val="0"/>
               </a:spcBef>
-              <a:buSzPct val="100000"/>
-              <a:defRPr sz="1200"/>
+              <a:defRPr/>
             </a:lvl7pPr>
             <a:lvl8pPr lvl="7">
               <a:spcBef>
                 <a:spcPts val="0"/>
               </a:spcBef>
-              <a:buSzPct val="100000"/>
-              <a:defRPr sz="1200"/>
+              <a:defRPr/>
             </a:lvl8pPr>
             <a:lvl9pPr lvl="8">
               <a:spcBef>
                 <a:spcPts val="0"/>
               </a:spcBef>
-              <a:buSzPct val="100000"/>
-              <a:defRPr sz="1200"/>
+              <a:defRPr/>
             </a:lvl9pPr>
           </a:lstStyle>
           <a:p/>
@@ -2842,7 +4352,7 @@
       </p:sp>
       <p:sp>
         <p:nvSpPr>
-          <p:cNvPr id="31" name="Shape 31"/>
+          <p:cNvPr id="54" name="Shape 54"/>
           <p:cNvSpPr txBox="1"/>
           <p:nvPr>
             <p:ph idx="12" type="sldNum"/>
@@ -2850,7 +4360,7 @@
         </p:nvSpPr>
         <p:spPr>
           <a:xfrm>
-            <a:off x="8472458" y="4663217"/>
+            <a:off x="8536302" y="4749851"/>
             <a:ext cx="548700" cy="393600"/>
           </a:xfrm>
           <a:prstGeom prst="rect">
@@ -2887,9 +4397,16 @@
 <file path=ppt/slideLayouts/slideLayout7.xml><?xml version="1.0" encoding="utf-8"?>
 <p:sldLayout xmlns:a="http://schemas.openxmlformats.org/drawingml/2006/main" xmlns:r="http://schemas.openxmlformats.org/officeDocument/2006/relationships" xmlns:mc="http://schemas.openxmlformats.org/markup-compatibility/2006" xmlns:mv="urn:schemas-microsoft-com:mac:vml" xmlns:p="http://schemas.openxmlformats.org/presentationml/2006/main" xmlns:c="http://schemas.openxmlformats.org/drawingml/2006/chart" xmlns:dgm="http://schemas.openxmlformats.org/drawingml/2006/diagram" xmlns:o="urn:schemas-microsoft-com:office:office" xmlns:v="urn:schemas-microsoft-com:vml" xmlns:pvml="urn:schemas-microsoft-com:office:powerpoint" xmlns:com="http://schemas.openxmlformats.org/drawingml/2006/compatibility" xmlns:p14="http://schemas.microsoft.com/office/powerpoint/2010/main" xmlns:p15="http://schemas.microsoft.com/office/powerpoint/2012/main">
   <p:cSld name="Main point">
+    <p:bg>
+      <p:bgPr>
+        <a:solidFill>
+          <a:schemeClr val="accent3"/>
+        </a:solidFill>
+      </p:bgPr>
+    </p:bg>
     <p:spTree>
       <p:nvGrpSpPr>
-        <p:cNvPr id="32" name="Shape 32"/>
+        <p:cNvPr id="55" name="Shape 55"/>
         <p:cNvGrpSpPr/>
         <p:nvPr/>
       </p:nvGrpSpPr>
@@ -2901,9 +4418,104 @@
           <a:chExt cx="0" cy="0"/>
         </a:xfrm>
       </p:grpSpPr>
-      <p:sp>
-        <p:nvSpPr>
-          <p:cNvPr id="33" name="Shape 33"/>
+      <p:grpSp>
+        <p:nvGrpSpPr>
+          <p:cNvPr id="56" name="Shape 56"/>
+          <p:cNvGrpSpPr/>
+          <p:nvPr/>
+        </p:nvGrpSpPr>
+        <p:grpSpPr>
+          <a:xfrm>
+            <a:off x="830392" y="4169130"/>
+            <a:ext cx="745763" cy="45826"/>
+            <a:chOff x="4580561" y="2589004"/>
+            <a:chExt cx="1064464" cy="25200"/>
+          </a:xfrm>
+        </p:grpSpPr>
+        <p:sp>
+          <p:nvSpPr>
+            <p:cNvPr id="57" name="Shape 57"/>
+            <p:cNvSpPr/>
+            <p:nvPr/>
+          </p:nvSpPr>
+          <p:spPr>
+            <a:xfrm rot="-5400000">
+              <a:off x="5366325" y="2335504"/>
+              <a:ext cx="25200" cy="532200"/>
+            </a:xfrm>
+            <a:prstGeom prst="rect">
+              <a:avLst/>
+            </a:prstGeom>
+            <a:solidFill>
+              <a:schemeClr val="lt1"/>
+            </a:solidFill>
+            <a:ln>
+              <a:noFill/>
+            </a:ln>
+          </p:spPr>
+          <p:txBody>
+            <a:bodyPr anchorCtr="0" anchor="ctr" bIns="91425" lIns="91425" rIns="91425" wrap="square" tIns="91425">
+              <a:noAutofit/>
+            </a:bodyPr>
+            <a:lstStyle/>
+            <a:p>
+              <a:pPr lvl="0">
+                <a:spcBef>
+                  <a:spcPts val="0"/>
+                </a:spcBef>
+                <a:buNone/>
+              </a:pPr>
+              <a:r>
+                <a:t/>
+              </a:r>
+              <a:endParaRPr/>
+            </a:p>
+          </p:txBody>
+        </p:sp>
+        <p:sp>
+          <p:nvSpPr>
+            <p:cNvPr id="58" name="Shape 58"/>
+            <p:cNvSpPr/>
+            <p:nvPr/>
+          </p:nvSpPr>
+          <p:spPr>
+            <a:xfrm rot="-5400000">
+              <a:off x="4836311" y="2333254"/>
+              <a:ext cx="25200" cy="536700"/>
+            </a:xfrm>
+            <a:prstGeom prst="rect">
+              <a:avLst/>
+            </a:prstGeom>
+            <a:solidFill>
+              <a:schemeClr val="lt1"/>
+            </a:solidFill>
+            <a:ln>
+              <a:noFill/>
+            </a:ln>
+          </p:spPr>
+          <p:txBody>
+            <a:bodyPr anchorCtr="0" anchor="ctr" bIns="91425" lIns="91425" rIns="91425" wrap="square" tIns="91425">
+              <a:noAutofit/>
+            </a:bodyPr>
+            <a:lstStyle/>
+            <a:p>
+              <a:pPr lvl="0">
+                <a:spcBef>
+                  <a:spcPts val="0"/>
+                </a:spcBef>
+                <a:buNone/>
+              </a:pPr>
+              <a:r>
+                <a:t/>
+              </a:r>
+              <a:endParaRPr/>
+            </a:p>
+          </p:txBody>
+        </p:sp>
+      </p:grpSp>
+      <p:sp>
+        <p:nvSpPr>
+          <p:cNvPr id="59" name="Shape 59"/>
           <p:cNvSpPr txBox="1"/>
           <p:nvPr>
             <p:ph type="title"/>
@@ -2911,8 +4523,8 @@
         </p:nvSpPr>
         <p:spPr>
           <a:xfrm>
-            <a:off x="490250" y="450150"/>
-            <a:ext cx="6367800" cy="4090800"/>
+            <a:off x="729450" y="864300"/>
+            <a:ext cx="7021200" cy="2985000"/>
           </a:xfrm>
           <a:prstGeom prst="rect">
             <a:avLst/>
@@ -2925,64 +4537,127 @@
               <a:spcBef>
                 <a:spcPts val="0"/>
               </a:spcBef>
-              <a:buSzPct val="100000"/>
-              <a:defRPr sz="4800"/>
+              <a:buClr>
+                <a:schemeClr val="lt1"/>
+              </a:buClr>
+              <a:buSzPct val="100000"/>
+              <a:defRPr sz="3600">
+                <a:solidFill>
+                  <a:schemeClr val="lt1"/>
+                </a:solidFill>
+              </a:defRPr>
             </a:lvl1pPr>
             <a:lvl2pPr lvl="1">
               <a:spcBef>
                 <a:spcPts val="0"/>
               </a:spcBef>
-              <a:buSzPct val="100000"/>
-              <a:defRPr sz="4800"/>
+              <a:buClr>
+                <a:schemeClr val="lt1"/>
+              </a:buClr>
+              <a:buSzPct val="100000"/>
+              <a:defRPr sz="3600">
+                <a:solidFill>
+                  <a:schemeClr val="lt1"/>
+                </a:solidFill>
+              </a:defRPr>
             </a:lvl2pPr>
             <a:lvl3pPr lvl="2">
               <a:spcBef>
                 <a:spcPts val="0"/>
               </a:spcBef>
-              <a:buSzPct val="100000"/>
-              <a:defRPr sz="4800"/>
+              <a:buClr>
+                <a:schemeClr val="lt1"/>
+              </a:buClr>
+              <a:buSzPct val="100000"/>
+              <a:defRPr sz="3600">
+                <a:solidFill>
+                  <a:schemeClr val="lt1"/>
+                </a:solidFill>
+              </a:defRPr>
             </a:lvl3pPr>
             <a:lvl4pPr lvl="3">
               <a:spcBef>
                 <a:spcPts val="0"/>
               </a:spcBef>
-              <a:buSzPct val="100000"/>
-              <a:defRPr sz="4800"/>
+              <a:buClr>
+                <a:schemeClr val="lt1"/>
+              </a:buClr>
+              <a:buSzPct val="100000"/>
+              <a:defRPr sz="3600">
+                <a:solidFill>
+                  <a:schemeClr val="lt1"/>
+                </a:solidFill>
+              </a:defRPr>
             </a:lvl4pPr>
             <a:lvl5pPr lvl="4">
               <a:spcBef>
                 <a:spcPts val="0"/>
               </a:spcBef>
-              <a:buSzPct val="100000"/>
-              <a:defRPr sz="4800"/>
+              <a:buClr>
+                <a:schemeClr val="lt1"/>
+              </a:buClr>
+              <a:buSzPct val="100000"/>
+              <a:defRPr sz="3600">
+                <a:solidFill>
+                  <a:schemeClr val="lt1"/>
+                </a:solidFill>
+              </a:defRPr>
             </a:lvl5pPr>
             <a:lvl6pPr lvl="5">
               <a:spcBef>
                 <a:spcPts val="0"/>
               </a:spcBef>
-              <a:buSzPct val="100000"/>
-              <a:defRPr sz="4800"/>
+              <a:buClr>
+                <a:schemeClr val="lt1"/>
+              </a:buClr>
+              <a:buSzPct val="100000"/>
+              <a:defRPr sz="3600">
+                <a:solidFill>
+                  <a:schemeClr val="lt1"/>
+                </a:solidFill>
+              </a:defRPr>
             </a:lvl6pPr>
             <a:lvl7pPr lvl="6">
               <a:spcBef>
                 <a:spcPts val="0"/>
               </a:spcBef>
-              <a:buSzPct val="100000"/>
-              <a:defRPr sz="4800"/>
+              <a:buClr>
+                <a:schemeClr val="lt1"/>
+              </a:buClr>
+              <a:buSzPct val="100000"/>
+              <a:defRPr sz="3600">
+                <a:solidFill>
+                  <a:schemeClr val="lt1"/>
+                </a:solidFill>
+              </a:defRPr>
             </a:lvl7pPr>
             <a:lvl8pPr lvl="7">
               <a:spcBef>
                 <a:spcPts val="0"/>
               </a:spcBef>
-              <a:buSzPct val="100000"/>
-              <a:defRPr sz="4800"/>
+              <a:buClr>
+                <a:schemeClr val="lt1"/>
+              </a:buClr>
+              <a:buSzPct val="100000"/>
+              <a:defRPr sz="3600">
+                <a:solidFill>
+                  <a:schemeClr val="lt1"/>
+                </a:solidFill>
+              </a:defRPr>
             </a:lvl8pPr>
             <a:lvl9pPr lvl="8">
               <a:spcBef>
                 <a:spcPts val="0"/>
               </a:spcBef>
-              <a:buSzPct val="100000"/>
-              <a:defRPr sz="4800"/>
+              <a:buClr>
+                <a:schemeClr val="lt1"/>
+              </a:buClr>
+              <a:buSzPct val="100000"/>
+              <a:defRPr sz="3600">
+                <a:solidFill>
+                  <a:schemeClr val="lt1"/>
+                </a:solidFill>
+              </a:defRPr>
             </a:lvl9pPr>
           </a:lstStyle>
           <a:p/>
@@ -2990,7 +4665,7 @@
       </p:sp>
       <p:sp>
         <p:nvSpPr>
-          <p:cNvPr id="34" name="Shape 34"/>
+          <p:cNvPr id="60" name="Shape 60"/>
           <p:cNvSpPr txBox="1"/>
           <p:nvPr>
             <p:ph idx="12" type="sldNum"/>
@@ -2998,7 +4673,7 @@
         </p:nvSpPr>
         <p:spPr>
           <a:xfrm>
-            <a:off x="8472458" y="4663217"/>
+            <a:off x="8536302" y="4749851"/>
             <a:ext cx="548700" cy="393600"/>
           </a:xfrm>
           <a:prstGeom prst="rect">
@@ -3018,7 +4693,11 @@
               <a:buNone/>
             </a:pPr>
             <a:fld id="{00000000-1234-1234-1234-123412341234}" type="slidenum">
-              <a:rPr lang="en"/>
+              <a:rPr lang="en">
+                <a:solidFill>
+                  <a:schemeClr val="lt1"/>
+                </a:solidFill>
+              </a:rPr>
               <a:t>‹#›</a:t>
             </a:fld>
           </a:p>
@@ -3037,7 +4716,7 @@
   <p:cSld name="Section title and description">
     <p:spTree>
       <p:nvGrpSpPr>
-        <p:cNvPr id="35" name="Shape 35"/>
+        <p:cNvPr id="61" name="Shape 61"/>
         <p:cNvGrpSpPr/>
         <p:nvPr/>
       </p:nvGrpSpPr>
@@ -3051,13 +4730,13 @@
       </p:grpSpPr>
       <p:sp>
         <p:nvSpPr>
-          <p:cNvPr id="36" name="Shape 36"/>
+          <p:cNvPr id="62" name="Shape 62"/>
           <p:cNvSpPr/>
           <p:nvPr/>
         </p:nvSpPr>
         <p:spPr>
           <a:xfrm>
-            <a:off x="4572000" y="-125"/>
+            <a:off x="0" y="0"/>
             <a:ext cx="4572000" cy="5143500"/>
           </a:xfrm>
           <a:prstGeom prst="rect">
@@ -3089,9 +4768,104 @@
           </a:p>
         </p:txBody>
       </p:sp>
-      <p:sp>
-        <p:nvSpPr>
-          <p:cNvPr id="37" name="Shape 37"/>
+      <p:grpSp>
+        <p:nvGrpSpPr>
+          <p:cNvPr id="63" name="Shape 63"/>
+          <p:cNvGrpSpPr/>
+          <p:nvPr/>
+        </p:nvGrpSpPr>
+        <p:grpSpPr>
+          <a:xfrm>
+            <a:off x="830392" y="1191256"/>
+            <a:ext cx="745763" cy="45826"/>
+            <a:chOff x="4580561" y="2589004"/>
+            <a:chExt cx="1064464" cy="25200"/>
+          </a:xfrm>
+        </p:grpSpPr>
+        <p:sp>
+          <p:nvSpPr>
+            <p:cNvPr id="64" name="Shape 64"/>
+            <p:cNvSpPr/>
+            <p:nvPr/>
+          </p:nvSpPr>
+          <p:spPr>
+            <a:xfrm rot="-5400000">
+              <a:off x="5366325" y="2335504"/>
+              <a:ext cx="25200" cy="532200"/>
+            </a:xfrm>
+            <a:prstGeom prst="rect">
+              <a:avLst/>
+            </a:prstGeom>
+            <a:solidFill>
+              <a:schemeClr val="accent3"/>
+            </a:solidFill>
+            <a:ln>
+              <a:noFill/>
+            </a:ln>
+          </p:spPr>
+          <p:txBody>
+            <a:bodyPr anchorCtr="0" anchor="ctr" bIns="91425" lIns="91425" rIns="91425" wrap="square" tIns="91425">
+              <a:noAutofit/>
+            </a:bodyPr>
+            <a:lstStyle/>
+            <a:p>
+              <a:pPr lvl="0">
+                <a:spcBef>
+                  <a:spcPts val="0"/>
+                </a:spcBef>
+                <a:buNone/>
+              </a:pPr>
+              <a:r>
+                <a:t/>
+              </a:r>
+              <a:endParaRPr/>
+            </a:p>
+          </p:txBody>
+        </p:sp>
+        <p:sp>
+          <p:nvSpPr>
+            <p:cNvPr id="65" name="Shape 65"/>
+            <p:cNvSpPr/>
+            <p:nvPr/>
+          </p:nvSpPr>
+          <p:spPr>
+            <a:xfrm rot="-5400000">
+              <a:off x="4836311" y="2333254"/>
+              <a:ext cx="25200" cy="536700"/>
+            </a:xfrm>
+            <a:prstGeom prst="rect">
+              <a:avLst/>
+            </a:prstGeom>
+            <a:solidFill>
+              <a:schemeClr val="dk1"/>
+            </a:solidFill>
+            <a:ln>
+              <a:noFill/>
+            </a:ln>
+          </p:spPr>
+          <p:txBody>
+            <a:bodyPr anchorCtr="0" anchor="ctr" bIns="91425" lIns="91425" rIns="91425" wrap="square" tIns="91425">
+              <a:noAutofit/>
+            </a:bodyPr>
+            <a:lstStyle/>
+            <a:p>
+              <a:pPr lvl="0">
+                <a:spcBef>
+                  <a:spcPts val="0"/>
+                </a:spcBef>
+                <a:buNone/>
+              </a:pPr>
+              <a:r>
+                <a:t/>
+              </a:r>
+              <a:endParaRPr/>
+            </a:p>
+          </p:txBody>
+        </p:sp>
+      </p:grpSp>
+      <p:sp>
+        <p:nvSpPr>
+          <p:cNvPr id="66" name="Shape 66"/>
           <p:cNvSpPr txBox="1"/>
           <p:nvPr>
             <p:ph type="title"/>
@@ -3099,78 +4873,141 @@
         </p:nvSpPr>
         <p:spPr>
           <a:xfrm>
-            <a:off x="265500" y="1233175"/>
-            <a:ext cx="4045200" cy="1482300"/>
+            <a:off x="730000" y="1318650"/>
+            <a:ext cx="3300900" cy="1687200"/>
           </a:xfrm>
           <a:prstGeom prst="rect">
             <a:avLst/>
           </a:prstGeom>
         </p:spPr>
         <p:txBody>
-          <a:bodyPr anchorCtr="0" anchor="b" bIns="91425" lIns="91425" rIns="91425" wrap="square" tIns="91425"/>
+          <a:bodyPr anchorCtr="0" anchor="t" bIns="91425" lIns="91425" rIns="91425" wrap="square" tIns="91425"/>
           <a:lstStyle>
-            <a:lvl1pPr lvl="0" algn="ctr">
-              <a:spcBef>
-                <a:spcPts val="0"/>
-              </a:spcBef>
-              <a:buSzPct val="100000"/>
-              <a:defRPr sz="4200"/>
+            <a:lvl1pPr lvl="0">
+              <a:spcBef>
+                <a:spcPts val="0"/>
+              </a:spcBef>
+              <a:buClr>
+                <a:schemeClr val="dk2"/>
+              </a:buClr>
+              <a:buSzPct val="100000"/>
+              <a:defRPr sz="2600">
+                <a:solidFill>
+                  <a:schemeClr val="dk2"/>
+                </a:solidFill>
+              </a:defRPr>
             </a:lvl1pPr>
-            <a:lvl2pPr lvl="1" algn="ctr">
-              <a:spcBef>
-                <a:spcPts val="0"/>
-              </a:spcBef>
-              <a:buSzPct val="100000"/>
-              <a:defRPr sz="4200"/>
+            <a:lvl2pPr lvl="1">
+              <a:spcBef>
+                <a:spcPts val="0"/>
+              </a:spcBef>
+              <a:buClr>
+                <a:schemeClr val="dk2"/>
+              </a:buClr>
+              <a:buSzPct val="100000"/>
+              <a:defRPr sz="2600">
+                <a:solidFill>
+                  <a:schemeClr val="dk2"/>
+                </a:solidFill>
+              </a:defRPr>
             </a:lvl2pPr>
-            <a:lvl3pPr lvl="2" algn="ctr">
-              <a:spcBef>
-                <a:spcPts val="0"/>
-              </a:spcBef>
-              <a:buSzPct val="100000"/>
-              <a:defRPr sz="4200"/>
+            <a:lvl3pPr lvl="2">
+              <a:spcBef>
+                <a:spcPts val="0"/>
+              </a:spcBef>
+              <a:buClr>
+                <a:schemeClr val="dk2"/>
+              </a:buClr>
+              <a:buSzPct val="100000"/>
+              <a:defRPr sz="2600">
+                <a:solidFill>
+                  <a:schemeClr val="dk2"/>
+                </a:solidFill>
+              </a:defRPr>
             </a:lvl3pPr>
-            <a:lvl4pPr lvl="3" algn="ctr">
-              <a:spcBef>
-                <a:spcPts val="0"/>
-              </a:spcBef>
-              <a:buSzPct val="100000"/>
-              <a:defRPr sz="4200"/>
+            <a:lvl4pPr lvl="3">
+              <a:spcBef>
+                <a:spcPts val="0"/>
+              </a:spcBef>
+              <a:buClr>
+                <a:schemeClr val="dk2"/>
+              </a:buClr>
+              <a:buSzPct val="100000"/>
+              <a:defRPr sz="2600">
+                <a:solidFill>
+                  <a:schemeClr val="dk2"/>
+                </a:solidFill>
+              </a:defRPr>
             </a:lvl4pPr>
-            <a:lvl5pPr lvl="4" algn="ctr">
-              <a:spcBef>
-                <a:spcPts val="0"/>
-              </a:spcBef>
-              <a:buSzPct val="100000"/>
-              <a:defRPr sz="4200"/>
+            <a:lvl5pPr lvl="4">
+              <a:spcBef>
+                <a:spcPts val="0"/>
+              </a:spcBef>
+              <a:buClr>
+                <a:schemeClr val="dk2"/>
+              </a:buClr>
+              <a:buSzPct val="100000"/>
+              <a:defRPr sz="2600">
+                <a:solidFill>
+                  <a:schemeClr val="dk2"/>
+                </a:solidFill>
+              </a:defRPr>
             </a:lvl5pPr>
-            <a:lvl6pPr lvl="5" algn="ctr">
-              <a:spcBef>
-                <a:spcPts val="0"/>
-              </a:spcBef>
-              <a:buSzPct val="100000"/>
-              <a:defRPr sz="4200"/>
+            <a:lvl6pPr lvl="5">
+              <a:spcBef>
+                <a:spcPts val="0"/>
+              </a:spcBef>
+              <a:buClr>
+                <a:schemeClr val="dk2"/>
+              </a:buClr>
+              <a:buSzPct val="100000"/>
+              <a:defRPr sz="2600">
+                <a:solidFill>
+                  <a:schemeClr val="dk2"/>
+                </a:solidFill>
+              </a:defRPr>
             </a:lvl6pPr>
-            <a:lvl7pPr lvl="6" algn="ctr">
-              <a:spcBef>
-                <a:spcPts val="0"/>
-              </a:spcBef>
-              <a:buSzPct val="100000"/>
-              <a:defRPr sz="4200"/>
+            <a:lvl7pPr lvl="6">
+              <a:spcBef>
+                <a:spcPts val="0"/>
+              </a:spcBef>
+              <a:buClr>
+                <a:schemeClr val="dk2"/>
+              </a:buClr>
+              <a:buSzPct val="100000"/>
+              <a:defRPr sz="2600">
+                <a:solidFill>
+                  <a:schemeClr val="dk2"/>
+                </a:solidFill>
+              </a:defRPr>
             </a:lvl7pPr>
-            <a:lvl8pPr lvl="7" algn="ctr">
-              <a:spcBef>
-                <a:spcPts val="0"/>
-              </a:spcBef>
-              <a:buSzPct val="100000"/>
-              <a:defRPr sz="4200"/>
+            <a:lvl8pPr lvl="7">
+              <a:spcBef>
+                <a:spcPts val="0"/>
+              </a:spcBef>
+              <a:buClr>
+                <a:schemeClr val="dk2"/>
+              </a:buClr>
+              <a:buSzPct val="100000"/>
+              <a:defRPr sz="2600">
+                <a:solidFill>
+                  <a:schemeClr val="dk2"/>
+                </a:solidFill>
+              </a:defRPr>
             </a:lvl8pPr>
-            <a:lvl9pPr lvl="8" algn="ctr">
-              <a:spcBef>
-                <a:spcPts val="0"/>
-              </a:spcBef>
-              <a:buSzPct val="100000"/>
-              <a:defRPr sz="4200"/>
+            <a:lvl9pPr lvl="8">
+              <a:spcBef>
+                <a:spcPts val="0"/>
+              </a:spcBef>
+              <a:buClr>
+                <a:schemeClr val="dk2"/>
+              </a:buClr>
+              <a:buSzPct val="100000"/>
+              <a:defRPr sz="2600">
+                <a:solidFill>
+                  <a:schemeClr val="dk2"/>
+                </a:solidFill>
+              </a:defRPr>
             </a:lvl9pPr>
           </a:lstStyle>
           <a:p/>
@@ -3178,7 +5015,7 @@
       </p:sp>
       <p:sp>
         <p:nvSpPr>
-          <p:cNvPr id="38" name="Shape 38"/>
+          <p:cNvPr id="67" name="Shape 67"/>
           <p:cNvSpPr txBox="1"/>
           <p:nvPr>
             <p:ph idx="1" type="subTitle"/>
@@ -3186,8 +5023,8 @@
         </p:nvSpPr>
         <p:spPr>
           <a:xfrm>
-            <a:off x="265500" y="2803075"/>
-            <a:ext cx="4045200" cy="1235100"/>
+            <a:off x="724950" y="3161525"/>
+            <a:ext cx="3300900" cy="759000"/>
           </a:xfrm>
           <a:prstGeom prst="rect">
             <a:avLst/>
@@ -3196,7 +5033,7 @@
         <p:txBody>
           <a:bodyPr anchorCtr="0" anchor="t" bIns="91425" lIns="91425" rIns="91425" wrap="square" tIns="91425"/>
           <a:lstStyle>
-            <a:lvl1pPr lvl="0" algn="ctr">
+            <a:lvl1pPr lvl="0">
               <a:lnSpc>
                 <a:spcPct val="100000"/>
               </a:lnSpc>
@@ -3208,9 +5045,9 @@
               </a:spcAft>
               <a:buSzPct val="100000"/>
               <a:buNone/>
-              <a:defRPr sz="2100"/>
+              <a:defRPr sz="1600"/>
             </a:lvl1pPr>
-            <a:lvl2pPr lvl="1" algn="ctr">
+            <a:lvl2pPr lvl="1">
               <a:lnSpc>
                 <a:spcPct val="100000"/>
               </a:lnSpc>
@@ -3222,9 +5059,9 @@
               </a:spcAft>
               <a:buSzPct val="100000"/>
               <a:buNone/>
-              <a:defRPr sz="2100"/>
+              <a:defRPr sz="1600"/>
             </a:lvl2pPr>
-            <a:lvl3pPr lvl="2" algn="ctr">
+            <a:lvl3pPr lvl="2">
               <a:lnSpc>
                 <a:spcPct val="100000"/>
               </a:lnSpc>
@@ -3236,9 +5073,9 @@
               </a:spcAft>
               <a:buSzPct val="100000"/>
               <a:buNone/>
-              <a:defRPr sz="2100"/>
+              <a:defRPr sz="1600"/>
             </a:lvl3pPr>
-            <a:lvl4pPr lvl="3" algn="ctr">
+            <a:lvl4pPr lvl="3">
               <a:lnSpc>
                 <a:spcPct val="100000"/>
               </a:lnSpc>
@@ -3250,9 +5087,9 @@
               </a:spcAft>
               <a:buSzPct val="100000"/>
               <a:buNone/>
-              <a:defRPr sz="2100"/>
+              <a:defRPr sz="1600"/>
             </a:lvl4pPr>
-            <a:lvl5pPr lvl="4" algn="ctr">
+            <a:lvl5pPr lvl="4">
               <a:lnSpc>
                 <a:spcPct val="100000"/>
               </a:lnSpc>
@@ -3264,9 +5101,9 @@
               </a:spcAft>
               <a:buSzPct val="100000"/>
               <a:buNone/>
-              <a:defRPr sz="2100"/>
+              <a:defRPr sz="1600"/>
             </a:lvl5pPr>
-            <a:lvl6pPr lvl="5" algn="ctr">
+            <a:lvl6pPr lvl="5">
               <a:lnSpc>
                 <a:spcPct val="100000"/>
               </a:lnSpc>
@@ -3278,9 +5115,9 @@
               </a:spcAft>
               <a:buSzPct val="100000"/>
               <a:buNone/>
-              <a:defRPr sz="2100"/>
+              <a:defRPr sz="1600"/>
             </a:lvl6pPr>
-            <a:lvl7pPr lvl="6" algn="ctr">
+            <a:lvl7pPr lvl="6">
               <a:lnSpc>
                 <a:spcPct val="100000"/>
               </a:lnSpc>
@@ -3292,9 +5129,9 @@
               </a:spcAft>
               <a:buSzPct val="100000"/>
               <a:buNone/>
-              <a:defRPr sz="2100"/>
+              <a:defRPr sz="1600"/>
             </a:lvl7pPr>
-            <a:lvl8pPr lvl="7" algn="ctr">
+            <a:lvl8pPr lvl="7">
               <a:lnSpc>
                 <a:spcPct val="100000"/>
               </a:lnSpc>
@@ -3306,9 +5143,9 @@
               </a:spcAft>
               <a:buSzPct val="100000"/>
               <a:buNone/>
-              <a:defRPr sz="2100"/>
+              <a:defRPr sz="1600"/>
             </a:lvl8pPr>
-            <a:lvl9pPr lvl="8" algn="ctr">
+            <a:lvl9pPr lvl="8">
               <a:lnSpc>
                 <a:spcPct val="100000"/>
               </a:lnSpc>
@@ -3320,7 +5157,7 @@
               </a:spcAft>
               <a:buSzPct val="100000"/>
               <a:buNone/>
-              <a:defRPr sz="2100"/>
+              <a:defRPr sz="1600"/>
             </a:lvl9pPr>
           </a:lstStyle>
           <a:p/>
@@ -3328,7 +5165,7 @@
       </p:sp>
       <p:sp>
         <p:nvSpPr>
-          <p:cNvPr id="39" name="Shape 39"/>
+          <p:cNvPr id="68" name="Shape 68"/>
           <p:cNvSpPr txBox="1"/>
           <p:nvPr>
             <p:ph idx="2" type="body"/>
@@ -3336,15 +5173,15 @@
         </p:nvSpPr>
         <p:spPr>
           <a:xfrm>
-            <a:off x="4939500" y="724075"/>
-            <a:ext cx="3837000" cy="3695100"/>
+            <a:off x="5174225" y="1352625"/>
+            <a:ext cx="3374400" cy="3025500"/>
           </a:xfrm>
           <a:prstGeom prst="rect">
             <a:avLst/>
           </a:prstGeom>
         </p:spPr>
         <p:txBody>
-          <a:bodyPr anchorCtr="0" anchor="ctr" bIns="91425" lIns="91425" rIns="91425" wrap="square" tIns="91425"/>
+          <a:bodyPr anchorCtr="0" anchor="t" bIns="91425" lIns="91425" rIns="91425" wrap="square" tIns="91425"/>
           <a:lstStyle>
             <a:lvl1pPr lvl="0">
               <a:spcBef>
@@ -3406,7 +5243,7 @@
       </p:sp>
       <p:sp>
         <p:nvSpPr>
-          <p:cNvPr id="40" name="Shape 40"/>
+          <p:cNvPr id="69" name="Shape 69"/>
           <p:cNvSpPr txBox="1"/>
           <p:nvPr>
             <p:ph idx="12" type="sldNum"/>
@@ -3414,7 +5251,7 @@
         </p:nvSpPr>
         <p:spPr>
           <a:xfrm>
-            <a:off x="8472458" y="4663217"/>
+            <a:off x="8536302" y="4749851"/>
             <a:ext cx="548700" cy="393600"/>
           </a:xfrm>
           <a:prstGeom prst="rect">
@@ -3453,7 +5290,7 @@
   <p:cSld name="Caption">
     <p:spTree>
       <p:nvGrpSpPr>
-        <p:cNvPr id="41" name="Shape 41"/>
+        <p:cNvPr id="70" name="Shape 70"/>
         <p:cNvGrpSpPr/>
         <p:nvPr/>
       </p:nvGrpSpPr>
@@ -3467,7 +5304,7 @@
       </p:grpSpPr>
       <p:sp>
         <p:nvSpPr>
-          <p:cNvPr id="42" name="Shape 42"/>
+          <p:cNvPr id="71" name="Shape 71"/>
           <p:cNvSpPr txBox="1"/>
           <p:nvPr>
             <p:ph idx="1" type="body"/>
@@ -3475,8 +5312,8 @@
         </p:nvSpPr>
         <p:spPr>
           <a:xfrm>
-            <a:off x="311700" y="4230575"/>
-            <a:ext cx="5998800" cy="605100"/>
+            <a:off x="724950" y="4372551"/>
+            <a:ext cx="7697400" cy="460500"/>
           </a:xfrm>
           <a:prstGeom prst="rect">
             <a:avLst/>
@@ -3504,7 +5341,7 @@
       </p:sp>
       <p:sp>
         <p:nvSpPr>
-          <p:cNvPr id="43" name="Shape 43"/>
+          <p:cNvPr id="72" name="Shape 72"/>
           <p:cNvSpPr txBox="1"/>
           <p:nvPr>
             <p:ph idx="12" type="sldNum"/>
@@ -3512,7 +5349,7 @@
         </p:nvSpPr>
         <p:spPr>
           <a:xfrm>
-            <a:off x="8472458" y="4663217"/>
+            <a:off x="8536302" y="4749851"/>
             <a:ext cx="548700" cy="393600"/>
           </a:xfrm>
           <a:prstGeom prst="rect">
@@ -3548,7 +5385,7 @@
 
 <file path=ppt/slideMasters/slideMaster1.xml><?xml version="1.0" encoding="utf-8"?>
 <p:sldMaster xmlns:a="http://schemas.openxmlformats.org/drawingml/2006/main" xmlns:r="http://schemas.openxmlformats.org/officeDocument/2006/relationships" xmlns:mc="http://schemas.openxmlformats.org/markup-compatibility/2006" xmlns:mv="urn:schemas-microsoft-com:mac:vml" xmlns:p="http://schemas.openxmlformats.org/presentationml/2006/main" xmlns:c="http://schemas.openxmlformats.org/drawingml/2006/chart" xmlns:dgm="http://schemas.openxmlformats.org/drawingml/2006/diagram" xmlns:o="urn:schemas-microsoft-com:office:office" xmlns:v="urn:schemas-microsoft-com:vml" xmlns:pvml="urn:schemas-microsoft-com:office:powerpoint" xmlns:com="http://schemas.openxmlformats.org/drawingml/2006/compatibility" xmlns:p14="http://schemas.microsoft.com/office/powerpoint/2010/main" xmlns:p15="http://schemas.microsoft.com/office/powerpoint/2012/main">
-  <p:cSld name="simple-light-2">
+  <p:cSld name="streamline">
     <p:bg>
       <p:bgPr>
         <a:solidFill>
@@ -3598,135 +5435,126 @@
               <a:spcBef>
                 <a:spcPts val="0"/>
               </a:spcBef>
-              <a:buClr>
-                <a:schemeClr val="dk1"/>
-              </a:buClr>
-              <a:buSzPct val="100000"/>
-              <a:buNone/>
-              <a:defRPr sz="2800">
-                <a:solidFill>
-                  <a:schemeClr val="dk1"/>
-                </a:solidFill>
+              <a:buSzPct val="100000"/>
+              <a:buFont typeface="Raleway"/>
+              <a:buNone/>
+              <a:defRPr b="1" sz="2800">
+                <a:latin typeface="Raleway"/>
+                <a:ea typeface="Raleway"/>
+                <a:cs typeface="Raleway"/>
+                <a:sym typeface="Raleway"/>
               </a:defRPr>
             </a:lvl1pPr>
             <a:lvl2pPr lvl="1">
               <a:spcBef>
                 <a:spcPts val="0"/>
               </a:spcBef>
-              <a:buClr>
-                <a:schemeClr val="dk1"/>
-              </a:buClr>
-              <a:buSzPct val="100000"/>
-              <a:buNone/>
-              <a:defRPr sz="2800">
-                <a:solidFill>
-                  <a:schemeClr val="dk1"/>
-                </a:solidFill>
+              <a:buSzPct val="100000"/>
+              <a:buFont typeface="Raleway"/>
+              <a:buNone/>
+              <a:defRPr b="1" sz="2800">
+                <a:latin typeface="Raleway"/>
+                <a:ea typeface="Raleway"/>
+                <a:cs typeface="Raleway"/>
+                <a:sym typeface="Raleway"/>
               </a:defRPr>
             </a:lvl2pPr>
             <a:lvl3pPr lvl="2">
               <a:spcBef>
                 <a:spcPts val="0"/>
               </a:spcBef>
-              <a:buClr>
-                <a:schemeClr val="dk1"/>
-              </a:buClr>
-              <a:buSzPct val="100000"/>
-              <a:buNone/>
-              <a:defRPr sz="2800">
-                <a:solidFill>
-                  <a:schemeClr val="dk1"/>
-                </a:solidFill>
+              <a:buSzPct val="100000"/>
+              <a:buFont typeface="Raleway"/>
+              <a:buNone/>
+              <a:defRPr b="1" sz="2800">
+                <a:latin typeface="Raleway"/>
+                <a:ea typeface="Raleway"/>
+                <a:cs typeface="Raleway"/>
+                <a:sym typeface="Raleway"/>
               </a:defRPr>
             </a:lvl3pPr>
             <a:lvl4pPr lvl="3">
               <a:spcBef>
                 <a:spcPts val="0"/>
               </a:spcBef>
-              <a:buClr>
-                <a:schemeClr val="dk1"/>
-              </a:buClr>
-              <a:buSzPct val="100000"/>
-              <a:buNone/>
-              <a:defRPr sz="2800">
-                <a:solidFill>
-                  <a:schemeClr val="dk1"/>
-                </a:solidFill>
+              <a:buSzPct val="100000"/>
+              <a:buFont typeface="Raleway"/>
+              <a:buNone/>
+              <a:defRPr b="1" sz="2800">
+                <a:latin typeface="Raleway"/>
+                <a:ea typeface="Raleway"/>
+                <a:cs typeface="Raleway"/>
+                <a:sym typeface="Raleway"/>
               </a:defRPr>
             </a:lvl4pPr>
             <a:lvl5pPr lvl="4">
               <a:spcBef>
                 <a:spcPts val="0"/>
               </a:spcBef>
-              <a:buClr>
-                <a:schemeClr val="dk1"/>
-              </a:buClr>
-              <a:buSzPct val="100000"/>
-              <a:buNone/>
-              <a:defRPr sz="2800">
-                <a:solidFill>
-                  <a:schemeClr val="dk1"/>
-                </a:solidFill>
+              <a:buSzPct val="100000"/>
+              <a:buFont typeface="Raleway"/>
+              <a:buNone/>
+              <a:defRPr b="1" sz="2800">
+                <a:latin typeface="Raleway"/>
+                <a:ea typeface="Raleway"/>
+                <a:cs typeface="Raleway"/>
+                <a:sym typeface="Raleway"/>
               </a:defRPr>
             </a:lvl5pPr>
             <a:lvl6pPr lvl="5">
               <a:spcBef>
                 <a:spcPts val="0"/>
               </a:spcBef>
-              <a:buClr>
-                <a:schemeClr val="dk1"/>
-              </a:buClr>
-              <a:buSzPct val="100000"/>
-              <a:buNone/>
-              <a:defRPr sz="2800">
-                <a:solidFill>
-                  <a:schemeClr val="dk1"/>
-                </a:solidFill>
+              <a:buSzPct val="100000"/>
+              <a:buFont typeface="Raleway"/>
+              <a:buNone/>
+              <a:defRPr b="1" sz="2800">
+                <a:latin typeface="Raleway"/>
+                <a:ea typeface="Raleway"/>
+                <a:cs typeface="Raleway"/>
+                <a:sym typeface="Raleway"/>
               </a:defRPr>
             </a:lvl6pPr>
             <a:lvl7pPr lvl="6">
               <a:spcBef>
                 <a:spcPts val="0"/>
               </a:spcBef>
-              <a:buClr>
-                <a:schemeClr val="dk1"/>
-              </a:buClr>
-              <a:buSzPct val="100000"/>
-              <a:buNone/>
-              <a:defRPr sz="2800">
-                <a:solidFill>
-                  <a:schemeClr val="dk1"/>
-                </a:solidFill>
+              <a:buSzPct val="100000"/>
+              <a:buFont typeface="Raleway"/>
+              <a:buNone/>
+              <a:defRPr b="1" sz="2800">
+                <a:latin typeface="Raleway"/>
+                <a:ea typeface="Raleway"/>
+                <a:cs typeface="Raleway"/>
+                <a:sym typeface="Raleway"/>
               </a:defRPr>
             </a:lvl7pPr>
             <a:lvl8pPr lvl="7">
               <a:spcBef>
                 <a:spcPts val="0"/>
               </a:spcBef>
-              <a:buClr>
-                <a:schemeClr val="dk1"/>
-              </a:buClr>
-              <a:buSzPct val="100000"/>
-              <a:buNone/>
-              <a:defRPr sz="2800">
-                <a:solidFill>
-                  <a:schemeClr val="dk1"/>
-                </a:solidFill>
+              <a:buSzPct val="100000"/>
+              <a:buFont typeface="Raleway"/>
+              <a:buNone/>
+              <a:defRPr b="1" sz="2800">
+                <a:latin typeface="Raleway"/>
+                <a:ea typeface="Raleway"/>
+                <a:cs typeface="Raleway"/>
+                <a:sym typeface="Raleway"/>
               </a:defRPr>
             </a:lvl8pPr>
             <a:lvl9pPr lvl="8">
               <a:spcBef>
                 <a:spcPts val="0"/>
               </a:spcBef>
-              <a:buClr>
-                <a:schemeClr val="dk1"/>
-              </a:buClr>
-              <a:buSzPct val="100000"/>
-              <a:buNone/>
-              <a:defRPr sz="2800">
-                <a:solidFill>
-                  <a:schemeClr val="dk1"/>
-                </a:solidFill>
+              <a:buSzPct val="100000"/>
+              <a:buFont typeface="Raleway"/>
+              <a:buNone/>
+              <a:defRPr b="1" sz="2800">
+                <a:latin typeface="Raleway"/>
+                <a:ea typeface="Raleway"/>
+                <a:cs typeface="Raleway"/>
+                <a:sym typeface="Raleway"/>
               </a:defRPr>
             </a:lvl9pPr>
           </a:lstStyle>
@@ -3768,14 +5596,19 @@
                 <a:spcPts val="1600"/>
               </a:spcAft>
               <a:buClr>
-                <a:schemeClr val="dk2"/>
-              </a:buClr>
-              <a:buSzPct val="100000"/>
+                <a:schemeClr val="accent1"/>
+              </a:buClr>
+              <a:buSzPct val="100000"/>
+              <a:buFont typeface="Lato"/>
               <a:buChar char="●"/>
-              <a:defRPr sz="1800">
-                <a:solidFill>
-                  <a:schemeClr val="dk2"/>
-                </a:solidFill>
+              <a:defRPr sz="1300">
+                <a:solidFill>
+                  <a:schemeClr val="accent1"/>
+                </a:solidFill>
+                <a:latin typeface="Lato"/>
+                <a:ea typeface="Lato"/>
+                <a:cs typeface="Lato"/>
+                <a:sym typeface="Lato"/>
               </a:defRPr>
             </a:lvl1pPr>
             <a:lvl2pPr lvl="1">
@@ -3789,13 +5622,19 @@
                 <a:spcPts val="1600"/>
               </a:spcAft>
               <a:buClr>
-                <a:schemeClr val="dk2"/>
-              </a:buClr>
+                <a:schemeClr val="accent1"/>
+              </a:buClr>
+              <a:buSzPct val="100000"/>
+              <a:buFont typeface="Lato"/>
               <a:buChar char="○"/>
-              <a:defRPr>
-                <a:solidFill>
-                  <a:schemeClr val="dk2"/>
-                </a:solidFill>
+              <a:defRPr sz="1100">
+                <a:solidFill>
+                  <a:schemeClr val="accent1"/>
+                </a:solidFill>
+                <a:latin typeface="Lato"/>
+                <a:ea typeface="Lato"/>
+                <a:cs typeface="Lato"/>
+                <a:sym typeface="Lato"/>
               </a:defRPr>
             </a:lvl2pPr>
             <a:lvl3pPr lvl="2">
@@ -3809,13 +5648,19 @@
                 <a:spcPts val="1600"/>
               </a:spcAft>
               <a:buClr>
-                <a:schemeClr val="dk2"/>
-              </a:buClr>
+                <a:schemeClr val="accent1"/>
+              </a:buClr>
+              <a:buSzPct val="100000"/>
+              <a:buFont typeface="Lato"/>
               <a:buChar char="■"/>
-              <a:defRPr>
-                <a:solidFill>
-                  <a:schemeClr val="dk2"/>
-                </a:solidFill>
+              <a:defRPr sz="1100">
+                <a:solidFill>
+                  <a:schemeClr val="accent1"/>
+                </a:solidFill>
+                <a:latin typeface="Lato"/>
+                <a:ea typeface="Lato"/>
+                <a:cs typeface="Lato"/>
+                <a:sym typeface="Lato"/>
               </a:defRPr>
             </a:lvl3pPr>
             <a:lvl4pPr lvl="3">
@@ -3829,13 +5674,19 @@
                 <a:spcPts val="1600"/>
               </a:spcAft>
               <a:buClr>
-                <a:schemeClr val="dk2"/>
-              </a:buClr>
+                <a:schemeClr val="accent1"/>
+              </a:buClr>
+              <a:buSzPct val="100000"/>
+              <a:buFont typeface="Lato"/>
               <a:buChar char="●"/>
-              <a:defRPr>
-                <a:solidFill>
-                  <a:schemeClr val="dk2"/>
-                </a:solidFill>
+              <a:defRPr sz="1100">
+                <a:solidFill>
+                  <a:schemeClr val="accent1"/>
+                </a:solidFill>
+                <a:latin typeface="Lato"/>
+                <a:ea typeface="Lato"/>
+                <a:cs typeface="Lato"/>
+                <a:sym typeface="Lato"/>
               </a:defRPr>
             </a:lvl4pPr>
             <a:lvl5pPr lvl="4">
@@ -3849,13 +5700,19 @@
                 <a:spcPts val="1600"/>
               </a:spcAft>
               <a:buClr>
-                <a:schemeClr val="dk2"/>
-              </a:buClr>
+                <a:schemeClr val="accent1"/>
+              </a:buClr>
+              <a:buSzPct val="100000"/>
+              <a:buFont typeface="Lato"/>
               <a:buChar char="○"/>
-              <a:defRPr>
-                <a:solidFill>
-                  <a:schemeClr val="dk2"/>
-                </a:solidFill>
+              <a:defRPr sz="1100">
+                <a:solidFill>
+                  <a:schemeClr val="accent1"/>
+                </a:solidFill>
+                <a:latin typeface="Lato"/>
+                <a:ea typeface="Lato"/>
+                <a:cs typeface="Lato"/>
+                <a:sym typeface="Lato"/>
               </a:defRPr>
             </a:lvl5pPr>
             <a:lvl6pPr lvl="5">
@@ -3869,13 +5726,19 @@
                 <a:spcPts val="1600"/>
               </a:spcAft>
               <a:buClr>
-                <a:schemeClr val="dk2"/>
-              </a:buClr>
+                <a:schemeClr val="accent1"/>
+              </a:buClr>
+              <a:buSzPct val="100000"/>
+              <a:buFont typeface="Lato"/>
               <a:buChar char="■"/>
-              <a:defRPr>
-                <a:solidFill>
-                  <a:schemeClr val="dk2"/>
-                </a:solidFill>
+              <a:defRPr sz="1100">
+                <a:solidFill>
+                  <a:schemeClr val="accent1"/>
+                </a:solidFill>
+                <a:latin typeface="Lato"/>
+                <a:ea typeface="Lato"/>
+                <a:cs typeface="Lato"/>
+                <a:sym typeface="Lato"/>
               </a:defRPr>
             </a:lvl6pPr>
             <a:lvl7pPr lvl="6">
@@ -3889,13 +5752,19 @@
                 <a:spcPts val="1600"/>
               </a:spcAft>
               <a:buClr>
-                <a:schemeClr val="dk2"/>
-              </a:buClr>
+                <a:schemeClr val="accent1"/>
+              </a:buClr>
+              <a:buSzPct val="100000"/>
+              <a:buFont typeface="Lato"/>
               <a:buChar char="●"/>
-              <a:defRPr>
-                <a:solidFill>
-                  <a:schemeClr val="dk2"/>
-                </a:solidFill>
+              <a:defRPr sz="1100">
+                <a:solidFill>
+                  <a:schemeClr val="accent1"/>
+                </a:solidFill>
+                <a:latin typeface="Lato"/>
+                <a:ea typeface="Lato"/>
+                <a:cs typeface="Lato"/>
+                <a:sym typeface="Lato"/>
               </a:defRPr>
             </a:lvl7pPr>
             <a:lvl8pPr lvl="7">
@@ -3909,13 +5778,19 @@
                 <a:spcPts val="1600"/>
               </a:spcAft>
               <a:buClr>
-                <a:schemeClr val="dk2"/>
-              </a:buClr>
+                <a:schemeClr val="accent1"/>
+              </a:buClr>
+              <a:buSzPct val="100000"/>
+              <a:buFont typeface="Lato"/>
               <a:buChar char="○"/>
-              <a:defRPr>
-                <a:solidFill>
-                  <a:schemeClr val="dk2"/>
-                </a:solidFill>
+              <a:defRPr sz="1100">
+                <a:solidFill>
+                  <a:schemeClr val="accent1"/>
+                </a:solidFill>
+                <a:latin typeface="Lato"/>
+                <a:ea typeface="Lato"/>
+                <a:cs typeface="Lato"/>
+                <a:sym typeface="Lato"/>
               </a:defRPr>
             </a:lvl8pPr>
             <a:lvl9pPr lvl="8">
@@ -3929,13 +5804,19 @@
                 <a:spcPts val="1600"/>
               </a:spcAft>
               <a:buClr>
-                <a:schemeClr val="dk2"/>
-              </a:buClr>
+                <a:schemeClr val="accent1"/>
+              </a:buClr>
+              <a:buSzPct val="100000"/>
+              <a:buFont typeface="Lato"/>
               <a:buChar char="■"/>
-              <a:defRPr>
-                <a:solidFill>
-                  <a:schemeClr val="dk2"/>
-                </a:solidFill>
+              <a:defRPr sz="1100">
+                <a:solidFill>
+                  <a:schemeClr val="accent1"/>
+                </a:solidFill>
+                <a:latin typeface="Lato"/>
+                <a:ea typeface="Lato"/>
+                <a:cs typeface="Lato"/>
+                <a:sym typeface="Lato"/>
               </a:defRPr>
             </a:lvl9pPr>
           </a:lstStyle>
@@ -3952,7 +5833,7 @@
         </p:nvSpPr>
         <p:spPr>
           <a:xfrm>
-            <a:off x="8472458" y="4663217"/>
+            <a:off x="8536302" y="4749851"/>
             <a:ext cx="548700" cy="393600"/>
           </a:xfrm>
           <a:prstGeom prst="rect">
@@ -3978,8 +5859,12 @@
             <a:fld id="{00000000-1234-1234-1234-123412341234}" type="slidenum">
               <a:rPr lang="en" sz="1000">
                 <a:solidFill>
-                  <a:schemeClr val="dk2"/>
-                </a:solidFill>
+                  <a:schemeClr val="accent1"/>
+                </a:solidFill>
+                <a:latin typeface="Lato"/>
+                <a:ea typeface="Lato"/>
+                <a:cs typeface="Lato"/>
+                <a:sym typeface="Lato"/>
               </a:rPr>
               <a:t>‹#›</a:t>
             </a:fld>
@@ -4002,7 +5887,7 @@
     <p:sldLayoutId id="2147483657" r:id="rId10"/>
     <p:sldLayoutId id="2147483658" r:id="rId11"/>
   </p:sldLayoutIdLst>
-  <p:hf dt="0" ftr="0" hdr="0" sldNum="0"/>
+  <p:hf dt="0" ftr="0" hdr="0"/>
   <p:txStyles>
     <p:titleStyle>
       <a:defPPr lvl="0" marR="0" rtl="0" algn="l">
@@ -4451,7 +6336,7 @@
   <p:cSld>
     <p:spTree>
       <p:nvGrpSpPr>
-        <p:cNvPr id="53" name="Shape 53"/>
+        <p:cNvPr id="85" name="Shape 85"/>
         <p:cNvGrpSpPr/>
         <p:nvPr/>
       </p:nvGrpSpPr>
@@ -4465,7 +6350,7 @@
       </p:grpSpPr>
       <p:sp>
         <p:nvSpPr>
-          <p:cNvPr id="54" name="Shape 54"/>
+          <p:cNvPr id="86" name="Shape 86"/>
           <p:cNvSpPr txBox="1"/>
           <p:nvPr>
             <p:ph type="ctrTitle"/>
@@ -4473,15 +6358,15 @@
         </p:nvSpPr>
         <p:spPr>
           <a:xfrm>
-            <a:off x="311708" y="744575"/>
-            <a:ext cx="8520600" cy="2052600"/>
+            <a:off x="729450" y="1322450"/>
+            <a:ext cx="7688100" cy="1664700"/>
           </a:xfrm>
           <a:prstGeom prst="rect">
             <a:avLst/>
           </a:prstGeom>
         </p:spPr>
         <p:txBody>
-          <a:bodyPr anchorCtr="0" anchor="b" bIns="91425" lIns="91425" rIns="91425" wrap="square" tIns="91425">
+          <a:bodyPr anchorCtr="0" anchor="t" bIns="91425" lIns="91425" rIns="91425" wrap="square" tIns="91425">
             <a:noAutofit/>
           </a:bodyPr>
           <a:lstStyle/>
@@ -4549,11 +6434,35 @@
               <a:t> (MSR’14)</a:t>
             </a:r>
           </a:p>
+          <a:p>
+            <a:pPr lvl="0">
+              <a:spcBef>
+                <a:spcPts val="0"/>
+              </a:spcBef>
+              <a:buNone/>
+            </a:pPr>
+            <a:r>
+              <a:t/>
+            </a:r>
+            <a:endParaRPr sz="1400"/>
+          </a:p>
+          <a:p>
+            <a:pPr lvl="0">
+              <a:spcBef>
+                <a:spcPts val="0"/>
+              </a:spcBef>
+              <a:buNone/>
+            </a:pPr>
+            <a:r>
+              <a:rPr lang="en" sz="1400"/>
+              <a:t>https://github.com/jodokae/cmput663-msr14-replic</a:t>
+            </a:r>
+          </a:p>
         </p:txBody>
       </p:sp>
       <p:sp>
         <p:nvSpPr>
-          <p:cNvPr id="55" name="Shape 55"/>
+          <p:cNvPr id="87" name="Shape 87"/>
           <p:cNvSpPr txBox="1"/>
           <p:nvPr>
             <p:ph idx="1" type="subTitle"/>
@@ -4561,8 +6470,8 @@
         </p:nvSpPr>
         <p:spPr>
           <a:xfrm>
-            <a:off x="311700" y="2834125"/>
-            <a:ext cx="8520600" cy="792600"/>
+            <a:off x="727952" y="4201600"/>
+            <a:ext cx="7688100" cy="541200"/>
           </a:xfrm>
           <a:prstGeom prst="rect">
             <a:avLst/>
@@ -4584,6 +6493,187 @@
               <a:rPr lang="en"/>
               <a:t>Johannes Kaestle and Moein Owhadi Kareshk</a:t>
             </a:r>
+          </a:p>
+          <a:p>
+            <a:pPr lvl="0">
+              <a:spcBef>
+                <a:spcPts val="0"/>
+              </a:spcBef>
+              <a:buNone/>
+            </a:pPr>
+            <a:r>
+              <a:rPr lang="en" sz="1400"/>
+              <a:t>University of Alberta</a:t>
+            </a:r>
+          </a:p>
+        </p:txBody>
+      </p:sp>
+    </p:spTree>
+  </p:cSld>
+  <p:clrMapOvr>
+    <a:masterClrMapping/>
+  </p:clrMapOvr>
+</p:sld>
+</file>
+
+<file path=ppt/slides/slide10.xml><?xml version="1.0" encoding="utf-8"?>
+<p:sld xmlns:a="http://schemas.openxmlformats.org/drawingml/2006/main" xmlns:r="http://schemas.openxmlformats.org/officeDocument/2006/relationships" xmlns:mc="http://schemas.openxmlformats.org/markup-compatibility/2006" xmlns:mv="urn:schemas-microsoft-com:mac:vml" xmlns:p="http://schemas.openxmlformats.org/presentationml/2006/main" xmlns:c="http://schemas.openxmlformats.org/drawingml/2006/chart" xmlns:dgm="http://schemas.openxmlformats.org/drawingml/2006/diagram" xmlns:o="urn:schemas-microsoft-com:office:office" xmlns:v="urn:schemas-microsoft-com:vml" xmlns:pvml="urn:schemas-microsoft-com:office:powerpoint" xmlns:com="http://schemas.openxmlformats.org/drawingml/2006/compatibility" xmlns:p14="http://schemas.microsoft.com/office/powerpoint/2010/main" xmlns:p15="http://schemas.microsoft.com/office/powerpoint/2012/main">
+  <p:cSld>
+    <p:spTree>
+      <p:nvGrpSpPr>
+        <p:cNvPr id="157" name="Shape 157"/>
+        <p:cNvGrpSpPr/>
+        <p:nvPr/>
+      </p:nvGrpSpPr>
+      <p:grpSpPr>
+        <a:xfrm>
+          <a:off x="0" y="0"/>
+          <a:ext cx="0" cy="0"/>
+          <a:chOff x="0" y="0"/>
+          <a:chExt cx="0" cy="0"/>
+        </a:xfrm>
+      </p:grpSpPr>
+      <p:sp>
+        <p:nvSpPr>
+          <p:cNvPr id="158" name="Shape 158"/>
+          <p:cNvSpPr txBox="1"/>
+          <p:nvPr>
+            <p:ph type="title"/>
+          </p:nvPr>
+        </p:nvSpPr>
+        <p:spPr>
+          <a:xfrm>
+            <a:off x="729450" y="1318650"/>
+            <a:ext cx="7688700" cy="535200"/>
+          </a:xfrm>
+          <a:prstGeom prst="rect">
+            <a:avLst/>
+          </a:prstGeom>
+        </p:spPr>
+        <p:txBody>
+          <a:bodyPr anchorCtr="0" anchor="t" bIns="91425" lIns="91425" rIns="91425" wrap="square" tIns="91425">
+            <a:noAutofit/>
+          </a:bodyPr>
+          <a:lstStyle/>
+          <a:p>
+            <a:pPr lvl="0">
+              <a:spcBef>
+                <a:spcPts val="0"/>
+              </a:spcBef>
+              <a:buNone/>
+            </a:pPr>
+            <a:r>
+              <a:rPr lang="en"/>
+              <a:t>Conclusion</a:t>
+            </a:r>
+          </a:p>
+        </p:txBody>
+      </p:sp>
+      <p:sp>
+        <p:nvSpPr>
+          <p:cNvPr id="159" name="Shape 159"/>
+          <p:cNvSpPr txBox="1"/>
+          <p:nvPr>
+            <p:ph idx="1" type="body"/>
+          </p:nvPr>
+        </p:nvSpPr>
+        <p:spPr>
+          <a:xfrm>
+            <a:off x="729450" y="2078875"/>
+            <a:ext cx="7688700" cy="2261100"/>
+          </a:xfrm>
+          <a:prstGeom prst="rect">
+            <a:avLst/>
+          </a:prstGeom>
+        </p:spPr>
+        <p:txBody>
+          <a:bodyPr anchorCtr="0" anchor="t" bIns="91425" lIns="91425" rIns="91425" wrap="square" tIns="91425">
+            <a:noAutofit/>
+          </a:bodyPr>
+          <a:lstStyle/>
+          <a:p>
+            <a:pPr lvl="0">
+              <a:spcBef>
+                <a:spcPts val="0"/>
+              </a:spcBef>
+              <a:buNone/>
+            </a:pPr>
+            <a:r>
+              <a:rPr lang="en"/>
+              <a:t>Version differences of dataset and tools</a:t>
+            </a:r>
+          </a:p>
+          <a:p>
+            <a:pPr lvl="0">
+              <a:spcBef>
+                <a:spcPts val="0"/>
+              </a:spcBef>
+              <a:buNone/>
+            </a:pPr>
+            <a:r>
+              <a:rPr lang="en"/>
+              <a:t>Unclear description of the procedure of sentiment analysis</a:t>
+            </a:r>
+          </a:p>
+          <a:p>
+            <a:pPr lvl="0">
+              <a:spcBef>
+                <a:spcPts val="0"/>
+              </a:spcBef>
+              <a:buNone/>
+            </a:pPr>
+            <a:r>
+              <a:t/>
+            </a:r>
+            <a:endParaRPr/>
+          </a:p>
+          <a:p>
+            <a:pPr lvl="0">
+              <a:spcBef>
+                <a:spcPts val="0"/>
+              </a:spcBef>
+              <a:buNone/>
+            </a:pPr>
+            <a:r>
+              <a:t/>
+            </a:r>
+            <a:endParaRPr/>
+          </a:p>
+        </p:txBody>
+      </p:sp>
+      <p:sp>
+        <p:nvSpPr>
+          <p:cNvPr id="160" name="Shape 160"/>
+          <p:cNvSpPr txBox="1"/>
+          <p:nvPr>
+            <p:ph idx="12" type="sldNum"/>
+          </p:nvPr>
+        </p:nvSpPr>
+        <p:spPr>
+          <a:xfrm>
+            <a:off x="8536302" y="4749851"/>
+            <a:ext cx="548700" cy="393600"/>
+          </a:xfrm>
+          <a:prstGeom prst="rect">
+            <a:avLst/>
+          </a:prstGeom>
+        </p:spPr>
+        <p:txBody>
+          <a:bodyPr anchorCtr="0" anchor="ctr" bIns="91425" lIns="91425" rIns="91425" wrap="square" tIns="91425">
+            <a:noAutofit/>
+          </a:bodyPr>
+          <a:lstStyle/>
+          <a:p>
+            <a:pPr lvl="0">
+              <a:spcBef>
+                <a:spcPts val="0"/>
+              </a:spcBef>
+              <a:buNone/>
+            </a:pPr>
+            <a:fld id="{00000000-1234-1234-1234-123412341234}" type="slidenum">
+              <a:rPr lang="en"/>
+              <a:t>‹#›</a:t>
+            </a:fld>
           </a:p>
         </p:txBody>
       </p:sp>
@@ -4600,7 +6690,7 @@
   <p:cSld>
     <p:spTree>
       <p:nvGrpSpPr>
-        <p:cNvPr id="59" name="Shape 59"/>
+        <p:cNvPr id="91" name="Shape 91"/>
         <p:cNvGrpSpPr/>
         <p:nvPr/>
       </p:nvGrpSpPr>
@@ -4614,7 +6704,7 @@
       </p:grpSpPr>
       <p:sp>
         <p:nvSpPr>
-          <p:cNvPr id="60" name="Shape 60"/>
+          <p:cNvPr id="92" name="Shape 92"/>
           <p:cNvSpPr txBox="1"/>
           <p:nvPr>
             <p:ph type="title"/>
@@ -4622,8 +6712,8 @@
         </p:nvSpPr>
         <p:spPr>
           <a:xfrm>
-            <a:off x="311700" y="445025"/>
-            <a:ext cx="8520600" cy="572700"/>
+            <a:off x="729450" y="1318650"/>
+            <a:ext cx="7688700" cy="535200"/>
           </a:xfrm>
           <a:prstGeom prst="rect">
             <a:avLst/>
@@ -4650,7 +6740,7 @@
       </p:sp>
       <p:sp>
         <p:nvSpPr>
-          <p:cNvPr id="61" name="Shape 61"/>
+          <p:cNvPr id="93" name="Shape 93"/>
           <p:cNvSpPr txBox="1"/>
           <p:nvPr>
             <p:ph idx="1" type="body"/>
@@ -4658,8 +6748,8 @@
         </p:nvSpPr>
         <p:spPr>
           <a:xfrm>
-            <a:off x="311700" y="1152475"/>
-            <a:ext cx="8520600" cy="3416400"/>
+            <a:off x="729450" y="2078875"/>
+            <a:ext cx="7688700" cy="2261100"/>
           </a:xfrm>
           <a:prstGeom prst="rect">
             <a:avLst/>
@@ -4691,7 +6781,7 @@
             </a:pPr>
             <a:r>
               <a:rPr lang="en"/>
-              <a:t>What is the impact of data of week on the sentiment of commit </a:t>
+              <a:t>What is the impact of the weekday on the sentiment of commit </a:t>
             </a:r>
             <a:r>
               <a:rPr lang="en"/>
@@ -4731,11 +6821,6 @@
               <a:spcBef>
                 <a:spcPts val="0"/>
               </a:spcBef>
-              <a:buClr>
-                <a:schemeClr val="dk1"/>
-              </a:buClr>
-              <a:buSzPct val="61111"/>
-              <a:buFont typeface="Arial"/>
               <a:buNone/>
             </a:pPr>
             <a:r>
@@ -4743,6 +6828,30 @@
               <a:t>Are project approval and the sentiment of commit messages related?</a:t>
             </a:r>
           </a:p>
+        </p:txBody>
+      </p:sp>
+      <p:sp>
+        <p:nvSpPr>
+          <p:cNvPr id="94" name="Shape 94"/>
+          <p:cNvSpPr txBox="1"/>
+          <p:nvPr>
+            <p:ph idx="12" type="sldNum"/>
+          </p:nvPr>
+        </p:nvSpPr>
+        <p:spPr>
+          <a:xfrm>
+            <a:off x="8536302" y="4749851"/>
+            <a:ext cx="548700" cy="393600"/>
+          </a:xfrm>
+          <a:prstGeom prst="rect">
+            <a:avLst/>
+          </a:prstGeom>
+        </p:spPr>
+        <p:txBody>
+          <a:bodyPr anchorCtr="0" anchor="ctr" bIns="91425" lIns="91425" rIns="91425" wrap="square" tIns="91425">
+            <a:noAutofit/>
+          </a:bodyPr>
+          <a:lstStyle/>
           <a:p>
             <a:pPr lvl="0">
               <a:spcBef>
@@ -4750,10 +6859,10 @@
               </a:spcBef>
               <a:buNone/>
             </a:pPr>
-            <a:r>
+            <a:fld id="{00000000-1234-1234-1234-123412341234}" type="slidenum">
               <a:rPr lang="en"/>
-              <a:t>R4) Are emotions in commit comments related to project approval?</a:t>
-            </a:r>
+              <a:t>‹#›</a:t>
+            </a:fld>
           </a:p>
         </p:txBody>
       </p:sp>
@@ -4770,7 +6879,7 @@
   <p:cSld>
     <p:spTree>
       <p:nvGrpSpPr>
-        <p:cNvPr id="65" name="Shape 65"/>
+        <p:cNvPr id="98" name="Shape 98"/>
         <p:cNvGrpSpPr/>
         <p:nvPr/>
       </p:nvGrpSpPr>
@@ -4784,7 +6893,7 @@
       </p:grpSpPr>
       <p:sp>
         <p:nvSpPr>
-          <p:cNvPr id="66" name="Shape 66"/>
+          <p:cNvPr id="99" name="Shape 99"/>
           <p:cNvSpPr txBox="1"/>
           <p:nvPr>
             <p:ph type="title"/>
@@ -4792,8 +6901,8 @@
         </p:nvSpPr>
         <p:spPr>
           <a:xfrm>
-            <a:off x="311700" y="445025"/>
-            <a:ext cx="8520600" cy="572700"/>
+            <a:off x="729450" y="1318650"/>
+            <a:ext cx="7688700" cy="535200"/>
           </a:xfrm>
           <a:prstGeom prst="rect">
             <a:avLst/>
@@ -4820,7 +6929,7 @@
       </p:sp>
       <p:sp>
         <p:nvSpPr>
-          <p:cNvPr id="67" name="Shape 67"/>
+          <p:cNvPr id="100" name="Shape 100"/>
           <p:cNvSpPr txBox="1"/>
           <p:nvPr>
             <p:ph idx="1" type="body"/>
@@ -4828,8 +6937,8 @@
         </p:nvSpPr>
         <p:spPr>
           <a:xfrm>
-            <a:off x="311700" y="1152475"/>
-            <a:ext cx="8520600" cy="3416400"/>
+            <a:off x="729450" y="2078875"/>
+            <a:ext cx="7688700" cy="2261100"/>
           </a:xfrm>
           <a:prstGeom prst="rect">
             <a:avLst/>
@@ -4937,6 +7046,42 @@
               <a:t/>
             </a:r>
             <a:endParaRPr/>
+          </a:p>
+        </p:txBody>
+      </p:sp>
+      <p:sp>
+        <p:nvSpPr>
+          <p:cNvPr id="101" name="Shape 101"/>
+          <p:cNvSpPr txBox="1"/>
+          <p:nvPr>
+            <p:ph idx="12" type="sldNum"/>
+          </p:nvPr>
+        </p:nvSpPr>
+        <p:spPr>
+          <a:xfrm>
+            <a:off x="8536302" y="4749851"/>
+            <a:ext cx="548700" cy="393600"/>
+          </a:xfrm>
+          <a:prstGeom prst="rect">
+            <a:avLst/>
+          </a:prstGeom>
+        </p:spPr>
+        <p:txBody>
+          <a:bodyPr anchorCtr="0" anchor="ctr" bIns="91425" lIns="91425" rIns="91425" wrap="square" tIns="91425">
+            <a:noAutofit/>
+          </a:bodyPr>
+          <a:lstStyle/>
+          <a:p>
+            <a:pPr lvl="0">
+              <a:spcBef>
+                <a:spcPts val="0"/>
+              </a:spcBef>
+              <a:buNone/>
+            </a:pPr>
+            <a:fld id="{00000000-1234-1234-1234-123412341234}" type="slidenum">
+              <a:rPr lang="en"/>
+              <a:t>‹#›</a:t>
+            </a:fld>
           </a:p>
         </p:txBody>
       </p:sp>
@@ -4953,7 +7098,7 @@
   <p:cSld>
     <p:spTree>
       <p:nvGrpSpPr>
-        <p:cNvPr id="71" name="Shape 71"/>
+        <p:cNvPr id="105" name="Shape 105"/>
         <p:cNvGrpSpPr/>
         <p:nvPr/>
       </p:nvGrpSpPr>
@@ -4967,7 +7112,7 @@
       </p:grpSpPr>
       <p:sp>
         <p:nvSpPr>
-          <p:cNvPr id="72" name="Shape 72"/>
+          <p:cNvPr id="106" name="Shape 106"/>
           <p:cNvSpPr txBox="1"/>
           <p:nvPr>
             <p:ph type="title"/>
@@ -4975,8 +7120,8 @@
         </p:nvSpPr>
         <p:spPr>
           <a:xfrm>
-            <a:off x="311700" y="445025"/>
-            <a:ext cx="8520600" cy="572700"/>
+            <a:off x="729450" y="1318650"/>
+            <a:ext cx="7688700" cy="535200"/>
           </a:xfrm>
           <a:prstGeom prst="rect">
             <a:avLst/>
@@ -5003,7 +7148,7 @@
       </p:sp>
       <p:sp>
         <p:nvSpPr>
-          <p:cNvPr id="73" name="Shape 73"/>
+          <p:cNvPr id="107" name="Shape 107"/>
           <p:cNvSpPr txBox="1"/>
           <p:nvPr>
             <p:ph idx="1" type="body"/>
@@ -5011,8 +7156,8 @@
         </p:nvSpPr>
         <p:spPr>
           <a:xfrm>
-            <a:off x="311700" y="1152475"/>
-            <a:ext cx="8520600" cy="3416400"/>
+            <a:off x="729450" y="2078875"/>
+            <a:ext cx="7688700" cy="2261100"/>
           </a:xfrm>
           <a:prstGeom prst="rect">
             <a:avLst/>
@@ -5031,19 +7176,15 @@
               <a:buNone/>
             </a:pPr>
             <a:r>
-              <a:rPr lang="en"/>
-              <a:t>Six</a:t>
+              <a:t/>
             </a:r>
-            <a:r>
-              <a:rPr lang="en"/>
-              <a:t> projects with the highest number of commit comments</a:t>
-            </a:r>
+            <a:endParaRPr/>
           </a:p>
         </p:txBody>
       </p:sp>
       <p:pic>
         <p:nvPicPr>
-          <p:cNvPr descr="Fig1.png" id="74" name="Shape 74"/>
+          <p:cNvPr descr="Fig1.png" id="108" name="Shape 108"/>
           <p:cNvPicPr preferRelativeResize="0"/>
           <p:nvPr/>
         </p:nvPicPr>
@@ -5057,7 +7198,7 @@
         </p:blipFill>
         <p:spPr>
           <a:xfrm>
-            <a:off x="409325" y="1708875"/>
+            <a:off x="1015425" y="2282000"/>
             <a:ext cx="3495400" cy="2522450"/>
           </a:xfrm>
           <a:prstGeom prst="rect">
@@ -5069,6 +7210,70 @@
           </a:ln>
         </p:spPr>
       </p:pic>
+      <p:pic>
+        <p:nvPicPr>
+          <p:cNvPr descr="Figure_1.png" id="109" name="Shape 109"/>
+          <p:cNvPicPr preferRelativeResize="0"/>
+          <p:nvPr/>
+        </p:nvPicPr>
+        <p:blipFill>
+          <a:blip r:embed="rId4">
+            <a:alphaModFix/>
+          </a:blip>
+          <a:stretch>
+            <a:fillRect/>
+          </a:stretch>
+        </p:blipFill>
+        <p:spPr>
+          <a:xfrm>
+            <a:off x="4594000" y="2077050"/>
+            <a:ext cx="3715275" cy="2786456"/>
+          </a:xfrm>
+          <a:prstGeom prst="rect">
+            <a:avLst/>
+          </a:prstGeom>
+          <a:noFill/>
+          <a:ln>
+            <a:noFill/>
+          </a:ln>
+        </p:spPr>
+      </p:pic>
+      <p:sp>
+        <p:nvSpPr>
+          <p:cNvPr id="110" name="Shape 110"/>
+          <p:cNvSpPr txBox="1"/>
+          <p:nvPr>
+            <p:ph idx="12" type="sldNum"/>
+          </p:nvPr>
+        </p:nvSpPr>
+        <p:spPr>
+          <a:xfrm>
+            <a:off x="8536302" y="4749851"/>
+            <a:ext cx="548700" cy="393600"/>
+          </a:xfrm>
+          <a:prstGeom prst="rect">
+            <a:avLst/>
+          </a:prstGeom>
+        </p:spPr>
+        <p:txBody>
+          <a:bodyPr anchorCtr="0" anchor="ctr" bIns="91425" lIns="91425" rIns="91425" wrap="square" tIns="91425">
+            <a:noAutofit/>
+          </a:bodyPr>
+          <a:lstStyle/>
+          <a:p>
+            <a:pPr lvl="0">
+              <a:spcBef>
+                <a:spcPts val="0"/>
+              </a:spcBef>
+              <a:buNone/>
+            </a:pPr>
+            <a:fld id="{00000000-1234-1234-1234-123412341234}" type="slidenum">
+              <a:rPr lang="en"/>
+              <a:t>‹#›</a:t>
+            </a:fld>
+          </a:p>
+        </p:txBody>
+      </p:sp>
     </p:spTree>
   </p:cSld>
   <p:clrMapOvr>
@@ -5082,7 +7287,7 @@
   <p:cSld>
     <p:spTree>
       <p:nvGrpSpPr>
-        <p:cNvPr id="78" name="Shape 78"/>
+        <p:cNvPr id="114" name="Shape 114"/>
         <p:cNvGrpSpPr/>
         <p:nvPr/>
       </p:nvGrpSpPr>
@@ -5096,7 +7301,7 @@
       </p:grpSpPr>
       <p:sp>
         <p:nvSpPr>
-          <p:cNvPr id="79" name="Shape 79"/>
+          <p:cNvPr id="115" name="Shape 115"/>
           <p:cNvSpPr txBox="1"/>
           <p:nvPr>
             <p:ph type="title"/>
@@ -5104,8 +7309,8 @@
         </p:nvSpPr>
         <p:spPr>
           <a:xfrm>
-            <a:off x="311700" y="445025"/>
-            <a:ext cx="8520600" cy="572700"/>
+            <a:off x="729450" y="1318650"/>
+            <a:ext cx="7688700" cy="535200"/>
           </a:xfrm>
           <a:prstGeom prst="rect">
             <a:avLst/>
@@ -5121,6 +7326,23 @@
               <a:spcBef>
                 <a:spcPts val="0"/>
               </a:spcBef>
+              <a:buClr>
+                <a:schemeClr val="dk1"/>
+              </a:buClr>
+              <a:buSzPct val="42307"/>
+              <a:buFont typeface="Arial"/>
+              <a:buNone/>
+            </a:pPr>
+            <a:r>
+              <a:rPr lang="en"/>
+              <a:t>1- Emotions in Commit Comments</a:t>
+            </a:r>
+          </a:p>
+          <a:p>
+            <a:pPr lvl="0">
+              <a:spcBef>
+                <a:spcPts val="0"/>
+              </a:spcBef>
               <a:buNone/>
             </a:pPr>
             <a:r>
@@ -5132,7 +7354,7 @@
       </p:sp>
       <p:sp>
         <p:nvSpPr>
-          <p:cNvPr id="80" name="Shape 80"/>
+          <p:cNvPr id="116" name="Shape 116"/>
           <p:cNvSpPr txBox="1"/>
           <p:nvPr>
             <p:ph idx="1" type="body"/>
@@ -5140,8 +7362,8 @@
         </p:nvSpPr>
         <p:spPr>
           <a:xfrm>
-            <a:off x="311700" y="1152475"/>
-            <a:ext cx="8520600" cy="3416400"/>
+            <a:off x="729450" y="2078875"/>
+            <a:ext cx="7688700" cy="2261100"/>
           </a:xfrm>
           <a:prstGeom prst="rect">
             <a:avLst/>
@@ -5168,7 +7390,7 @@
       </p:sp>
       <p:pic>
         <p:nvPicPr>
-          <p:cNvPr descr="Fig2.png" id="81" name="Shape 81"/>
+          <p:cNvPr descr="Fig2.png" id="117" name="Shape 117"/>
           <p:cNvPicPr preferRelativeResize="0"/>
           <p:nvPr/>
         </p:nvPicPr>
@@ -5182,8 +7404,8 @@
         </p:blipFill>
         <p:spPr>
           <a:xfrm>
-            <a:off x="311700" y="1398225"/>
-            <a:ext cx="3201825" cy="2859150"/>
+            <a:off x="729450" y="2137475"/>
+            <a:ext cx="3001401" cy="2680175"/>
           </a:xfrm>
           <a:prstGeom prst="rect">
             <a:avLst/>
@@ -5194,6 +7416,70 @@
           </a:ln>
         </p:spPr>
       </p:pic>
+      <p:pic>
+        <p:nvPicPr>
+          <p:cNvPr descr="Figure_2.png" id="118" name="Shape 118"/>
+          <p:cNvPicPr preferRelativeResize="0"/>
+          <p:nvPr/>
+        </p:nvPicPr>
+        <p:blipFill>
+          <a:blip r:embed="rId4">
+            <a:alphaModFix/>
+          </a:blip>
+          <a:stretch>
+            <a:fillRect/>
+          </a:stretch>
+        </p:blipFill>
+        <p:spPr>
+          <a:xfrm>
+            <a:off x="4121750" y="1913300"/>
+            <a:ext cx="4081326" cy="3061000"/>
+          </a:xfrm>
+          <a:prstGeom prst="rect">
+            <a:avLst/>
+          </a:prstGeom>
+          <a:noFill/>
+          <a:ln>
+            <a:noFill/>
+          </a:ln>
+        </p:spPr>
+      </p:pic>
+      <p:sp>
+        <p:nvSpPr>
+          <p:cNvPr id="119" name="Shape 119"/>
+          <p:cNvSpPr txBox="1"/>
+          <p:nvPr>
+            <p:ph idx="12" type="sldNum"/>
+          </p:nvPr>
+        </p:nvSpPr>
+        <p:spPr>
+          <a:xfrm>
+            <a:off x="8536302" y="4749851"/>
+            <a:ext cx="548700" cy="393600"/>
+          </a:xfrm>
+          <a:prstGeom prst="rect">
+            <a:avLst/>
+          </a:prstGeom>
+        </p:spPr>
+        <p:txBody>
+          <a:bodyPr anchorCtr="0" anchor="ctr" bIns="91425" lIns="91425" rIns="91425" wrap="square" tIns="91425">
+            <a:noAutofit/>
+          </a:bodyPr>
+          <a:lstStyle/>
+          <a:p>
+            <a:pPr lvl="0">
+              <a:spcBef>
+                <a:spcPts val="0"/>
+              </a:spcBef>
+              <a:buNone/>
+            </a:pPr>
+            <a:fld id="{00000000-1234-1234-1234-123412341234}" type="slidenum">
+              <a:rPr lang="en"/>
+              <a:t>‹#›</a:t>
+            </a:fld>
+          </a:p>
+        </p:txBody>
+      </p:sp>
     </p:spTree>
   </p:cSld>
   <p:clrMapOvr>
@@ -5207,7 +7493,7 @@
   <p:cSld>
     <p:spTree>
       <p:nvGrpSpPr>
-        <p:cNvPr id="85" name="Shape 85"/>
+        <p:cNvPr id="123" name="Shape 123"/>
         <p:cNvGrpSpPr/>
         <p:nvPr/>
       </p:nvGrpSpPr>
@@ -5221,7 +7507,7 @@
       </p:grpSpPr>
       <p:sp>
         <p:nvSpPr>
-          <p:cNvPr id="86" name="Shape 86"/>
+          <p:cNvPr id="124" name="Shape 124"/>
           <p:cNvSpPr txBox="1"/>
           <p:nvPr>
             <p:ph type="title"/>
@@ -5229,8 +7515,8 @@
         </p:nvSpPr>
         <p:spPr>
           <a:xfrm>
-            <a:off x="311700" y="445025"/>
-            <a:ext cx="8520600" cy="572700"/>
+            <a:off x="729450" y="1318650"/>
+            <a:ext cx="7688700" cy="535200"/>
           </a:xfrm>
           <a:prstGeom prst="rect">
             <a:avLst/>
@@ -5249,15 +7535,15 @@
               <a:buNone/>
             </a:pPr>
             <a:r>
-              <a:t/>
+              <a:rPr lang="en"/>
+              <a:t>2- Emotions and Programming Language</a:t>
             </a:r>
-            <a:endParaRPr/>
           </a:p>
         </p:txBody>
       </p:sp>
       <p:sp>
         <p:nvSpPr>
-          <p:cNvPr id="87" name="Shape 87"/>
+          <p:cNvPr id="125" name="Shape 125"/>
           <p:cNvSpPr txBox="1"/>
           <p:nvPr>
             <p:ph idx="1" type="body"/>
@@ -5265,8 +7551,8 @@
         </p:nvSpPr>
         <p:spPr>
           <a:xfrm>
-            <a:off x="311700" y="1152475"/>
-            <a:ext cx="8520600" cy="3416400"/>
+            <a:off x="729450" y="2078875"/>
+            <a:ext cx="7688700" cy="2261100"/>
           </a:xfrm>
           <a:prstGeom prst="rect">
             <a:avLst/>
@@ -5293,7 +7579,7 @@
       </p:sp>
       <p:pic>
         <p:nvPicPr>
-          <p:cNvPr descr="Table2.png" id="88" name="Shape 88"/>
+          <p:cNvPr descr="Table2.png" id="126" name="Shape 126"/>
           <p:cNvPicPr preferRelativeResize="0"/>
           <p:nvPr/>
         </p:nvPicPr>
@@ -5307,7 +7593,7 @@
         </p:blipFill>
         <p:spPr>
           <a:xfrm>
-            <a:off x="311700" y="2448975"/>
+            <a:off x="2134850" y="2120450"/>
             <a:ext cx="4815576" cy="1289100"/>
           </a:xfrm>
           <a:prstGeom prst="rect">
@@ -5319,6 +7605,70 @@
           </a:ln>
         </p:spPr>
       </p:pic>
+      <p:pic>
+        <p:nvPicPr>
+          <p:cNvPr descr="Table2US.png" id="127" name="Shape 127"/>
+          <p:cNvPicPr preferRelativeResize="0"/>
+          <p:nvPr/>
+        </p:nvPicPr>
+        <p:blipFill>
+          <a:blip r:embed="rId4">
+            <a:alphaModFix/>
+          </a:blip>
+          <a:stretch>
+            <a:fillRect/>
+          </a:stretch>
+        </p:blipFill>
+        <p:spPr>
+          <a:xfrm>
+            <a:off x="2349762" y="3447550"/>
+            <a:ext cx="4448075" cy="1414100"/>
+          </a:xfrm>
+          <a:prstGeom prst="rect">
+            <a:avLst/>
+          </a:prstGeom>
+          <a:noFill/>
+          <a:ln>
+            <a:noFill/>
+          </a:ln>
+        </p:spPr>
+      </p:pic>
+      <p:sp>
+        <p:nvSpPr>
+          <p:cNvPr id="128" name="Shape 128"/>
+          <p:cNvSpPr txBox="1"/>
+          <p:nvPr>
+            <p:ph idx="12" type="sldNum"/>
+          </p:nvPr>
+        </p:nvSpPr>
+        <p:spPr>
+          <a:xfrm>
+            <a:off x="8536302" y="4749851"/>
+            <a:ext cx="548700" cy="393600"/>
+          </a:xfrm>
+          <a:prstGeom prst="rect">
+            <a:avLst/>
+          </a:prstGeom>
+        </p:spPr>
+        <p:txBody>
+          <a:bodyPr anchorCtr="0" anchor="ctr" bIns="91425" lIns="91425" rIns="91425" wrap="square" tIns="91425">
+            <a:noAutofit/>
+          </a:bodyPr>
+          <a:lstStyle/>
+          <a:p>
+            <a:pPr lvl="0">
+              <a:spcBef>
+                <a:spcPts val="0"/>
+              </a:spcBef>
+              <a:buNone/>
+            </a:pPr>
+            <a:fld id="{00000000-1234-1234-1234-123412341234}" type="slidenum">
+              <a:rPr lang="en"/>
+              <a:t>‹#›</a:t>
+            </a:fld>
+          </a:p>
+        </p:txBody>
+      </p:sp>
     </p:spTree>
   </p:cSld>
   <p:clrMapOvr>
@@ -5332,7 +7682,7 @@
   <p:cSld>
     <p:spTree>
       <p:nvGrpSpPr>
-        <p:cNvPr id="92" name="Shape 92"/>
+        <p:cNvPr id="132" name="Shape 132"/>
         <p:cNvGrpSpPr/>
         <p:nvPr/>
       </p:nvGrpSpPr>
@@ -5346,7 +7696,7 @@
       </p:grpSpPr>
       <p:sp>
         <p:nvSpPr>
-          <p:cNvPr id="93" name="Shape 93"/>
+          <p:cNvPr id="133" name="Shape 133"/>
           <p:cNvSpPr txBox="1"/>
           <p:nvPr>
             <p:ph type="title"/>
@@ -5354,8 +7704,8 @@
         </p:nvSpPr>
         <p:spPr>
           <a:xfrm>
-            <a:off x="311700" y="445025"/>
-            <a:ext cx="8520600" cy="572700"/>
+            <a:off x="729450" y="1318650"/>
+            <a:ext cx="7688700" cy="535200"/>
           </a:xfrm>
           <a:prstGeom prst="rect">
             <a:avLst/>
@@ -5374,15 +7724,19 @@
               <a:buNone/>
             </a:pPr>
             <a:r>
-              <a:t/>
+              <a:rPr lang="en"/>
+              <a:t>3- </a:t>
             </a:r>
-            <a:endParaRPr/>
+            <a:r>
+              <a:rPr lang="en"/>
+              <a:t>Emotions, Day and Time of the Week</a:t>
+            </a:r>
           </a:p>
         </p:txBody>
       </p:sp>
       <p:sp>
         <p:nvSpPr>
-          <p:cNvPr id="94" name="Shape 94"/>
+          <p:cNvPr id="134" name="Shape 134"/>
           <p:cNvSpPr txBox="1"/>
           <p:nvPr>
             <p:ph idx="1" type="body"/>
@@ -5390,8 +7744,8 @@
         </p:nvSpPr>
         <p:spPr>
           <a:xfrm>
-            <a:off x="311700" y="1152475"/>
-            <a:ext cx="8520600" cy="3416400"/>
+            <a:off x="729450" y="2078875"/>
+            <a:ext cx="7688700" cy="2261100"/>
           </a:xfrm>
           <a:prstGeom prst="rect">
             <a:avLst/>
@@ -5418,22 +7772,21 @@
       </p:sp>
       <p:pic>
         <p:nvPicPr>
-          <p:cNvPr descr="Table3.png" id="95" name="Shape 95"/>
+          <p:cNvPr descr="Table3.png" id="135" name="Shape 135"/>
           <p:cNvPicPr preferRelativeResize="0"/>
           <p:nvPr/>
         </p:nvPicPr>
-        <p:blipFill>
+        <p:blipFill rotWithShape="1">
           <a:blip r:embed="rId3">
             <a:alphaModFix/>
           </a:blip>
-          <a:stretch>
-            <a:fillRect/>
-          </a:stretch>
+          <a:srcRect b="0" l="0" r="0" t="0"/>
+          <a:stretch/>
         </p:blipFill>
         <p:spPr>
           <a:xfrm>
-            <a:off x="0" y="1176046"/>
-            <a:ext cx="5838949" cy="1782475"/>
+            <a:off x="2033250" y="2078875"/>
+            <a:ext cx="4167926" cy="1272350"/>
           </a:xfrm>
           <a:prstGeom prst="rect">
             <a:avLst/>
@@ -5444,6 +7797,70 @@
           </a:ln>
         </p:spPr>
       </p:pic>
+      <p:pic>
+        <p:nvPicPr>
+          <p:cNvPr descr="Table3US.png" id="136" name="Shape 136"/>
+          <p:cNvPicPr preferRelativeResize="0"/>
+          <p:nvPr/>
+        </p:nvPicPr>
+        <p:blipFill>
+          <a:blip r:embed="rId4">
+            <a:alphaModFix/>
+          </a:blip>
+          <a:stretch>
+            <a:fillRect/>
+          </a:stretch>
+        </p:blipFill>
+        <p:spPr>
+          <a:xfrm>
+            <a:off x="2085162" y="3468950"/>
+            <a:ext cx="4064101" cy="1572850"/>
+          </a:xfrm>
+          <a:prstGeom prst="rect">
+            <a:avLst/>
+          </a:prstGeom>
+          <a:noFill/>
+          <a:ln>
+            <a:noFill/>
+          </a:ln>
+        </p:spPr>
+      </p:pic>
+      <p:sp>
+        <p:nvSpPr>
+          <p:cNvPr id="137" name="Shape 137"/>
+          <p:cNvSpPr txBox="1"/>
+          <p:nvPr>
+            <p:ph idx="12" type="sldNum"/>
+          </p:nvPr>
+        </p:nvSpPr>
+        <p:spPr>
+          <a:xfrm>
+            <a:off x="8536302" y="4749851"/>
+            <a:ext cx="548700" cy="393600"/>
+          </a:xfrm>
+          <a:prstGeom prst="rect">
+            <a:avLst/>
+          </a:prstGeom>
+        </p:spPr>
+        <p:txBody>
+          <a:bodyPr anchorCtr="0" anchor="ctr" bIns="91425" lIns="91425" rIns="91425" wrap="square" tIns="91425">
+            <a:noAutofit/>
+          </a:bodyPr>
+          <a:lstStyle/>
+          <a:p>
+            <a:pPr lvl="0">
+              <a:spcBef>
+                <a:spcPts val="0"/>
+              </a:spcBef>
+              <a:buNone/>
+            </a:pPr>
+            <a:fld id="{00000000-1234-1234-1234-123412341234}" type="slidenum">
+              <a:rPr lang="en"/>
+              <a:t>‹#›</a:t>
+            </a:fld>
+          </a:p>
+        </p:txBody>
+      </p:sp>
     </p:spTree>
   </p:cSld>
   <p:clrMapOvr>
@@ -5457,7 +7874,7 @@
   <p:cSld>
     <p:spTree>
       <p:nvGrpSpPr>
-        <p:cNvPr id="99" name="Shape 99"/>
+        <p:cNvPr id="141" name="Shape 141"/>
         <p:cNvGrpSpPr/>
         <p:nvPr/>
       </p:nvGrpSpPr>
@@ -5471,7 +7888,7 @@
       </p:grpSpPr>
       <p:sp>
         <p:nvSpPr>
-          <p:cNvPr id="100" name="Shape 100"/>
+          <p:cNvPr id="142" name="Shape 142"/>
           <p:cNvSpPr txBox="1"/>
           <p:nvPr>
             <p:ph type="title"/>
@@ -5479,8 +7896,8 @@
         </p:nvSpPr>
         <p:spPr>
           <a:xfrm>
-            <a:off x="311700" y="445025"/>
-            <a:ext cx="8520600" cy="572700"/>
+            <a:off x="729450" y="1318650"/>
+            <a:ext cx="7688700" cy="535200"/>
           </a:xfrm>
           <a:prstGeom prst="rect">
             <a:avLst/>
@@ -5496,6 +7913,23 @@
               <a:spcBef>
                 <a:spcPts val="0"/>
               </a:spcBef>
+              <a:buClr>
+                <a:schemeClr val="dk1"/>
+              </a:buClr>
+              <a:buSzPct val="42307"/>
+              <a:buFont typeface="Arial"/>
+              <a:buNone/>
+            </a:pPr>
+            <a:r>
+              <a:rPr lang="en"/>
+              <a:t>3- Emotions, Day and Time of the Week</a:t>
+            </a:r>
+          </a:p>
+          <a:p>
+            <a:pPr lvl="0">
+              <a:spcBef>
+                <a:spcPts val="0"/>
+              </a:spcBef>
               <a:buNone/>
             </a:pPr>
             <a:r>
@@ -5507,7 +7941,7 @@
       </p:sp>
       <p:sp>
         <p:nvSpPr>
-          <p:cNvPr id="101" name="Shape 101"/>
+          <p:cNvPr id="143" name="Shape 143"/>
           <p:cNvSpPr txBox="1"/>
           <p:nvPr>
             <p:ph idx="1" type="body"/>
@@ -5515,8 +7949,8 @@
         </p:nvSpPr>
         <p:spPr>
           <a:xfrm>
-            <a:off x="311700" y="1152475"/>
-            <a:ext cx="8520600" cy="3416400"/>
+            <a:off x="729450" y="2078875"/>
+            <a:ext cx="7688700" cy="2261100"/>
           </a:xfrm>
           <a:prstGeom prst="rect">
             <a:avLst/>
@@ -5543,7 +7977,7 @@
       </p:sp>
       <p:pic>
         <p:nvPicPr>
-          <p:cNvPr descr="Table4.png" id="102" name="Shape 102"/>
+          <p:cNvPr descr="Table4.png" id="144" name="Shape 144"/>
           <p:cNvPicPr preferRelativeResize="0"/>
           <p:nvPr/>
         </p:nvPicPr>
@@ -5557,8 +7991,8 @@
         </p:blipFill>
         <p:spPr>
           <a:xfrm>
-            <a:off x="0" y="1541300"/>
-            <a:ext cx="5986276" cy="1349200"/>
+            <a:off x="1869050" y="2046613"/>
+            <a:ext cx="5324624" cy="1200075"/>
           </a:xfrm>
           <a:prstGeom prst="rect">
             <a:avLst/>
@@ -5569,6 +8003,70 @@
           </a:ln>
         </p:spPr>
       </p:pic>
+      <p:pic>
+        <p:nvPicPr>
+          <p:cNvPr descr="Table4US.png" id="145" name="Shape 145"/>
+          <p:cNvPicPr preferRelativeResize="0"/>
+          <p:nvPr/>
+        </p:nvPicPr>
+        <p:blipFill>
+          <a:blip r:embed="rId4">
+            <a:alphaModFix/>
+          </a:blip>
+          <a:stretch>
+            <a:fillRect/>
+          </a:stretch>
+        </p:blipFill>
+        <p:spPr>
+          <a:xfrm>
+            <a:off x="1985875" y="3439450"/>
+            <a:ext cx="5142849" cy="1375250"/>
+          </a:xfrm>
+          <a:prstGeom prst="rect">
+            <a:avLst/>
+          </a:prstGeom>
+          <a:noFill/>
+          <a:ln>
+            <a:noFill/>
+          </a:ln>
+        </p:spPr>
+      </p:pic>
+      <p:sp>
+        <p:nvSpPr>
+          <p:cNvPr id="146" name="Shape 146"/>
+          <p:cNvSpPr txBox="1"/>
+          <p:nvPr>
+            <p:ph idx="12" type="sldNum"/>
+          </p:nvPr>
+        </p:nvSpPr>
+        <p:spPr>
+          <a:xfrm>
+            <a:off x="8536302" y="4749851"/>
+            <a:ext cx="548700" cy="393600"/>
+          </a:xfrm>
+          <a:prstGeom prst="rect">
+            <a:avLst/>
+          </a:prstGeom>
+        </p:spPr>
+        <p:txBody>
+          <a:bodyPr anchorCtr="0" anchor="ctr" bIns="91425" lIns="91425" rIns="91425" wrap="square" tIns="91425">
+            <a:noAutofit/>
+          </a:bodyPr>
+          <a:lstStyle/>
+          <a:p>
+            <a:pPr lvl="0">
+              <a:spcBef>
+                <a:spcPts val="0"/>
+              </a:spcBef>
+              <a:buNone/>
+            </a:pPr>
+            <a:fld id="{00000000-1234-1234-1234-123412341234}" type="slidenum">
+              <a:rPr lang="en"/>
+              <a:t>‹#›</a:t>
+            </a:fld>
+          </a:p>
+        </p:txBody>
+      </p:sp>
     </p:spTree>
   </p:cSld>
   <p:clrMapOvr>
@@ -5582,7 +8080,7 @@
   <p:cSld>
     <p:spTree>
       <p:nvGrpSpPr>
-        <p:cNvPr id="106" name="Shape 106"/>
+        <p:cNvPr id="150" name="Shape 150"/>
         <p:cNvGrpSpPr/>
         <p:nvPr/>
       </p:nvGrpSpPr>
@@ -5596,7 +8094,7 @@
       </p:grpSpPr>
       <p:sp>
         <p:nvSpPr>
-          <p:cNvPr id="107" name="Shape 107"/>
+          <p:cNvPr id="151" name="Shape 151"/>
           <p:cNvSpPr txBox="1"/>
           <p:nvPr>
             <p:ph type="title"/>
@@ -5604,8 +8102,8 @@
         </p:nvSpPr>
         <p:spPr>
           <a:xfrm>
-            <a:off x="311700" y="445025"/>
-            <a:ext cx="8520600" cy="572700"/>
+            <a:off x="729450" y="1318650"/>
+            <a:ext cx="7688700" cy="535200"/>
           </a:xfrm>
           <a:prstGeom prst="rect">
             <a:avLst/>
@@ -5625,6 +8123,10 @@
             </a:pPr>
             <a:r>
               <a:rPr lang="en"/>
+              <a:t>4- </a:t>
+            </a:r>
+            <a:r>
+              <a:rPr lang="en"/>
               <a:t>Emotions and Team Distribution</a:t>
             </a:r>
           </a:p>
@@ -5632,7 +8134,7 @@
       </p:sp>
       <p:sp>
         <p:nvSpPr>
-          <p:cNvPr id="108" name="Shape 108"/>
+          <p:cNvPr id="152" name="Shape 152"/>
           <p:cNvSpPr txBox="1"/>
           <p:nvPr>
             <p:ph idx="1" type="body"/>
@@ -5640,8 +8142,8 @@
         </p:nvSpPr>
         <p:spPr>
           <a:xfrm>
-            <a:off x="311700" y="1152475"/>
-            <a:ext cx="8520600" cy="3416400"/>
+            <a:off x="729450" y="2078875"/>
+            <a:ext cx="7688700" cy="2261100"/>
           </a:xfrm>
           <a:prstGeom prst="rect">
             <a:avLst/>
@@ -5675,6 +8177,42 @@
               <a:rPr lang="en"/>
               <a:t>For this analysis, additional information (continent) is rqureed that is not provided by GitHub, GHTorrent, and the authors.</a:t>
             </a:r>
+          </a:p>
+        </p:txBody>
+      </p:sp>
+      <p:sp>
+        <p:nvSpPr>
+          <p:cNvPr id="153" name="Shape 153"/>
+          <p:cNvSpPr txBox="1"/>
+          <p:nvPr>
+            <p:ph idx="12" type="sldNum"/>
+          </p:nvPr>
+        </p:nvSpPr>
+        <p:spPr>
+          <a:xfrm>
+            <a:off x="8536302" y="4749851"/>
+            <a:ext cx="548700" cy="393600"/>
+          </a:xfrm>
+          <a:prstGeom prst="rect">
+            <a:avLst/>
+          </a:prstGeom>
+        </p:spPr>
+        <p:txBody>
+          <a:bodyPr anchorCtr="0" anchor="ctr" bIns="91425" lIns="91425" rIns="91425" wrap="square" tIns="91425">
+            <a:noAutofit/>
+          </a:bodyPr>
+          <a:lstStyle/>
+          <a:p>
+            <a:pPr lvl="0">
+              <a:spcBef>
+                <a:spcPts val="0"/>
+              </a:spcBef>
+              <a:buNone/>
+            </a:pPr>
+            <a:fld id="{00000000-1234-1234-1234-123412341234}" type="slidenum">
+              <a:rPr lang="en"/>
+              <a:t>‹#›</a:t>
+            </a:fld>
           </a:p>
         </p:txBody>
       </p:sp>
@@ -5687,6 +8225,285 @@
 </file>
 
 <file path=ppt/theme/theme1.xml><?xml version="1.0" encoding="utf-8"?>
+<a:theme xmlns:a="http://schemas.openxmlformats.org/drawingml/2006/main" xmlns:r="http://schemas.openxmlformats.org/officeDocument/2006/relationships" name="Streamline">
+  <a:themeElements>
+    <a:clrScheme name="Streamline">
+      <a:dk1>
+        <a:srgbClr val="1A9988"/>
+      </a:dk1>
+      <a:lt1>
+        <a:srgbClr val="FFFFFF"/>
+      </a:lt1>
+      <a:dk2>
+        <a:srgbClr val="1A1A1A"/>
+      </a:dk2>
+      <a:lt2>
+        <a:srgbClr val="E9EDEE"/>
+      </a:lt2>
+      <a:accent1>
+        <a:srgbClr val="595959"/>
+      </a:accent1>
+      <a:accent2>
+        <a:srgbClr val="6AA4C8"/>
+      </a:accent2>
+      <a:accent3>
+        <a:srgbClr val="EB5600"/>
+      </a:accent3>
+      <a:accent4>
+        <a:srgbClr val="A2FFE8"/>
+      </a:accent4>
+      <a:accent5>
+        <a:srgbClr val="1C3678"/>
+      </a:accent5>
+      <a:accent6>
+        <a:srgbClr val="FFB8A2"/>
+      </a:accent6>
+      <a:hlink>
+        <a:srgbClr val="1C3678"/>
+      </a:hlink>
+      <a:folHlink>
+        <a:srgbClr val="1C3678"/>
+      </a:folHlink>
+    </a:clrScheme>
+    <a:fontScheme name="Office">
+      <a:majorFont>
+        <a:latin typeface="Arial"/>
+        <a:ea typeface=""/>
+        <a:cs typeface=""/>
+        <a:font script="Jpan" typeface="ＭＳ Ｐゴシック"/>
+        <a:font script="Hang" typeface="맑은 고딕"/>
+        <a:font script="Hans" typeface="宋体"/>
+        <a:font script="Hant" typeface="新細明體"/>
+        <a:font script="Arab" typeface="Times New Roman"/>
+        <a:font script="Hebr" typeface="Times New Roman"/>
+        <a:font script="Thai" typeface="Angsana New"/>
+        <a:font script="Ethi" typeface="Nyala"/>
+        <a:font script="Beng" typeface="Vrinda"/>
+        <a:font script="Gujr" typeface="Shruti"/>
+        <a:font script="Khmr" typeface="MoolBoran"/>
+        <a:font script="Knda" typeface="Tunga"/>
+        <a:font script="Guru" typeface="Raavi"/>
+        <a:font script="Cans" typeface="Euphemia"/>
+        <a:font script="Cher" typeface="Plantagenet Cherokee"/>
+        <a:font script="Yiii" typeface="Microsoft Yi Baiti"/>
+        <a:font script="Tibt" typeface="Microsoft Himalaya"/>
+        <a:font script="Thaa" typeface="MV Boli"/>
+        <a:font script="Deva" typeface="Mangal"/>
+        <a:font script="Telu" typeface="Gautami"/>
+        <a:font script="Taml" typeface="Latha"/>
+        <a:font script="Syrc" typeface="Estrangelo Edessa"/>
+        <a:font script="Orya" typeface="Kalinga"/>
+        <a:font script="Mlym" typeface="Kartika"/>
+        <a:font script="Laoo" typeface="DokChampa"/>
+        <a:font script="Sinh" typeface="Iskoola Pota"/>
+        <a:font script="Mong" typeface="Mongolian Baiti"/>
+        <a:font script="Viet" typeface="Times New Roman"/>
+        <a:font script="Uigh" typeface="Microsoft Uighur"/>
+        <a:font script="Geor" typeface="Sylfaen"/>
+      </a:majorFont>
+      <a:minorFont>
+        <a:latin typeface="Arial"/>
+        <a:ea typeface=""/>
+        <a:cs typeface=""/>
+        <a:font script="Jpan" typeface="ＭＳ Ｐゴシック"/>
+        <a:font script="Hang" typeface="맑은 고딕"/>
+        <a:font script="Hans" typeface="宋体"/>
+        <a:font script="Hant" typeface="新細明體"/>
+        <a:font script="Arab" typeface="Arial"/>
+        <a:font script="Hebr" typeface="Arial"/>
+        <a:font script="Thai" typeface="Cordia New"/>
+        <a:font script="Ethi" typeface="Nyala"/>
+        <a:font script="Beng" typeface="Vrinda"/>
+        <a:font script="Gujr" typeface="Shruti"/>
+        <a:font script="Khmr" typeface="DaunPenh"/>
+        <a:font script="Knda" typeface="Tunga"/>
+        <a:font script="Guru" typeface="Raavi"/>
+        <a:font script="Cans" typeface="Euphemia"/>
+        <a:font script="Cher" typeface="Plantagenet Cherokee"/>
+        <a:font script="Yiii" typeface="Microsoft Yi Baiti"/>
+        <a:font script="Tibt" typeface="Microsoft Himalaya"/>
+        <a:font script="Thaa" typeface="MV Boli"/>
+        <a:font script="Deva" typeface="Mangal"/>
+        <a:font script="Telu" typeface="Gautami"/>
+        <a:font script="Taml" typeface="Latha"/>
+        <a:font script="Syrc" typeface="Estrangelo Edessa"/>
+        <a:font script="Orya" typeface="Kalinga"/>
+        <a:font script="Mlym" typeface="Kartika"/>
+        <a:font script="Laoo" typeface="DokChampa"/>
+        <a:font script="Sinh" typeface="Iskoola Pota"/>
+        <a:font script="Mong" typeface="Mongolian Baiti"/>
+        <a:font script="Viet" typeface="Arial"/>
+        <a:font script="Uigh" typeface="Microsoft Uighur"/>
+        <a:font script="Geor" typeface="Sylfaen"/>
+      </a:minorFont>
+    </a:fontScheme>
+    <a:fmtScheme name="Office">
+      <a:fillStyleLst>
+        <a:solidFill>
+          <a:schemeClr val="phClr"/>
+        </a:solidFill>
+        <a:gradFill rotWithShape="1">
+          <a:gsLst>
+            <a:gs pos="0">
+              <a:schemeClr val="phClr">
+                <a:tint val="50000"/>
+                <a:satMod val="300000"/>
+              </a:schemeClr>
+            </a:gs>
+            <a:gs pos="35000">
+              <a:schemeClr val="phClr">
+                <a:tint val="37000"/>
+                <a:satMod val="300000"/>
+              </a:schemeClr>
+            </a:gs>
+            <a:gs pos="100000">
+              <a:schemeClr val="phClr">
+                <a:tint val="15000"/>
+                <a:satMod val="350000"/>
+              </a:schemeClr>
+            </a:gs>
+          </a:gsLst>
+          <a:lin ang="16200000" scaled="1"/>
+        </a:gradFill>
+        <a:gradFill rotWithShape="1">
+          <a:gsLst>
+            <a:gs pos="0">
+              <a:schemeClr val="phClr">
+                <a:tint val="100000"/>
+                <a:shade val="100000"/>
+                <a:satMod val="130000"/>
+              </a:schemeClr>
+            </a:gs>
+            <a:gs pos="100000">
+              <a:schemeClr val="phClr">
+                <a:tint val="50000"/>
+                <a:shade val="100000"/>
+                <a:satMod val="350000"/>
+              </a:schemeClr>
+            </a:gs>
+          </a:gsLst>
+          <a:lin ang="16200000" scaled="0"/>
+        </a:gradFill>
+      </a:fillStyleLst>
+      <a:lnStyleLst>
+        <a:ln w="9525" cap="flat" cmpd="sng" algn="ctr">
+          <a:solidFill>
+            <a:schemeClr val="phClr">
+              <a:shade val="95000"/>
+              <a:satMod val="105000"/>
+            </a:schemeClr>
+          </a:solidFill>
+          <a:prstDash val="solid"/>
+        </a:ln>
+        <a:ln w="25400" cap="flat" cmpd="sng" algn="ctr">
+          <a:solidFill>
+            <a:schemeClr val="phClr"/>
+          </a:solidFill>
+          <a:prstDash val="solid"/>
+        </a:ln>
+        <a:ln w="38100" cap="flat" cmpd="sng" algn="ctr">
+          <a:solidFill>
+            <a:schemeClr val="phClr"/>
+          </a:solidFill>
+          <a:prstDash val="solid"/>
+        </a:ln>
+      </a:lnStyleLst>
+      <a:effectStyleLst>
+        <a:effectStyle>
+          <a:effectLst>
+            <a:outerShdw blurRad="40000" dist="20000" dir="5400000" rotWithShape="0">
+              <a:srgbClr val="000000">
+                <a:alpha val="38000"/>
+              </a:srgbClr>
+            </a:outerShdw>
+          </a:effectLst>
+        </a:effectStyle>
+        <a:effectStyle>
+          <a:effectLst>
+            <a:outerShdw blurRad="40000" dist="23000" dir="5400000" rotWithShape="0">
+              <a:srgbClr val="000000">
+                <a:alpha val="35000"/>
+              </a:srgbClr>
+            </a:outerShdw>
+          </a:effectLst>
+        </a:effectStyle>
+        <a:effectStyle>
+          <a:effectLst>
+            <a:outerShdw blurRad="40000" dist="23000" dir="5400000" rotWithShape="0">
+              <a:srgbClr val="000000">
+                <a:alpha val="35000"/>
+              </a:srgbClr>
+            </a:outerShdw>
+          </a:effectLst>
+          <a:scene3d>
+            <a:camera prst="orthographicFront">
+              <a:rot lat="0" lon="0" rev="0"/>
+            </a:camera>
+            <a:lightRig rig="threePt" dir="t">
+              <a:rot lat="0" lon="0" rev="1200000"/>
+            </a:lightRig>
+          </a:scene3d>
+          <a:sp3d>
+            <a:bevelT w="63500" h="25400"/>
+          </a:sp3d>
+        </a:effectStyle>
+      </a:effectStyleLst>
+      <a:bgFillStyleLst>
+        <a:solidFill>
+          <a:schemeClr val="phClr"/>
+        </a:solidFill>
+        <a:gradFill rotWithShape="1">
+          <a:gsLst>
+            <a:gs pos="0">
+              <a:schemeClr val="phClr">
+                <a:tint val="40000"/>
+                <a:satMod val="350000"/>
+              </a:schemeClr>
+            </a:gs>
+            <a:gs pos="40000">
+              <a:schemeClr val="phClr">
+                <a:tint val="45000"/>
+                <a:shade val="99000"/>
+                <a:satMod val="350000"/>
+              </a:schemeClr>
+            </a:gs>
+            <a:gs pos="100000">
+              <a:schemeClr val="phClr">
+                <a:shade val="20000"/>
+                <a:satMod val="255000"/>
+              </a:schemeClr>
+            </a:gs>
+          </a:gsLst>
+          <a:path path="circle">
+            <a:fillToRect l="50000" t="-80000" r="50000" b="180000"/>
+          </a:path>
+        </a:gradFill>
+        <a:gradFill rotWithShape="1">
+          <a:gsLst>
+            <a:gs pos="0">
+              <a:schemeClr val="phClr">
+                <a:tint val="80000"/>
+                <a:satMod val="300000"/>
+              </a:schemeClr>
+            </a:gs>
+            <a:gs pos="100000">
+              <a:schemeClr val="phClr">
+                <a:shade val="30000"/>
+                <a:satMod val="200000"/>
+              </a:schemeClr>
+            </a:gs>
+          </a:gsLst>
+          <a:path path="circle">
+            <a:fillToRect l="50000" t="50000" r="50000" b="50000"/>
+          </a:path>
+        </a:gradFill>
+      </a:bgFillStyleLst>
+    </a:fmtScheme>
+  </a:themeElements>
+</a:theme>
+</file>
+
+<file path=ppt/theme/theme2.xml><?xml version="1.0" encoding="utf-8"?>
 <a:theme xmlns:a="http://schemas.openxmlformats.org/drawingml/2006/main" xmlns:r="http://schemas.openxmlformats.org/officeDocument/2006/relationships" name="Custom Theme">
   <a:themeElements>
     <a:clrScheme name="Default">
@@ -5963,283 +8780,4 @@
     </a:fmtScheme>
   </a:themeElements>
 </a:theme>
-</file>
-
-<file path=ppt/theme/theme2.xml><?xml version="1.0" encoding="utf-8"?>
-<a:theme xmlns:a="http://schemas.openxmlformats.org/drawingml/2006/main" xmlns:r="http://schemas.openxmlformats.org/officeDocument/2006/relationships" name="Simple Light">
-  <a:themeElements>
-    <a:clrScheme name="Simple Light">
-      <a:dk1>
-        <a:srgbClr val="000000"/>
-      </a:dk1>
-      <a:lt1>
-        <a:srgbClr val="FFFFFF"/>
-      </a:lt1>
-      <a:dk2>
-        <a:srgbClr val="595959"/>
-      </a:dk2>
-      <a:lt2>
-        <a:srgbClr val="EEEEEE"/>
-      </a:lt2>
-      <a:accent1>
-        <a:srgbClr val="FFAB40"/>
-      </a:accent1>
-      <a:accent2>
-        <a:srgbClr val="212121"/>
-      </a:accent2>
-      <a:accent3>
-        <a:srgbClr val="78909C"/>
-      </a:accent3>
-      <a:accent4>
-        <a:srgbClr val="FFAB40"/>
-      </a:accent4>
-      <a:accent5>
-        <a:srgbClr val="0097A7"/>
-      </a:accent5>
-      <a:accent6>
-        <a:srgbClr val="EEFF41"/>
-      </a:accent6>
-      <a:hlink>
-        <a:srgbClr val="0097A7"/>
-      </a:hlink>
-      <a:folHlink>
-        <a:srgbClr val="0097A7"/>
-      </a:folHlink>
-    </a:clrScheme>
-    <a:fontScheme name="Office">
-      <a:majorFont>
-        <a:latin typeface="Arial"/>
-        <a:ea typeface=""/>
-        <a:cs typeface=""/>
-        <a:font script="Jpan" typeface="ＭＳ Ｐゴシック"/>
-        <a:font script="Hang" typeface="맑은 고딕"/>
-        <a:font script="Hans" typeface="宋体"/>
-        <a:font script="Hant" typeface="新細明體"/>
-        <a:font script="Arab" typeface="Times New Roman"/>
-        <a:font script="Hebr" typeface="Times New Roman"/>
-        <a:font script="Thai" typeface="Angsana New"/>
-        <a:font script="Ethi" typeface="Nyala"/>
-        <a:font script="Beng" typeface="Vrinda"/>
-        <a:font script="Gujr" typeface="Shruti"/>
-        <a:font script="Khmr" typeface="MoolBoran"/>
-        <a:font script="Knda" typeface="Tunga"/>
-        <a:font script="Guru" typeface="Raavi"/>
-        <a:font script="Cans" typeface="Euphemia"/>
-        <a:font script="Cher" typeface="Plantagenet Cherokee"/>
-        <a:font script="Yiii" typeface="Microsoft Yi Baiti"/>
-        <a:font script="Tibt" typeface="Microsoft Himalaya"/>
-        <a:font script="Thaa" typeface="MV Boli"/>
-        <a:font script="Deva" typeface="Mangal"/>
-        <a:font script="Telu" typeface="Gautami"/>
-        <a:font script="Taml" typeface="Latha"/>
-        <a:font script="Syrc" typeface="Estrangelo Edessa"/>
-        <a:font script="Orya" typeface="Kalinga"/>
-        <a:font script="Mlym" typeface="Kartika"/>
-        <a:font script="Laoo" typeface="DokChampa"/>
-        <a:font script="Sinh" typeface="Iskoola Pota"/>
-        <a:font script="Mong" typeface="Mongolian Baiti"/>
-        <a:font script="Viet" typeface="Times New Roman"/>
-        <a:font script="Uigh" typeface="Microsoft Uighur"/>
-        <a:font script="Geor" typeface="Sylfaen"/>
-      </a:majorFont>
-      <a:minorFont>
-        <a:latin typeface="Arial"/>
-        <a:ea typeface=""/>
-        <a:cs typeface=""/>
-        <a:font script="Jpan" typeface="ＭＳ Ｐゴシック"/>
-        <a:font script="Hang" typeface="맑은 고딕"/>
-        <a:font script="Hans" typeface="宋体"/>
-        <a:font script="Hant" typeface="新細明體"/>
-        <a:font script="Arab" typeface="Arial"/>
-        <a:font script="Hebr" typeface="Arial"/>
-        <a:font script="Thai" typeface="Cordia New"/>
-        <a:font script="Ethi" typeface="Nyala"/>
-        <a:font script="Beng" typeface="Vrinda"/>
-        <a:font script="Gujr" typeface="Shruti"/>
-        <a:font script="Khmr" typeface="DaunPenh"/>
-        <a:font script="Knda" typeface="Tunga"/>
-        <a:font script="Guru" typeface="Raavi"/>
-        <a:font script="Cans" typeface="Euphemia"/>
-        <a:font script="Cher" typeface="Plantagenet Cherokee"/>
-        <a:font script="Yiii" typeface="Microsoft Yi Baiti"/>
-        <a:font script="Tibt" typeface="Microsoft Himalaya"/>
-        <a:font script="Thaa" typeface="MV Boli"/>
-        <a:font script="Deva" typeface="Mangal"/>
-        <a:font script="Telu" typeface="Gautami"/>
-        <a:font script="Taml" typeface="Latha"/>
-        <a:font script="Syrc" typeface="Estrangelo Edessa"/>
-        <a:font script="Orya" typeface="Kalinga"/>
-        <a:font script="Mlym" typeface="Kartika"/>
-        <a:font script="Laoo" typeface="DokChampa"/>
-        <a:font script="Sinh" typeface="Iskoola Pota"/>
-        <a:font script="Mong" typeface="Mongolian Baiti"/>
-        <a:font script="Viet" typeface="Arial"/>
-        <a:font script="Uigh" typeface="Microsoft Uighur"/>
-        <a:font script="Geor" typeface="Sylfaen"/>
-      </a:minorFont>
-    </a:fontScheme>
-    <a:fmtScheme name="Office">
-      <a:fillStyleLst>
-        <a:solidFill>
-          <a:schemeClr val="phClr"/>
-        </a:solidFill>
-        <a:gradFill rotWithShape="1">
-          <a:gsLst>
-            <a:gs pos="0">
-              <a:schemeClr val="phClr">
-                <a:tint val="50000"/>
-                <a:satMod val="300000"/>
-              </a:schemeClr>
-            </a:gs>
-            <a:gs pos="35000">
-              <a:schemeClr val="phClr">
-                <a:tint val="37000"/>
-                <a:satMod val="300000"/>
-              </a:schemeClr>
-            </a:gs>
-            <a:gs pos="100000">
-              <a:schemeClr val="phClr">
-                <a:tint val="15000"/>
-                <a:satMod val="350000"/>
-              </a:schemeClr>
-            </a:gs>
-          </a:gsLst>
-          <a:lin ang="16200000" scaled="1"/>
-        </a:gradFill>
-        <a:gradFill rotWithShape="1">
-          <a:gsLst>
-            <a:gs pos="0">
-              <a:schemeClr val="phClr">
-                <a:tint val="100000"/>
-                <a:shade val="100000"/>
-                <a:satMod val="130000"/>
-              </a:schemeClr>
-            </a:gs>
-            <a:gs pos="100000">
-              <a:schemeClr val="phClr">
-                <a:tint val="50000"/>
-                <a:shade val="100000"/>
-                <a:satMod val="350000"/>
-              </a:schemeClr>
-            </a:gs>
-          </a:gsLst>
-          <a:lin ang="16200000" scaled="0"/>
-        </a:gradFill>
-      </a:fillStyleLst>
-      <a:lnStyleLst>
-        <a:ln w="9525" cap="flat" cmpd="sng" algn="ctr">
-          <a:solidFill>
-            <a:schemeClr val="phClr">
-              <a:shade val="95000"/>
-              <a:satMod val="105000"/>
-            </a:schemeClr>
-          </a:solidFill>
-          <a:prstDash val="solid"/>
-        </a:ln>
-        <a:ln w="25400" cap="flat" cmpd="sng" algn="ctr">
-          <a:solidFill>
-            <a:schemeClr val="phClr"/>
-          </a:solidFill>
-          <a:prstDash val="solid"/>
-        </a:ln>
-        <a:ln w="38100" cap="flat" cmpd="sng" algn="ctr">
-          <a:solidFill>
-            <a:schemeClr val="phClr"/>
-          </a:solidFill>
-          <a:prstDash val="solid"/>
-        </a:ln>
-      </a:lnStyleLst>
-      <a:effectStyleLst>
-        <a:effectStyle>
-          <a:effectLst>
-            <a:outerShdw blurRad="40000" dist="20000" dir="5400000" rotWithShape="0">
-              <a:srgbClr val="000000">
-                <a:alpha val="38000"/>
-              </a:srgbClr>
-            </a:outerShdw>
-          </a:effectLst>
-        </a:effectStyle>
-        <a:effectStyle>
-          <a:effectLst>
-            <a:outerShdw blurRad="40000" dist="23000" dir="5400000" rotWithShape="0">
-              <a:srgbClr val="000000">
-                <a:alpha val="35000"/>
-              </a:srgbClr>
-            </a:outerShdw>
-          </a:effectLst>
-        </a:effectStyle>
-        <a:effectStyle>
-          <a:effectLst>
-            <a:outerShdw blurRad="40000" dist="23000" dir="5400000" rotWithShape="0">
-              <a:srgbClr val="000000">
-                <a:alpha val="35000"/>
-              </a:srgbClr>
-            </a:outerShdw>
-          </a:effectLst>
-          <a:scene3d>
-            <a:camera prst="orthographicFront">
-              <a:rot lat="0" lon="0" rev="0"/>
-            </a:camera>
-            <a:lightRig rig="threePt" dir="t">
-              <a:rot lat="0" lon="0" rev="1200000"/>
-            </a:lightRig>
-          </a:scene3d>
-          <a:sp3d>
-            <a:bevelT w="63500" h="25400"/>
-          </a:sp3d>
-        </a:effectStyle>
-      </a:effectStyleLst>
-      <a:bgFillStyleLst>
-        <a:solidFill>
-          <a:schemeClr val="phClr"/>
-        </a:solidFill>
-        <a:gradFill rotWithShape="1">
-          <a:gsLst>
-            <a:gs pos="0">
-              <a:schemeClr val="phClr">
-                <a:tint val="40000"/>
-                <a:satMod val="350000"/>
-              </a:schemeClr>
-            </a:gs>
-            <a:gs pos="40000">
-              <a:schemeClr val="phClr">
-                <a:tint val="45000"/>
-                <a:shade val="99000"/>
-                <a:satMod val="350000"/>
-              </a:schemeClr>
-            </a:gs>
-            <a:gs pos="100000">
-              <a:schemeClr val="phClr">
-                <a:shade val="20000"/>
-                <a:satMod val="255000"/>
-              </a:schemeClr>
-            </a:gs>
-          </a:gsLst>
-          <a:path path="circle">
-            <a:fillToRect l="50000" t="-80000" r="50000" b="180000"/>
-          </a:path>
-        </a:gradFill>
-        <a:gradFill rotWithShape="1">
-          <a:gsLst>
-            <a:gs pos="0">
-              <a:schemeClr val="phClr">
-                <a:tint val="80000"/>
-                <a:satMod val="300000"/>
-              </a:schemeClr>
-            </a:gs>
-            <a:gs pos="100000">
-              <a:schemeClr val="phClr">
-                <a:shade val="30000"/>
-                <a:satMod val="200000"/>
-              </a:schemeClr>
-            </a:gs>
-          </a:gsLst>
-          <a:path path="circle">
-            <a:fillToRect l="50000" t="50000" r="50000" b="50000"/>
-          </a:path>
-        </a:gradFill>
-      </a:bgFillStyleLst>
-    </a:fmtScheme>
-  </a:themeElements>
-</a:theme>
 </file>